--- a/local/plots/quasar_mode_feedback_compressed.pptx
+++ b/local/plots/quasar_mode_feedback_compressed.pptx
@@ -2,7 +2,7 @@
 <file path=ppt/presentation.xml><?xml version="1.0" encoding="utf-8"?>
 <p:presentation xmlns:a="http://schemas.openxmlformats.org/drawingml/2006/main" xmlns:r="http://schemas.openxmlformats.org/officeDocument/2006/relationships" xmlns:p="http://schemas.openxmlformats.org/presentationml/2006/main" saveSubsetFonts="1" autoCompressPictures="0">
   <p:sldMasterIdLst>
-    <p:sldMasterId id="2147483732" r:id="rId1"/>
+    <p:sldMasterId id="2147483756" r:id="rId1"/>
   </p:sldMasterIdLst>
   <p:sldIdLst>
     <p:sldId id="256" r:id="rId2"/>
@@ -243,7 +243,7 @@
           <a:p>
             <a:fld id="{2DAC84F6-6BCF-0648-8D07-FD4F918A8B04}" type="datetimeFigureOut">
               <a:rPr lang="en-GB" smtClean="0"/>
-              <a:t>07/11/2019</a:t>
+              <a:t>09/11/2019</a:t>
             </a:fld>
             <a:endParaRPr lang="en-GB"/>
           </a:p>
@@ -408,7 +408,7 @@
           <a:p>
             <a:fld id="{2DAC84F6-6BCF-0648-8D07-FD4F918A8B04}" type="datetimeFigureOut">
               <a:rPr lang="en-GB" smtClean="0"/>
-              <a:t>07/11/2019</a:t>
+              <a:t>09/11/2019</a:t>
             </a:fld>
             <a:endParaRPr lang="en-GB"/>
           </a:p>
@@ -583,7 +583,7 @@
           <a:p>
             <a:fld id="{2DAC84F6-6BCF-0648-8D07-FD4F918A8B04}" type="datetimeFigureOut">
               <a:rPr lang="en-GB" smtClean="0"/>
-              <a:t>07/11/2019</a:t>
+              <a:t>09/11/2019</a:t>
             </a:fld>
             <a:endParaRPr lang="en-GB"/>
           </a:p>
@@ -748,7 +748,7 @@
           <a:p>
             <a:fld id="{2DAC84F6-6BCF-0648-8D07-FD4F918A8B04}" type="datetimeFigureOut">
               <a:rPr lang="en-GB" smtClean="0"/>
-              <a:t>07/11/2019</a:t>
+              <a:t>09/11/2019</a:t>
             </a:fld>
             <a:endParaRPr lang="en-GB"/>
           </a:p>
@@ -989,7 +989,7 @@
           <a:p>
             <a:fld id="{2DAC84F6-6BCF-0648-8D07-FD4F918A8B04}" type="datetimeFigureOut">
               <a:rPr lang="en-GB" smtClean="0"/>
-              <a:t>07/11/2019</a:t>
+              <a:t>09/11/2019</a:t>
             </a:fld>
             <a:endParaRPr lang="en-GB"/>
           </a:p>
@@ -1216,7 +1216,7 @@
           <a:p>
             <a:fld id="{2DAC84F6-6BCF-0648-8D07-FD4F918A8B04}" type="datetimeFigureOut">
               <a:rPr lang="en-GB" smtClean="0"/>
-              <a:t>07/11/2019</a:t>
+              <a:t>09/11/2019</a:t>
             </a:fld>
             <a:endParaRPr lang="en-GB"/>
           </a:p>
@@ -1578,7 +1578,7 @@
           <a:p>
             <a:fld id="{2DAC84F6-6BCF-0648-8D07-FD4F918A8B04}" type="datetimeFigureOut">
               <a:rPr lang="en-GB" smtClean="0"/>
-              <a:t>07/11/2019</a:t>
+              <a:t>09/11/2019</a:t>
             </a:fld>
             <a:endParaRPr lang="en-GB"/>
           </a:p>
@@ -1691,7 +1691,7 @@
           <a:p>
             <a:fld id="{2DAC84F6-6BCF-0648-8D07-FD4F918A8B04}" type="datetimeFigureOut">
               <a:rPr lang="en-GB" smtClean="0"/>
-              <a:t>07/11/2019</a:t>
+              <a:t>09/11/2019</a:t>
             </a:fld>
             <a:endParaRPr lang="en-GB"/>
           </a:p>
@@ -1781,7 +1781,7 @@
           <a:p>
             <a:fld id="{2DAC84F6-6BCF-0648-8D07-FD4F918A8B04}" type="datetimeFigureOut">
               <a:rPr lang="en-GB" smtClean="0"/>
-              <a:t>07/11/2019</a:t>
+              <a:t>09/11/2019</a:t>
             </a:fld>
             <a:endParaRPr lang="en-GB"/>
           </a:p>
@@ -2053,7 +2053,7 @@
           <a:p>
             <a:fld id="{2DAC84F6-6BCF-0648-8D07-FD4F918A8B04}" type="datetimeFigureOut">
               <a:rPr lang="en-GB" smtClean="0"/>
-              <a:t>07/11/2019</a:t>
+              <a:t>09/11/2019</a:t>
             </a:fld>
             <a:endParaRPr lang="en-GB"/>
           </a:p>
@@ -2305,7 +2305,7 @@
           <a:p>
             <a:fld id="{2DAC84F6-6BCF-0648-8D07-FD4F918A8B04}" type="datetimeFigureOut">
               <a:rPr lang="en-GB" smtClean="0"/>
-              <a:t>07/11/2019</a:t>
+              <a:t>09/11/2019</a:t>
             </a:fld>
             <a:endParaRPr lang="en-GB"/>
           </a:p>
@@ -2513,7 +2513,7 @@
           <a:p>
             <a:fld id="{2DAC84F6-6BCF-0648-8D07-FD4F918A8B04}" type="datetimeFigureOut">
               <a:rPr lang="en-GB" smtClean="0"/>
-              <a:t>07/11/2019</a:t>
+              <a:t>09/11/2019</a:t>
             </a:fld>
             <a:endParaRPr lang="en-GB"/>
           </a:p>
@@ -2600,23 +2600,23 @@
     </p:spTree>
     <p:extLst>
       <p:ext uri="{BB962C8B-B14F-4D97-AF65-F5344CB8AC3E}">
-        <p14:creationId xmlns:p14="http://schemas.microsoft.com/office/powerpoint/2010/main" val="874594912"/>
+        <p14:creationId xmlns:p14="http://schemas.microsoft.com/office/powerpoint/2010/main" val="1552406688"/>
       </p:ext>
     </p:extLst>
   </p:cSld>
   <p:clrMap bg1="lt1" tx1="dk1" bg2="lt2" tx2="dk2" accent1="accent1" accent2="accent2" accent3="accent3" accent4="accent4" accent5="accent5" accent6="accent6" hlink="hlink" folHlink="folHlink"/>
   <p:sldLayoutIdLst>
-    <p:sldLayoutId id="2147483733" r:id="rId1"/>
-    <p:sldLayoutId id="2147483734" r:id="rId2"/>
-    <p:sldLayoutId id="2147483735" r:id="rId3"/>
-    <p:sldLayoutId id="2147483736" r:id="rId4"/>
-    <p:sldLayoutId id="2147483737" r:id="rId5"/>
-    <p:sldLayoutId id="2147483738" r:id="rId6"/>
-    <p:sldLayoutId id="2147483739" r:id="rId7"/>
-    <p:sldLayoutId id="2147483740" r:id="rId8"/>
-    <p:sldLayoutId id="2147483741" r:id="rId9"/>
-    <p:sldLayoutId id="2147483742" r:id="rId10"/>
-    <p:sldLayoutId id="2147483743" r:id="rId11"/>
+    <p:sldLayoutId id="2147483757" r:id="rId1"/>
+    <p:sldLayoutId id="2147483758" r:id="rId2"/>
+    <p:sldLayoutId id="2147483759" r:id="rId3"/>
+    <p:sldLayoutId id="2147483760" r:id="rId4"/>
+    <p:sldLayoutId id="2147483761" r:id="rId5"/>
+    <p:sldLayoutId id="2147483762" r:id="rId6"/>
+    <p:sldLayoutId id="2147483763" r:id="rId7"/>
+    <p:sldLayoutId id="2147483764" r:id="rId8"/>
+    <p:sldLayoutId id="2147483765" r:id="rId9"/>
+    <p:sldLayoutId id="2147483766" r:id="rId10"/>
+    <p:sldLayoutId id="2147483767" r:id="rId11"/>
   </p:sldLayoutIdLst>
   <p:txStyles>
     <p:titleStyle>
@@ -2926,7 +2926,7 @@
         </p:nvSpPr>
         <p:spPr>
           <a:xfrm rot="17233419">
-            <a:off x="8787819" y="1650264"/>
+            <a:off x="8829172" y="1632804"/>
             <a:ext cx="214762" cy="1601528"/>
           </a:xfrm>
           <a:prstGeom prst="downArrow">
@@ -2982,7 +2982,7 @@
         </p:nvSpPr>
         <p:spPr>
           <a:xfrm rot="14974373">
-            <a:off x="8815587" y="394317"/>
+            <a:off x="8856940" y="376857"/>
             <a:ext cx="214762" cy="1601528"/>
           </a:xfrm>
           <a:prstGeom prst="downArrow">
@@ -3032,13 +3032,13 @@
       </p:sp>
       <p:sp>
         <p:nvSpPr>
-          <p:cNvPr id="37" name="Down Arrow 36"/>
+          <p:cNvPr id="36" name="Down Arrow 35"/>
           <p:cNvSpPr/>
           <p:nvPr/>
         </p:nvSpPr>
         <p:spPr>
           <a:xfrm rot="16200000">
-            <a:off x="5297249" y="588810"/>
+            <a:off x="5343661" y="570191"/>
             <a:ext cx="214762" cy="2485192"/>
           </a:xfrm>
           <a:prstGeom prst="downArrow">
@@ -3088,69 +3088,13 @@
       </p:sp>
       <p:sp>
         <p:nvSpPr>
-          <p:cNvPr id="36" name="Down Arrow 35"/>
+          <p:cNvPr id="12" name="Oval 11"/>
           <p:cNvSpPr/>
           <p:nvPr/>
         </p:nvSpPr>
         <p:spPr>
-          <a:xfrm rot="16200000">
-            <a:off x="2099901" y="588810"/>
-            <a:ext cx="214762" cy="2485192"/>
-          </a:xfrm>
-          <a:prstGeom prst="downArrow">
-            <a:avLst>
-              <a:gd name="adj1" fmla="val 50000"/>
-              <a:gd name="adj2" fmla="val 70370"/>
-            </a:avLst>
-          </a:prstGeom>
-          <a:solidFill>
-            <a:schemeClr val="tx1"/>
-          </a:solidFill>
-          <a:ln>
-            <a:solidFill>
-              <a:schemeClr val="tx1"/>
-            </a:solidFill>
-          </a:ln>
-        </p:spPr>
-        <p:style>
-          <a:lnRef idx="2">
-            <a:schemeClr val="accent1">
-              <a:shade val="50000"/>
-            </a:schemeClr>
-          </a:lnRef>
-          <a:fillRef idx="1">
-            <a:schemeClr val="accent1"/>
-          </a:fillRef>
-          <a:effectRef idx="0">
-            <a:schemeClr val="accent1"/>
-          </a:effectRef>
-          <a:fontRef idx="minor">
-            <a:schemeClr val="lt1"/>
-          </a:fontRef>
-        </p:style>
-        <p:txBody>
-          <a:bodyPr rot="0" spcFirstLastPara="0" vertOverflow="overflow" horzOverflow="overflow" vert="horz" wrap="square" lIns="91440" tIns="45720" rIns="91440" bIns="45720" numCol="1" spcCol="0" rtlCol="0" fromWordArt="0" anchor="ctr" anchorCtr="0" forceAA="0" compatLnSpc="1">
-            <a:prstTxWarp prst="textNoShape">
-              <a:avLst/>
-            </a:prstTxWarp>
-            <a:noAutofit/>
-          </a:bodyPr>
-          <a:lstStyle/>
-          <a:p>
-            <a:pPr algn="ctr"/>
-            <a:endParaRPr lang="en-GB"/>
-          </a:p>
-        </p:txBody>
-      </p:sp>
-      <p:sp>
-        <p:nvSpPr>
-          <p:cNvPr id="30" name="Oval 29"/>
-          <p:cNvSpPr/>
-          <p:nvPr/>
-        </p:nvSpPr>
-        <p:spPr>
           <a:xfrm>
-            <a:off x="3479989" y="1185598"/>
+            <a:off x="3527897" y="1164706"/>
             <a:ext cx="1848716" cy="1273687"/>
           </a:xfrm>
           <a:prstGeom prst="ellipse">
@@ -3222,15 +3166,198 @@
           </a:p>
         </p:txBody>
       </p:sp>
-      <p:sp>
-        <p:nvSpPr>
-          <p:cNvPr id="12" name="Oval 11"/>
+      <p:pic>
+        <p:nvPicPr>
+          <p:cNvPr id="4" name="Picture 3"/>
+          <p:cNvPicPr>
+            <a:picLocks noChangeAspect="1"/>
+          </p:cNvPicPr>
+          <p:nvPr/>
+        </p:nvPicPr>
+        <p:blipFill>
+          <a:blip r:embed="rId2">
+            <a:extLst>
+              <a:ext uri="{BEBA8EAE-BF5A-486C-A8C5-ECC9F3942E4B}">
+                <a14:imgProps xmlns:a14="http://schemas.microsoft.com/office/drawing/2010/main">
+                  <a14:imgLayer r:embed="rId3">
+                    <a14:imgEffect>
+                      <a14:backgroundRemoval t="10000" b="90000" l="10000" r="90000"/>
+                    </a14:imgEffect>
+                  </a14:imgLayer>
+                </a14:imgProps>
+              </a:ext>
+              <a:ext uri="{28A0092B-C50C-407E-A947-70E740481C1C}">
+                <a14:useLocalDpi xmlns:a14="http://schemas.microsoft.com/office/drawing/2010/main" val="0"/>
+              </a:ext>
+            </a:extLst>
+          </a:blip>
+          <a:stretch>
+            <a:fillRect/>
+          </a:stretch>
+        </p:blipFill>
+        <p:spPr>
+          <a:xfrm>
+            <a:off x="425394" y="2701756"/>
+            <a:ext cx="812744" cy="809815"/>
+          </a:xfrm>
+          <a:prstGeom prst="rect">
+            <a:avLst/>
+          </a:prstGeom>
+        </p:spPr>
+      </p:pic>
+      <p:pic>
+        <p:nvPicPr>
+          <p:cNvPr id="6" name="Picture 5"/>
+          <p:cNvPicPr>
+            <a:picLocks noChangeAspect="1"/>
+          </p:cNvPicPr>
+          <p:nvPr/>
+        </p:nvPicPr>
+        <p:blipFill>
+          <a:blip r:embed="rId2">
+            <a:extLst>
+              <a:ext uri="{BEBA8EAE-BF5A-486C-A8C5-ECC9F3942E4B}">
+                <a14:imgProps xmlns:a14="http://schemas.microsoft.com/office/drawing/2010/main">
+                  <a14:imgLayer r:embed="rId3">
+                    <a14:imgEffect>
+                      <a14:backgroundRemoval t="10000" b="90000" l="10000" r="90000"/>
+                    </a14:imgEffect>
+                  </a14:imgLayer>
+                </a14:imgProps>
+              </a:ext>
+              <a:ext uri="{28A0092B-C50C-407E-A947-70E740481C1C}">
+                <a14:useLocalDpi xmlns:a14="http://schemas.microsoft.com/office/drawing/2010/main" val="0"/>
+              </a:ext>
+            </a:extLst>
+          </a:blip>
+          <a:stretch>
+            <a:fillRect/>
+          </a:stretch>
+        </p:blipFill>
+        <p:spPr>
+          <a:xfrm>
+            <a:off x="9699895" y="491062"/>
+            <a:ext cx="812744" cy="809815"/>
+          </a:xfrm>
+          <a:prstGeom prst="rect">
+            <a:avLst/>
+          </a:prstGeom>
+        </p:spPr>
+      </p:pic>
+      <p:pic>
+        <p:nvPicPr>
+          <p:cNvPr id="9" name="Picture 8"/>
+          <p:cNvPicPr>
+            <a:picLocks noChangeAspect="1"/>
+          </p:cNvPicPr>
+          <p:nvPr/>
+        </p:nvPicPr>
+        <p:blipFill>
+          <a:blip r:embed="rId4">
+            <a:alphaModFix/>
+            <a:extLst>
+              <a:ext uri="{BEBA8EAE-BF5A-486C-A8C5-ECC9F3942E4B}">
+                <a14:imgProps xmlns:a14="http://schemas.microsoft.com/office/drawing/2010/main">
+                  <a14:imgLayer r:embed="rId5">
+                    <a14:imgEffect>
+                      <a14:backgroundRemoval t="10000" b="90000" l="10000" r="90000">
+                        <a14:backgroundMark x1="49009" y1="38156" x2="49009" y2="38156"/>
+                      </a14:backgroundRemoval>
+                    </a14:imgEffect>
+                  </a14:imgLayer>
+                </a14:imgProps>
+              </a:ext>
+              <a:ext uri="{28A0092B-C50C-407E-A947-70E740481C1C}">
+                <a14:useLocalDpi xmlns:a14="http://schemas.microsoft.com/office/drawing/2010/main" val="0"/>
+              </a:ext>
+            </a:extLst>
+          </a:blip>
+          <a:stretch>
+            <a:fillRect/>
+          </a:stretch>
+        </p:blipFill>
+        <p:spPr>
+          <a:xfrm>
+            <a:off x="10450907" y="482656"/>
+            <a:ext cx="812744" cy="809815"/>
+          </a:xfrm>
+          <a:prstGeom prst="rect">
+            <a:avLst/>
+          </a:prstGeom>
+          <a:effectLst>
+            <a:outerShdw blurRad="50800" dist="50800" dir="5400000" algn="ctr" rotWithShape="0">
+              <a:srgbClr val="000000">
+                <a:alpha val="0"/>
+              </a:srgbClr>
+            </a:outerShdw>
+          </a:effectLst>
+        </p:spPr>
+      </p:pic>
+      <p:sp>
+        <p:nvSpPr>
+          <p:cNvPr id="15" name="Oval 14"/>
           <p:cNvSpPr/>
           <p:nvPr/>
         </p:nvSpPr>
         <p:spPr>
           <a:xfrm>
-            <a:off x="284137" y="1183323"/>
+            <a:off x="4397876" y="1748866"/>
+            <a:ext cx="111267" cy="113947"/>
+          </a:xfrm>
+          <a:prstGeom prst="ellipse">
+            <a:avLst/>
+          </a:prstGeom>
+          <a:solidFill>
+            <a:schemeClr val="tx1"/>
+          </a:solidFill>
+          <a:ln>
+            <a:solidFill>
+              <a:schemeClr val="accent1">
+                <a:lumMod val="20000"/>
+                <a:lumOff val="80000"/>
+              </a:schemeClr>
+            </a:solidFill>
+          </a:ln>
+        </p:spPr>
+        <p:style>
+          <a:lnRef idx="2">
+            <a:schemeClr val="accent1">
+              <a:shade val="50000"/>
+            </a:schemeClr>
+          </a:lnRef>
+          <a:fillRef idx="1">
+            <a:schemeClr val="accent1"/>
+          </a:fillRef>
+          <a:effectRef idx="0">
+            <a:schemeClr val="accent1"/>
+          </a:effectRef>
+          <a:fontRef idx="minor">
+            <a:schemeClr val="lt1"/>
+          </a:fontRef>
+        </p:style>
+        <p:txBody>
+          <a:bodyPr rot="0" spcFirstLastPara="0" vertOverflow="overflow" horzOverflow="overflow" vert="horz" wrap="square" lIns="91440" tIns="45720" rIns="91440" bIns="45720" numCol="1" spcCol="0" rtlCol="0" fromWordArt="0" anchor="ctr" anchorCtr="0" forceAA="0" compatLnSpc="1">
+            <a:prstTxWarp prst="textNoShape">
+              <a:avLst/>
+            </a:prstTxWarp>
+            <a:noAutofit/>
+          </a:bodyPr>
+          <a:lstStyle/>
+          <a:p>
+            <a:pPr algn="ctr"/>
+            <a:endParaRPr lang="en-GB"/>
+          </a:p>
+        </p:txBody>
+      </p:sp>
+      <p:sp>
+        <p:nvSpPr>
+          <p:cNvPr id="32" name="Oval 31"/>
+          <p:cNvSpPr/>
+          <p:nvPr/>
+        </p:nvSpPr>
+        <p:spPr>
+          <a:xfrm>
+            <a:off x="6717194" y="1165865"/>
             <a:ext cx="1848716" cy="1273687"/>
           </a:xfrm>
           <a:prstGeom prst="ellipse">
@@ -3304,23 +3431,1437 @@
       </p:sp>
       <p:sp>
         <p:nvSpPr>
-          <p:cNvPr id="29" name="Oval 28"/>
+          <p:cNvPr id="38" name="TextBox 37"/>
+          <p:cNvSpPr txBox="1"/>
+          <p:nvPr/>
+        </p:nvSpPr>
+        <p:spPr>
+          <a:xfrm>
+            <a:off x="5257853" y="1968442"/>
+            <a:ext cx="1584675" cy="492443"/>
+          </a:xfrm>
+          <a:prstGeom prst="rect">
+            <a:avLst/>
+          </a:prstGeom>
+          <a:noFill/>
+        </p:spPr>
+        <p:txBody>
+          <a:bodyPr wrap="square" rtlCol="0">
+            <a:spAutoFit/>
+          </a:bodyPr>
+          <a:lstStyle/>
+          <a:p>
+            <a:r>
+              <a:rPr lang="en-GB" sz="1300" dirty="0">
+                <a:latin typeface="Gill Sans" charset="0"/>
+                <a:ea typeface="Gill Sans" charset="0"/>
+                <a:cs typeface="Gill Sans" charset="0"/>
+              </a:rPr>
+              <a:t>HIGH ACCRETION </a:t>
+            </a:r>
+            <a:r>
+              <a:rPr lang="en-GB" sz="1300" dirty="0">
+                <a:latin typeface="Gill Sans" charset="0"/>
+                <a:ea typeface="Gill Sans" charset="0"/>
+                <a:cs typeface="Gill Sans" charset="0"/>
+              </a:rPr>
+              <a:t>MODE</a:t>
+            </a:r>
+            <a:endParaRPr lang="en-GB" sz="1300" dirty="0">
+              <a:latin typeface="Gill Sans" charset="0"/>
+              <a:ea typeface="Gill Sans" charset="0"/>
+              <a:cs typeface="Gill Sans" charset="0"/>
+            </a:endParaRPr>
+          </a:p>
+        </p:txBody>
+      </p:sp>
+      <p:sp>
+        <p:nvSpPr>
+          <p:cNvPr id="45" name="Freeform 44"/>
           <p:cNvSpPr/>
           <p:nvPr/>
         </p:nvSpPr>
         <p:spPr>
-          <a:xfrm>
-            <a:off x="3872536" y="1467494"/>
-            <a:ext cx="1059072" cy="704352"/>
-          </a:xfrm>
-          <a:prstGeom prst="ellipse">
+          <a:xfrm rot="16200000">
+            <a:off x="4316200" y="-3947655"/>
+            <a:ext cx="260246" cy="8241667"/>
+          </a:xfrm>
+          <a:custGeom>
             <a:avLst/>
-          </a:prstGeom>
+            <a:gdLst/>
+            <a:ahLst/>
+            <a:cxnLst/>
+            <a:rect l="l" t="t" r="r" b="b"/>
+            <a:pathLst>
+              <a:path w="260246" h="8241667">
+                <a:moveTo>
+                  <a:pt x="172552" y="284262"/>
+                </a:moveTo>
+                <a:lnTo>
+                  <a:pt x="116072" y="260933"/>
+                </a:lnTo>
+                <a:lnTo>
+                  <a:pt x="116072" y="309376"/>
+                </a:lnTo>
+                <a:close/>
+                <a:moveTo>
+                  <a:pt x="186952" y="6980163"/>
+                </a:moveTo>
+                <a:cubicBezTo>
+                  <a:pt x="186952" y="6962601"/>
+                  <a:pt x="181296" y="6948090"/>
+                  <a:pt x="169985" y="6936631"/>
+                </a:cubicBezTo>
+                <a:cubicBezTo>
+                  <a:pt x="158674" y="6925171"/>
+                  <a:pt x="144424" y="6919441"/>
+                  <a:pt x="127234" y="6919441"/>
+                </a:cubicBezTo>
+                <a:cubicBezTo>
+                  <a:pt x="110491" y="6919441"/>
+                  <a:pt x="96557" y="6925208"/>
+                  <a:pt x="85432" y="6936742"/>
+                </a:cubicBezTo>
+                <a:cubicBezTo>
+                  <a:pt x="74307" y="6948276"/>
+                  <a:pt x="68745" y="6962750"/>
+                  <a:pt x="68745" y="6980163"/>
+                </a:cubicBezTo>
+                <a:cubicBezTo>
+                  <a:pt x="68745" y="6997352"/>
+                  <a:pt x="74438" y="7011826"/>
+                  <a:pt x="85823" y="7023583"/>
+                </a:cubicBezTo>
+                <a:cubicBezTo>
+                  <a:pt x="97208" y="7035341"/>
+                  <a:pt x="111235" y="7041219"/>
+                  <a:pt x="127904" y="7041219"/>
+                </a:cubicBezTo>
+                <a:cubicBezTo>
+                  <a:pt x="144945" y="7041219"/>
+                  <a:pt x="159046" y="7035452"/>
+                  <a:pt x="170208" y="7023918"/>
+                </a:cubicBezTo>
+                <a:cubicBezTo>
+                  <a:pt x="181371" y="7012384"/>
+                  <a:pt x="186952" y="6997799"/>
+                  <a:pt x="186952" y="6980163"/>
+                </a:cubicBezTo>
+                <a:close/>
+                <a:moveTo>
+                  <a:pt x="186952" y="897582"/>
+                </a:moveTo>
+                <a:lnTo>
+                  <a:pt x="137727" y="897582"/>
+                </a:lnTo>
+                <a:lnTo>
+                  <a:pt x="137727" y="906065"/>
+                </a:lnTo>
+                <a:cubicBezTo>
+                  <a:pt x="137727" y="917376"/>
+                  <a:pt x="138694" y="925134"/>
+                  <a:pt x="140629" y="929338"/>
+                </a:cubicBezTo>
+                <a:cubicBezTo>
+                  <a:pt x="142564" y="933543"/>
+                  <a:pt x="145484" y="936817"/>
+                  <a:pt x="149391" y="939161"/>
+                </a:cubicBezTo>
+                <a:cubicBezTo>
+                  <a:pt x="153298" y="941505"/>
+                  <a:pt x="157744" y="942677"/>
+                  <a:pt x="162730" y="942677"/>
+                </a:cubicBezTo>
+                <a:cubicBezTo>
+                  <a:pt x="167641" y="942677"/>
+                  <a:pt x="172087" y="941375"/>
+                  <a:pt x="176069" y="938770"/>
+                </a:cubicBezTo>
+                <a:cubicBezTo>
+                  <a:pt x="180050" y="936166"/>
+                  <a:pt x="182859" y="932501"/>
+                  <a:pt x="184496" y="927776"/>
+                </a:cubicBezTo>
+                <a:cubicBezTo>
+                  <a:pt x="186133" y="923050"/>
+                  <a:pt x="186952" y="915218"/>
+                  <a:pt x="186952" y="904280"/>
+                </a:cubicBezTo>
+                <a:close/>
+                <a:moveTo>
+                  <a:pt x="186952" y="761553"/>
+                </a:moveTo>
+                <a:cubicBezTo>
+                  <a:pt x="186952" y="743694"/>
+                  <a:pt x="181371" y="729016"/>
+                  <a:pt x="170208" y="717519"/>
+                </a:cubicBezTo>
+                <a:cubicBezTo>
+                  <a:pt x="159046" y="706022"/>
+                  <a:pt x="144796" y="700273"/>
+                  <a:pt x="127458" y="700273"/>
+                </a:cubicBezTo>
+                <a:cubicBezTo>
+                  <a:pt x="110640" y="700273"/>
+                  <a:pt x="96650" y="706040"/>
+                  <a:pt x="85488" y="717575"/>
+                </a:cubicBezTo>
+                <a:cubicBezTo>
+                  <a:pt x="74326" y="729109"/>
+                  <a:pt x="68745" y="743545"/>
+                  <a:pt x="68745" y="760884"/>
+                </a:cubicBezTo>
+                <a:cubicBezTo>
+                  <a:pt x="68745" y="778296"/>
+                  <a:pt x="74438" y="792826"/>
+                  <a:pt x="85823" y="804472"/>
+                </a:cubicBezTo>
+                <a:cubicBezTo>
+                  <a:pt x="97208" y="816117"/>
+                  <a:pt x="111384" y="821940"/>
+                  <a:pt x="128351" y="821940"/>
+                </a:cubicBezTo>
+                <a:cubicBezTo>
+                  <a:pt x="144870" y="821940"/>
+                  <a:pt x="158767" y="816117"/>
+                  <a:pt x="170041" y="804472"/>
+                </a:cubicBezTo>
+                <a:cubicBezTo>
+                  <a:pt x="181315" y="792826"/>
+                  <a:pt x="186952" y="778520"/>
+                  <a:pt x="186952" y="761553"/>
+                </a:cubicBezTo>
+                <a:close/>
+                <a:moveTo>
+                  <a:pt x="186952" y="402282"/>
+                </a:moveTo>
+                <a:lnTo>
+                  <a:pt x="137727" y="402282"/>
+                </a:lnTo>
+                <a:lnTo>
+                  <a:pt x="137727" y="410765"/>
+                </a:lnTo>
+                <a:cubicBezTo>
+                  <a:pt x="137727" y="422076"/>
+                  <a:pt x="138694" y="429834"/>
+                  <a:pt x="140629" y="434038"/>
+                </a:cubicBezTo>
+                <a:cubicBezTo>
+                  <a:pt x="142564" y="438243"/>
+                  <a:pt x="145484" y="441517"/>
+                  <a:pt x="149391" y="443861"/>
+                </a:cubicBezTo>
+                <a:cubicBezTo>
+                  <a:pt x="153298" y="446205"/>
+                  <a:pt x="157744" y="447377"/>
+                  <a:pt x="162730" y="447377"/>
+                </a:cubicBezTo>
+                <a:cubicBezTo>
+                  <a:pt x="167641" y="447377"/>
+                  <a:pt x="172087" y="446075"/>
+                  <a:pt x="176069" y="443470"/>
+                </a:cubicBezTo>
+                <a:cubicBezTo>
+                  <a:pt x="180050" y="440866"/>
+                  <a:pt x="182859" y="437201"/>
+                  <a:pt x="184496" y="432476"/>
+                </a:cubicBezTo>
+                <a:cubicBezTo>
+                  <a:pt x="186133" y="427750"/>
+                  <a:pt x="186952" y="419918"/>
+                  <a:pt x="186952" y="408980"/>
+                </a:cubicBezTo>
+                <a:close/>
+                <a:moveTo>
+                  <a:pt x="205927" y="8151143"/>
+                </a:moveTo>
+                <a:lnTo>
+                  <a:pt x="205927" y="8239547"/>
+                </a:lnTo>
+                <a:lnTo>
+                  <a:pt x="186059" y="8239547"/>
+                </a:lnTo>
+                <a:lnTo>
+                  <a:pt x="186059" y="8173467"/>
+                </a:lnTo>
+                <a:lnTo>
+                  <a:pt x="138508" y="8173467"/>
+                </a:lnTo>
+                <a:lnTo>
+                  <a:pt x="138508" y="8237314"/>
+                </a:lnTo>
+                <a:lnTo>
+                  <a:pt x="118528" y="8237314"/>
+                </a:lnTo>
+                <a:lnTo>
+                  <a:pt x="118528" y="8173467"/>
+                </a:lnTo>
+                <a:lnTo>
+                  <a:pt x="70084" y="8173467"/>
+                </a:lnTo>
+                <a:lnTo>
+                  <a:pt x="70084" y="8241667"/>
+                </a:lnTo>
+                <a:lnTo>
+                  <a:pt x="50216" y="8241667"/>
+                </a:lnTo>
+                <a:lnTo>
+                  <a:pt x="50216" y="8151143"/>
+                </a:lnTo>
+                <a:close/>
+                <a:moveTo>
+                  <a:pt x="205927" y="7808912"/>
+                </a:moveTo>
+                <a:lnTo>
+                  <a:pt x="205927" y="7826995"/>
+                </a:lnTo>
+                <a:lnTo>
+                  <a:pt x="84930" y="7932142"/>
+                </a:lnTo>
+                <a:lnTo>
+                  <a:pt x="205927" y="7932142"/>
+                </a:lnTo>
+                <a:lnTo>
+                  <a:pt x="205927" y="7953350"/>
+                </a:lnTo>
+                <a:lnTo>
+                  <a:pt x="49993" y="7953350"/>
+                </a:lnTo>
+                <a:lnTo>
+                  <a:pt x="49993" y="7934151"/>
+                </a:lnTo>
+                <a:lnTo>
+                  <a:pt x="169985" y="7829897"/>
+                </a:lnTo>
+                <a:lnTo>
+                  <a:pt x="49993" y="7829897"/>
+                </a:lnTo>
+                <a:lnTo>
+                  <a:pt x="49993" y="7808912"/>
+                </a:lnTo>
+                <a:close/>
+                <a:moveTo>
+                  <a:pt x="205927" y="7693942"/>
+                </a:moveTo>
+                <a:lnTo>
+                  <a:pt x="205927" y="7782347"/>
+                </a:lnTo>
+                <a:lnTo>
+                  <a:pt x="186059" y="7782347"/>
+                </a:lnTo>
+                <a:lnTo>
+                  <a:pt x="186059" y="7716267"/>
+                </a:lnTo>
+                <a:lnTo>
+                  <a:pt x="138508" y="7716267"/>
+                </a:lnTo>
+                <a:lnTo>
+                  <a:pt x="138508" y="7780114"/>
+                </a:lnTo>
+                <a:lnTo>
+                  <a:pt x="118528" y="7780114"/>
+                </a:lnTo>
+                <a:lnTo>
+                  <a:pt x="118528" y="7716267"/>
+                </a:lnTo>
+                <a:lnTo>
+                  <a:pt x="70084" y="7716267"/>
+                </a:lnTo>
+                <a:lnTo>
+                  <a:pt x="70084" y="7784467"/>
+                </a:lnTo>
+                <a:lnTo>
+                  <a:pt x="50216" y="7784467"/>
+                </a:lnTo>
+                <a:lnTo>
+                  <a:pt x="50216" y="7693942"/>
+                </a:lnTo>
+                <a:close/>
+                <a:moveTo>
+                  <a:pt x="205927" y="7312942"/>
+                </a:moveTo>
+                <a:lnTo>
+                  <a:pt x="205927" y="7401346"/>
+                </a:lnTo>
+                <a:lnTo>
+                  <a:pt x="186059" y="7401346"/>
+                </a:lnTo>
+                <a:lnTo>
+                  <a:pt x="186059" y="7335267"/>
+                </a:lnTo>
+                <a:lnTo>
+                  <a:pt x="138508" y="7335267"/>
+                </a:lnTo>
+                <a:lnTo>
+                  <a:pt x="138508" y="7399114"/>
+                </a:lnTo>
+                <a:lnTo>
+                  <a:pt x="118528" y="7399114"/>
+                </a:lnTo>
+                <a:lnTo>
+                  <a:pt x="118528" y="7335267"/>
+                </a:lnTo>
+                <a:lnTo>
+                  <a:pt x="70084" y="7335267"/>
+                </a:lnTo>
+                <a:lnTo>
+                  <a:pt x="70084" y="7403467"/>
+                </a:lnTo>
+                <a:lnTo>
+                  <a:pt x="50216" y="7403467"/>
+                </a:lnTo>
+                <a:lnTo>
+                  <a:pt x="50216" y="7312942"/>
+                </a:lnTo>
+                <a:close/>
+                <a:moveTo>
+                  <a:pt x="205927" y="7256016"/>
+                </a:moveTo>
+                <a:lnTo>
+                  <a:pt x="205927" y="7278340"/>
+                </a:lnTo>
+                <a:lnTo>
+                  <a:pt x="49993" y="7278340"/>
+                </a:lnTo>
+                <a:lnTo>
+                  <a:pt x="49993" y="7256016"/>
+                </a:lnTo>
+                <a:close/>
+                <a:moveTo>
+                  <a:pt x="205927" y="7090630"/>
+                </a:moveTo>
+                <a:lnTo>
+                  <a:pt x="205927" y="7113066"/>
+                </a:lnTo>
+                <a:lnTo>
+                  <a:pt x="117412" y="7113066"/>
+                </a:lnTo>
+                <a:cubicBezTo>
+                  <a:pt x="102752" y="7113066"/>
+                  <a:pt x="92557" y="7114741"/>
+                  <a:pt x="86828" y="7118089"/>
+                </a:cubicBezTo>
+                <a:cubicBezTo>
+                  <a:pt x="81098" y="7121438"/>
+                  <a:pt x="76503" y="7126535"/>
+                  <a:pt x="73042" y="7133381"/>
+                </a:cubicBezTo>
+                <a:cubicBezTo>
+                  <a:pt x="69582" y="7140227"/>
+                  <a:pt x="67852" y="7148301"/>
+                  <a:pt x="67852" y="7157603"/>
+                </a:cubicBezTo>
+                <a:cubicBezTo>
+                  <a:pt x="67852" y="7170849"/>
+                  <a:pt x="71312" y="7181639"/>
+                  <a:pt x="78233" y="7189973"/>
+                </a:cubicBezTo>
+                <a:cubicBezTo>
+                  <a:pt x="81953" y="7194364"/>
+                  <a:pt x="86344" y="7197526"/>
+                  <a:pt x="91404" y="7199461"/>
+                </a:cubicBezTo>
+                <a:cubicBezTo>
+                  <a:pt x="96464" y="7201396"/>
+                  <a:pt x="105133" y="7202363"/>
+                  <a:pt x="117412" y="7202363"/>
+                </a:cubicBezTo>
+                <a:lnTo>
+                  <a:pt x="205927" y="7202363"/>
+                </a:lnTo>
+                <a:lnTo>
+                  <a:pt x="205927" y="7224799"/>
+                </a:lnTo>
+                <a:lnTo>
+                  <a:pt x="117412" y="7224799"/>
+                </a:lnTo>
+                <a:cubicBezTo>
+                  <a:pt x="105431" y="7224799"/>
+                  <a:pt x="96390" y="7223925"/>
+                  <a:pt x="90288" y="7222176"/>
+                </a:cubicBezTo>
+                <a:cubicBezTo>
+                  <a:pt x="84186" y="7220427"/>
+                  <a:pt x="79107" y="7218269"/>
+                  <a:pt x="75051" y="7215702"/>
+                </a:cubicBezTo>
+                <a:cubicBezTo>
+                  <a:pt x="70996" y="7213135"/>
+                  <a:pt x="67368" y="7209991"/>
+                  <a:pt x="64168" y="7206270"/>
+                </a:cubicBezTo>
+                <a:cubicBezTo>
+                  <a:pt x="53527" y="7193917"/>
+                  <a:pt x="48207" y="7177769"/>
+                  <a:pt x="48207" y="7157826"/>
+                </a:cubicBezTo>
+                <a:cubicBezTo>
+                  <a:pt x="48207" y="7137511"/>
+                  <a:pt x="53490" y="7121215"/>
+                  <a:pt x="64057" y="7108936"/>
+                </a:cubicBezTo>
+                <a:cubicBezTo>
+                  <a:pt x="67331" y="7105216"/>
+                  <a:pt x="70996" y="7102072"/>
+                  <a:pt x="75051" y="7099504"/>
+                </a:cubicBezTo>
+                <a:cubicBezTo>
+                  <a:pt x="79107" y="7096937"/>
+                  <a:pt x="84074" y="7094816"/>
+                  <a:pt x="89953" y="7093142"/>
+                </a:cubicBezTo>
+                <a:cubicBezTo>
+                  <a:pt x="95832" y="7091468"/>
+                  <a:pt x="105059" y="7090630"/>
+                  <a:pt x="117635" y="7090630"/>
+                </a:cubicBezTo>
+                <a:close/>
+                <a:moveTo>
+                  <a:pt x="205927" y="1246733"/>
+                </a:moveTo>
+                <a:lnTo>
+                  <a:pt x="205927" y="1264816"/>
+                </a:lnTo>
+                <a:lnTo>
+                  <a:pt x="84930" y="1369963"/>
+                </a:lnTo>
+                <a:lnTo>
+                  <a:pt x="205927" y="1369963"/>
+                </a:lnTo>
+                <a:lnTo>
+                  <a:pt x="205927" y="1391171"/>
+                </a:lnTo>
+                <a:lnTo>
+                  <a:pt x="49993" y="1391171"/>
+                </a:lnTo>
+                <a:lnTo>
+                  <a:pt x="49993" y="1371972"/>
+                </a:lnTo>
+                <a:lnTo>
+                  <a:pt x="169985" y="1267718"/>
+                </a:lnTo>
+                <a:lnTo>
+                  <a:pt x="49993" y="1267718"/>
+                </a:lnTo>
+                <a:lnTo>
+                  <a:pt x="49993" y="1246733"/>
+                </a:lnTo>
+                <a:close/>
+                <a:moveTo>
+                  <a:pt x="205927" y="1189137"/>
+                </a:moveTo>
+                <a:lnTo>
+                  <a:pt x="205927" y="1211461"/>
+                </a:lnTo>
+                <a:lnTo>
+                  <a:pt x="49993" y="1211461"/>
+                </a:lnTo>
+                <a:lnTo>
+                  <a:pt x="49993" y="1189137"/>
+                </a:lnTo>
+                <a:close/>
+                <a:moveTo>
+                  <a:pt x="205927" y="1007492"/>
+                </a:moveTo>
+                <a:lnTo>
+                  <a:pt x="205927" y="1028477"/>
+                </a:lnTo>
+                <a:lnTo>
+                  <a:pt x="141857" y="1080380"/>
+                </a:lnTo>
+                <a:lnTo>
+                  <a:pt x="205927" y="1132061"/>
+                </a:lnTo>
+                <a:lnTo>
+                  <a:pt x="205927" y="1152823"/>
+                </a:lnTo>
+                <a:lnTo>
+                  <a:pt x="49993" y="1152823"/>
+                </a:lnTo>
+                <a:lnTo>
+                  <a:pt x="49993" y="1130387"/>
+                </a:lnTo>
+                <a:lnTo>
+                  <a:pt x="171325" y="1130387"/>
+                </a:lnTo>
+                <a:lnTo>
+                  <a:pt x="111049" y="1082390"/>
+                </a:lnTo>
+                <a:lnTo>
+                  <a:pt x="111049" y="1078260"/>
+                </a:lnTo>
+                <a:lnTo>
+                  <a:pt x="171325" y="1029816"/>
+                </a:lnTo>
+                <a:lnTo>
+                  <a:pt x="49993" y="1029816"/>
+                </a:lnTo>
+                <a:lnTo>
+                  <a:pt x="49993" y="1007492"/>
+                </a:lnTo>
+                <a:close/>
+                <a:moveTo>
+                  <a:pt x="205927" y="875258"/>
+                </a:moveTo>
+                <a:lnTo>
+                  <a:pt x="205927" y="914325"/>
+                </a:lnTo>
+                <a:cubicBezTo>
+                  <a:pt x="205927" y="930101"/>
+                  <a:pt x="202020" y="942621"/>
+                  <a:pt x="194207" y="951886"/>
+                </a:cubicBezTo>
+                <a:cubicBezTo>
+                  <a:pt x="186394" y="961150"/>
+                  <a:pt x="175827" y="965783"/>
+                  <a:pt x="162507" y="965783"/>
+                </a:cubicBezTo>
+                <a:cubicBezTo>
+                  <a:pt x="153428" y="965783"/>
+                  <a:pt x="145577" y="963513"/>
+                  <a:pt x="138955" y="958974"/>
+                </a:cubicBezTo>
+                <a:cubicBezTo>
+                  <a:pt x="132332" y="954435"/>
+                  <a:pt x="127383" y="947923"/>
+                  <a:pt x="124109" y="939440"/>
+                </a:cubicBezTo>
+                <a:cubicBezTo>
+                  <a:pt x="120835" y="944426"/>
+                  <a:pt x="116370" y="949300"/>
+                  <a:pt x="110714" y="954063"/>
+                </a:cubicBezTo>
+                <a:cubicBezTo>
+                  <a:pt x="105059" y="958825"/>
+                  <a:pt x="95199" y="965522"/>
+                  <a:pt x="81135" y="974154"/>
+                </a:cubicBezTo>
+                <a:cubicBezTo>
+                  <a:pt x="72280" y="979587"/>
+                  <a:pt x="65619" y="983940"/>
+                  <a:pt x="61155" y="987214"/>
+                </a:cubicBezTo>
+                <a:lnTo>
+                  <a:pt x="49993" y="995474"/>
+                </a:lnTo>
+                <a:lnTo>
+                  <a:pt x="49993" y="968908"/>
+                </a:lnTo>
+                <a:lnTo>
+                  <a:pt x="60262" y="962099"/>
+                </a:lnTo>
+                <a:cubicBezTo>
+                  <a:pt x="60634" y="961876"/>
+                  <a:pt x="61266" y="961430"/>
+                  <a:pt x="62159" y="960760"/>
+                </a:cubicBezTo>
+                <a:lnTo>
+                  <a:pt x="68298" y="956407"/>
+                </a:lnTo>
+                <a:lnTo>
+                  <a:pt x="79684" y="949486"/>
+                </a:lnTo>
+                <a:lnTo>
+                  <a:pt x="91850" y="942007"/>
+                </a:lnTo>
+                <a:cubicBezTo>
+                  <a:pt x="98250" y="937394"/>
+                  <a:pt x="103347" y="933171"/>
+                  <a:pt x="107143" y="929338"/>
+                </a:cubicBezTo>
+                <a:cubicBezTo>
+                  <a:pt x="110938" y="925506"/>
+                  <a:pt x="113672" y="922046"/>
+                  <a:pt x="115347" y="918958"/>
+                </a:cubicBezTo>
+                <a:cubicBezTo>
+                  <a:pt x="117021" y="915869"/>
+                  <a:pt x="117858" y="910679"/>
+                  <a:pt x="117858" y="903387"/>
+                </a:cubicBezTo>
+                <a:lnTo>
+                  <a:pt x="117858" y="897582"/>
+                </a:lnTo>
+                <a:lnTo>
+                  <a:pt x="49993" y="897582"/>
+                </a:lnTo>
+                <a:lnTo>
+                  <a:pt x="49993" y="875258"/>
+                </a:lnTo>
+                <a:close/>
+                <a:moveTo>
+                  <a:pt x="205927" y="579537"/>
+                </a:moveTo>
+                <a:lnTo>
+                  <a:pt x="205927" y="662694"/>
+                </a:lnTo>
+                <a:lnTo>
+                  <a:pt x="186059" y="662694"/>
+                </a:lnTo>
+                <a:lnTo>
+                  <a:pt x="186059" y="601861"/>
+                </a:lnTo>
+                <a:lnTo>
+                  <a:pt x="142526" y="601861"/>
+                </a:lnTo>
+                <a:lnTo>
+                  <a:pt x="142526" y="662694"/>
+                </a:lnTo>
+                <a:lnTo>
+                  <a:pt x="122658" y="662694"/>
+                </a:lnTo>
+                <a:lnTo>
+                  <a:pt x="122658" y="601861"/>
+                </a:lnTo>
+                <a:lnTo>
+                  <a:pt x="49993" y="601861"/>
+                </a:lnTo>
+                <a:lnTo>
+                  <a:pt x="49993" y="579537"/>
+                </a:lnTo>
+                <a:close/>
+                <a:moveTo>
+                  <a:pt x="205927" y="379958"/>
+                </a:moveTo>
+                <a:lnTo>
+                  <a:pt x="205927" y="419025"/>
+                </a:lnTo>
+                <a:cubicBezTo>
+                  <a:pt x="205927" y="434801"/>
+                  <a:pt x="202020" y="447321"/>
+                  <a:pt x="194207" y="456586"/>
+                </a:cubicBezTo>
+                <a:cubicBezTo>
+                  <a:pt x="186394" y="465850"/>
+                  <a:pt x="175827" y="470483"/>
+                  <a:pt x="162507" y="470483"/>
+                </a:cubicBezTo>
+                <a:cubicBezTo>
+                  <a:pt x="153428" y="470483"/>
+                  <a:pt x="145577" y="468213"/>
+                  <a:pt x="138955" y="463674"/>
+                </a:cubicBezTo>
+                <a:cubicBezTo>
+                  <a:pt x="132332" y="459135"/>
+                  <a:pt x="127383" y="452623"/>
+                  <a:pt x="124109" y="444140"/>
+                </a:cubicBezTo>
+                <a:cubicBezTo>
+                  <a:pt x="120835" y="449126"/>
+                  <a:pt x="116370" y="454000"/>
+                  <a:pt x="110714" y="458763"/>
+                </a:cubicBezTo>
+                <a:cubicBezTo>
+                  <a:pt x="105059" y="463525"/>
+                  <a:pt x="95199" y="470222"/>
+                  <a:pt x="81135" y="478854"/>
+                </a:cubicBezTo>
+                <a:cubicBezTo>
+                  <a:pt x="72280" y="484287"/>
+                  <a:pt x="65619" y="488640"/>
+                  <a:pt x="61155" y="491914"/>
+                </a:cubicBezTo>
+                <a:lnTo>
+                  <a:pt x="49993" y="500174"/>
+                </a:lnTo>
+                <a:lnTo>
+                  <a:pt x="49993" y="473608"/>
+                </a:lnTo>
+                <a:lnTo>
+                  <a:pt x="60262" y="466799"/>
+                </a:lnTo>
+                <a:cubicBezTo>
+                  <a:pt x="60634" y="466576"/>
+                  <a:pt x="61266" y="466130"/>
+                  <a:pt x="62159" y="465460"/>
+                </a:cubicBezTo>
+                <a:lnTo>
+                  <a:pt x="68298" y="461107"/>
+                </a:lnTo>
+                <a:lnTo>
+                  <a:pt x="79684" y="454186"/>
+                </a:lnTo>
+                <a:lnTo>
+                  <a:pt x="91850" y="446707"/>
+                </a:lnTo>
+                <a:cubicBezTo>
+                  <a:pt x="98250" y="442094"/>
+                  <a:pt x="103347" y="437871"/>
+                  <a:pt x="107143" y="434038"/>
+                </a:cubicBezTo>
+                <a:cubicBezTo>
+                  <a:pt x="110938" y="430206"/>
+                  <a:pt x="113672" y="426746"/>
+                  <a:pt x="115347" y="423658"/>
+                </a:cubicBezTo>
+                <a:cubicBezTo>
+                  <a:pt x="117021" y="420570"/>
+                  <a:pt x="117858" y="415379"/>
+                  <a:pt x="117858" y="408086"/>
+                </a:cubicBezTo>
+                <a:lnTo>
+                  <a:pt x="117858" y="402282"/>
+                </a:lnTo>
+                <a:lnTo>
+                  <a:pt x="49993" y="402282"/>
+                </a:lnTo>
+                <a:lnTo>
+                  <a:pt x="49993" y="379958"/>
+                </a:lnTo>
+                <a:close/>
+                <a:moveTo>
+                  <a:pt x="206150" y="99305"/>
+                </a:moveTo>
+                <a:lnTo>
+                  <a:pt x="206150" y="229567"/>
+                </a:lnTo>
+                <a:lnTo>
+                  <a:pt x="186282" y="229567"/>
+                </a:lnTo>
+                <a:lnTo>
+                  <a:pt x="186282" y="175208"/>
+                </a:lnTo>
+                <a:lnTo>
+                  <a:pt x="49993" y="175208"/>
+                </a:lnTo>
+                <a:lnTo>
+                  <a:pt x="49993" y="152772"/>
+                </a:lnTo>
+                <a:lnTo>
+                  <a:pt x="186282" y="152772"/>
+                </a:lnTo>
+                <a:lnTo>
+                  <a:pt x="186282" y="99305"/>
+                </a:lnTo>
+                <a:close/>
+                <a:moveTo>
+                  <a:pt x="206820" y="276671"/>
+                </a:moveTo>
+                <a:lnTo>
+                  <a:pt x="206820" y="292410"/>
+                </a:lnTo>
+                <a:lnTo>
+                  <a:pt x="49993" y="362173"/>
+                </a:lnTo>
+                <a:lnTo>
+                  <a:pt x="49993" y="339291"/>
+                </a:lnTo>
+                <a:lnTo>
+                  <a:pt x="96204" y="318529"/>
+                </a:lnTo>
+                <a:lnTo>
+                  <a:pt x="96204" y="252226"/>
+                </a:lnTo>
+                <a:lnTo>
+                  <a:pt x="49993" y="232581"/>
+                </a:lnTo>
+                <a:lnTo>
+                  <a:pt x="49993" y="209699"/>
+                </a:lnTo>
+                <a:close/>
+                <a:moveTo>
+                  <a:pt x="207936" y="8067353"/>
+                </a:moveTo>
+                <a:cubicBezTo>
+                  <a:pt x="207936" y="8083724"/>
+                  <a:pt x="203658" y="8101918"/>
+                  <a:pt x="195100" y="8121935"/>
+                </a:cubicBezTo>
+                <a:lnTo>
+                  <a:pt x="171101" y="8121935"/>
+                </a:lnTo>
+                <a:cubicBezTo>
+                  <a:pt x="181519" y="8103704"/>
+                  <a:pt x="186728" y="8085882"/>
+                  <a:pt x="186728" y="8068469"/>
+                </a:cubicBezTo>
+                <a:cubicBezTo>
+                  <a:pt x="186728" y="8050609"/>
+                  <a:pt x="181092" y="8035782"/>
+                  <a:pt x="169818" y="8023988"/>
+                </a:cubicBezTo>
+                <a:cubicBezTo>
+                  <a:pt x="158544" y="8012193"/>
+                  <a:pt x="144424" y="8006296"/>
+                  <a:pt x="127458" y="8006296"/>
+                </a:cubicBezTo>
+                <a:cubicBezTo>
+                  <a:pt x="110342" y="8006296"/>
+                  <a:pt x="96278" y="8012100"/>
+                  <a:pt x="85265" y="8023709"/>
+                </a:cubicBezTo>
+                <a:cubicBezTo>
+                  <a:pt x="74252" y="8035317"/>
+                  <a:pt x="68745" y="8050163"/>
+                  <a:pt x="68745" y="8068245"/>
+                </a:cubicBezTo>
+                <a:cubicBezTo>
+                  <a:pt x="68745" y="8087147"/>
+                  <a:pt x="74549" y="8105601"/>
+                  <a:pt x="86158" y="8123609"/>
+                </a:cubicBezTo>
+                <a:lnTo>
+                  <a:pt x="61601" y="8123609"/>
+                </a:lnTo>
+                <a:cubicBezTo>
+                  <a:pt x="52671" y="8107238"/>
+                  <a:pt x="48207" y="8088337"/>
+                  <a:pt x="48207" y="8066906"/>
+                </a:cubicBezTo>
+                <a:cubicBezTo>
+                  <a:pt x="48207" y="8049493"/>
+                  <a:pt x="51704" y="8034722"/>
+                  <a:pt x="58699" y="8022592"/>
+                </a:cubicBezTo>
+                <a:cubicBezTo>
+                  <a:pt x="65694" y="8010463"/>
+                  <a:pt x="75331" y="8000863"/>
+                  <a:pt x="87609" y="7993794"/>
+                </a:cubicBezTo>
+                <a:cubicBezTo>
+                  <a:pt x="99887" y="7986725"/>
+                  <a:pt x="113170" y="7983190"/>
+                  <a:pt x="127458" y="7983190"/>
+                </a:cubicBezTo>
+                <a:cubicBezTo>
+                  <a:pt x="150154" y="7983190"/>
+                  <a:pt x="169241" y="7991283"/>
+                  <a:pt x="184719" y="8007468"/>
+                </a:cubicBezTo>
+                <a:cubicBezTo>
+                  <a:pt x="200197" y="8023653"/>
+                  <a:pt x="207936" y="8043614"/>
+                  <a:pt x="207936" y="8067353"/>
+                </a:cubicBezTo>
+                <a:close/>
+                <a:moveTo>
+                  <a:pt x="207936" y="7610152"/>
+                </a:moveTo>
+                <a:cubicBezTo>
+                  <a:pt x="207936" y="7626523"/>
+                  <a:pt x="203658" y="7644718"/>
+                  <a:pt x="195100" y="7664735"/>
+                </a:cubicBezTo>
+                <a:lnTo>
+                  <a:pt x="171101" y="7664735"/>
+                </a:lnTo>
+                <a:cubicBezTo>
+                  <a:pt x="181519" y="7646503"/>
+                  <a:pt x="186728" y="7628681"/>
+                  <a:pt x="186728" y="7611268"/>
+                </a:cubicBezTo>
+                <a:cubicBezTo>
+                  <a:pt x="186728" y="7593409"/>
+                  <a:pt x="181092" y="7578582"/>
+                  <a:pt x="169818" y="7566787"/>
+                </a:cubicBezTo>
+                <a:cubicBezTo>
+                  <a:pt x="158544" y="7554993"/>
+                  <a:pt x="144424" y="7549095"/>
+                  <a:pt x="127458" y="7549095"/>
+                </a:cubicBezTo>
+                <a:cubicBezTo>
+                  <a:pt x="110342" y="7549095"/>
+                  <a:pt x="96278" y="7554900"/>
+                  <a:pt x="85265" y="7566508"/>
+                </a:cubicBezTo>
+                <a:cubicBezTo>
+                  <a:pt x="74252" y="7578117"/>
+                  <a:pt x="68745" y="7592963"/>
+                  <a:pt x="68745" y="7611045"/>
+                </a:cubicBezTo>
+                <a:cubicBezTo>
+                  <a:pt x="68745" y="7629946"/>
+                  <a:pt x="74549" y="7648401"/>
+                  <a:pt x="86158" y="7666409"/>
+                </a:cubicBezTo>
+                <a:lnTo>
+                  <a:pt x="61601" y="7666409"/>
+                </a:lnTo>
+                <a:cubicBezTo>
+                  <a:pt x="52671" y="7650038"/>
+                  <a:pt x="48207" y="7631137"/>
+                  <a:pt x="48207" y="7609706"/>
+                </a:cubicBezTo>
+                <a:cubicBezTo>
+                  <a:pt x="48207" y="7592293"/>
+                  <a:pt x="51704" y="7577522"/>
+                  <a:pt x="58699" y="7565392"/>
+                </a:cubicBezTo>
+                <a:cubicBezTo>
+                  <a:pt x="65694" y="7553263"/>
+                  <a:pt x="75331" y="7543663"/>
+                  <a:pt x="87609" y="7536594"/>
+                </a:cubicBezTo>
+                <a:cubicBezTo>
+                  <a:pt x="99887" y="7529525"/>
+                  <a:pt x="113170" y="7525990"/>
+                  <a:pt x="127458" y="7525990"/>
+                </a:cubicBezTo>
+                <a:cubicBezTo>
+                  <a:pt x="150154" y="7525990"/>
+                  <a:pt x="169241" y="7534082"/>
+                  <a:pt x="184719" y="7550267"/>
+                </a:cubicBezTo>
+                <a:cubicBezTo>
+                  <a:pt x="200197" y="7566453"/>
+                  <a:pt x="207936" y="7586414"/>
+                  <a:pt x="207936" y="7610152"/>
+                </a:cubicBezTo>
+                <a:close/>
+                <a:moveTo>
+                  <a:pt x="207936" y="7465417"/>
+                </a:moveTo>
+                <a:cubicBezTo>
+                  <a:pt x="207936" y="7478439"/>
+                  <a:pt x="204290" y="7490383"/>
+                  <a:pt x="196998" y="7501247"/>
+                </a:cubicBezTo>
+                <a:lnTo>
+                  <a:pt x="171660" y="7501247"/>
+                </a:lnTo>
+                <a:cubicBezTo>
+                  <a:pt x="182450" y="7490011"/>
+                  <a:pt x="187845" y="7477918"/>
+                  <a:pt x="187845" y="7464970"/>
+                </a:cubicBezTo>
+                <a:cubicBezTo>
+                  <a:pt x="187845" y="7457678"/>
+                  <a:pt x="186152" y="7451687"/>
+                  <a:pt x="182766" y="7446999"/>
+                </a:cubicBezTo>
+                <a:cubicBezTo>
+                  <a:pt x="179380" y="7442311"/>
+                  <a:pt x="175045" y="7439967"/>
+                  <a:pt x="169762" y="7439967"/>
+                </a:cubicBezTo>
+                <a:cubicBezTo>
+                  <a:pt x="165074" y="7439967"/>
+                  <a:pt x="160683" y="7441679"/>
+                  <a:pt x="156591" y="7445102"/>
+                </a:cubicBezTo>
+                <a:cubicBezTo>
+                  <a:pt x="152498" y="7448525"/>
+                  <a:pt x="148219" y="7454069"/>
+                  <a:pt x="143754" y="7461733"/>
+                </a:cubicBezTo>
+                <a:lnTo>
+                  <a:pt x="133708" y="7478811"/>
+                </a:lnTo>
+                <a:cubicBezTo>
+                  <a:pt x="122397" y="7497861"/>
+                  <a:pt x="107961" y="7507386"/>
+                  <a:pt x="90399" y="7507386"/>
+                </a:cubicBezTo>
+                <a:cubicBezTo>
+                  <a:pt x="77898" y="7507386"/>
+                  <a:pt x="67740" y="7503201"/>
+                  <a:pt x="59927" y="7494829"/>
+                </a:cubicBezTo>
+                <a:cubicBezTo>
+                  <a:pt x="52113" y="7486457"/>
+                  <a:pt x="48207" y="7475574"/>
+                  <a:pt x="48207" y="7462180"/>
+                </a:cubicBezTo>
+                <a:cubicBezTo>
+                  <a:pt x="48207" y="7446776"/>
+                  <a:pt x="52932" y="7432749"/>
+                  <a:pt x="62382" y="7420099"/>
+                </a:cubicBezTo>
+                <a:lnTo>
+                  <a:pt x="90734" y="7420099"/>
+                </a:lnTo>
+                <a:cubicBezTo>
+                  <a:pt x="75479" y="7432154"/>
+                  <a:pt x="67852" y="7446106"/>
+                  <a:pt x="67852" y="7461957"/>
+                </a:cubicBezTo>
+                <a:cubicBezTo>
+                  <a:pt x="67852" y="7468952"/>
+                  <a:pt x="69805" y="7474774"/>
+                  <a:pt x="73712" y="7479425"/>
+                </a:cubicBezTo>
+                <a:cubicBezTo>
+                  <a:pt x="77619" y="7484076"/>
+                  <a:pt x="82511" y="7486402"/>
+                  <a:pt x="88390" y="7486402"/>
+                </a:cubicBezTo>
+                <a:cubicBezTo>
+                  <a:pt x="97915" y="7486402"/>
+                  <a:pt x="106919" y="7479556"/>
+                  <a:pt x="115402" y="7465863"/>
+                </a:cubicBezTo>
+                <a:lnTo>
+                  <a:pt x="125672" y="7448897"/>
+                </a:lnTo>
+                <a:cubicBezTo>
+                  <a:pt x="132146" y="7438256"/>
+                  <a:pt x="138527" y="7430684"/>
+                  <a:pt x="144815" y="7426182"/>
+                </a:cubicBezTo>
+                <a:cubicBezTo>
+                  <a:pt x="151103" y="7421680"/>
+                  <a:pt x="158339" y="7419429"/>
+                  <a:pt x="166525" y="7419429"/>
+                </a:cubicBezTo>
+                <a:cubicBezTo>
+                  <a:pt x="178803" y="7419429"/>
+                  <a:pt x="188775" y="7423689"/>
+                  <a:pt x="196439" y="7432210"/>
+                </a:cubicBezTo>
+                <a:cubicBezTo>
+                  <a:pt x="204104" y="7440730"/>
+                  <a:pt x="207936" y="7451799"/>
+                  <a:pt x="207936" y="7465417"/>
+                </a:cubicBezTo>
+                <a:close/>
+                <a:moveTo>
+                  <a:pt x="207936" y="1505619"/>
+                </a:moveTo>
+                <a:cubicBezTo>
+                  <a:pt x="207936" y="1514401"/>
+                  <a:pt x="206988" y="1522735"/>
+                  <a:pt x="205090" y="1530623"/>
+                </a:cubicBezTo>
+                <a:cubicBezTo>
+                  <a:pt x="203192" y="1538511"/>
+                  <a:pt x="199714" y="1548482"/>
+                  <a:pt x="194653" y="1560537"/>
+                </a:cubicBezTo>
+                <a:lnTo>
+                  <a:pt x="171883" y="1560537"/>
+                </a:lnTo>
+                <a:cubicBezTo>
+                  <a:pt x="182673" y="1541934"/>
+                  <a:pt x="188068" y="1523479"/>
+                  <a:pt x="188068" y="1505173"/>
+                </a:cubicBezTo>
+                <a:cubicBezTo>
+                  <a:pt x="188068" y="1488132"/>
+                  <a:pt x="182264" y="1473771"/>
+                  <a:pt x="170655" y="1462087"/>
+                </a:cubicBezTo>
+                <a:cubicBezTo>
+                  <a:pt x="159046" y="1450404"/>
+                  <a:pt x="144796" y="1444563"/>
+                  <a:pt x="127904" y="1444563"/>
+                </a:cubicBezTo>
+                <a:cubicBezTo>
+                  <a:pt x="110194" y="1444563"/>
+                  <a:pt x="95720" y="1450404"/>
+                  <a:pt x="84483" y="1462087"/>
+                </a:cubicBezTo>
+                <a:cubicBezTo>
+                  <a:pt x="73247" y="1473771"/>
+                  <a:pt x="67629" y="1488802"/>
+                  <a:pt x="67629" y="1507182"/>
+                </a:cubicBezTo>
+                <a:cubicBezTo>
+                  <a:pt x="67629" y="1516112"/>
+                  <a:pt x="69675" y="1526790"/>
+                  <a:pt x="73768" y="1539218"/>
+                </a:cubicBezTo>
+                <a:lnTo>
+                  <a:pt x="74438" y="1541338"/>
+                </a:lnTo>
+                <a:lnTo>
+                  <a:pt x="106919" y="1541338"/>
+                </a:lnTo>
+                <a:lnTo>
+                  <a:pt x="106919" y="1511312"/>
+                </a:lnTo>
+                <a:lnTo>
+                  <a:pt x="126788" y="1511312"/>
+                </a:lnTo>
+                <a:lnTo>
+                  <a:pt x="126788" y="1563662"/>
+                </a:lnTo>
+                <a:lnTo>
+                  <a:pt x="60708" y="1563662"/>
+                </a:lnTo>
+                <a:cubicBezTo>
+                  <a:pt x="52374" y="1544464"/>
+                  <a:pt x="48207" y="1525414"/>
+                  <a:pt x="48207" y="1506513"/>
+                </a:cubicBezTo>
+                <a:cubicBezTo>
+                  <a:pt x="48207" y="1480691"/>
+                  <a:pt x="55741" y="1460059"/>
+                  <a:pt x="70810" y="1444619"/>
+                </a:cubicBezTo>
+                <a:cubicBezTo>
+                  <a:pt x="85879" y="1429178"/>
+                  <a:pt x="104464" y="1421457"/>
+                  <a:pt x="126565" y="1421457"/>
+                </a:cubicBezTo>
+                <a:cubicBezTo>
+                  <a:pt x="149856" y="1421457"/>
+                  <a:pt x="169241" y="1429457"/>
+                  <a:pt x="184719" y="1445455"/>
+                </a:cubicBezTo>
+                <a:cubicBezTo>
+                  <a:pt x="200197" y="1461455"/>
+                  <a:pt x="207936" y="1481509"/>
+                  <a:pt x="207936" y="1505619"/>
+                </a:cubicBezTo>
+                <a:close/>
+                <a:moveTo>
+                  <a:pt x="207936" y="45988"/>
+                </a:moveTo>
+                <a:cubicBezTo>
+                  <a:pt x="207936" y="59010"/>
+                  <a:pt x="204290" y="70954"/>
+                  <a:pt x="196998" y="81818"/>
+                </a:cubicBezTo>
+                <a:lnTo>
+                  <a:pt x="171660" y="81818"/>
+                </a:lnTo>
+                <a:cubicBezTo>
+                  <a:pt x="182450" y="70582"/>
+                  <a:pt x="187845" y="58489"/>
+                  <a:pt x="187845" y="45541"/>
+                </a:cubicBezTo>
+                <a:cubicBezTo>
+                  <a:pt x="187845" y="38249"/>
+                  <a:pt x="186152" y="32258"/>
+                  <a:pt x="182766" y="27570"/>
+                </a:cubicBezTo>
+                <a:cubicBezTo>
+                  <a:pt x="179380" y="22882"/>
+                  <a:pt x="175045" y="20538"/>
+                  <a:pt x="169762" y="20538"/>
+                </a:cubicBezTo>
+                <a:cubicBezTo>
+                  <a:pt x="165074" y="20538"/>
+                  <a:pt x="160683" y="22250"/>
+                  <a:pt x="156591" y="25673"/>
+                </a:cubicBezTo>
+                <a:cubicBezTo>
+                  <a:pt x="152498" y="29096"/>
+                  <a:pt x="148219" y="34640"/>
+                  <a:pt x="143754" y="42304"/>
+                </a:cubicBezTo>
+                <a:lnTo>
+                  <a:pt x="133708" y="59382"/>
+                </a:lnTo>
+                <a:cubicBezTo>
+                  <a:pt x="122397" y="78432"/>
+                  <a:pt x="107961" y="87957"/>
+                  <a:pt x="90399" y="87957"/>
+                </a:cubicBezTo>
+                <a:cubicBezTo>
+                  <a:pt x="77898" y="87957"/>
+                  <a:pt x="67740" y="83771"/>
+                  <a:pt x="59927" y="75400"/>
+                </a:cubicBezTo>
+                <a:cubicBezTo>
+                  <a:pt x="52113" y="67028"/>
+                  <a:pt x="48207" y="56145"/>
+                  <a:pt x="48207" y="42751"/>
+                </a:cubicBezTo>
+                <a:cubicBezTo>
+                  <a:pt x="48207" y="27347"/>
+                  <a:pt x="52932" y="13320"/>
+                  <a:pt x="62382" y="670"/>
+                </a:cubicBezTo>
+                <a:lnTo>
+                  <a:pt x="90734" y="670"/>
+                </a:lnTo>
+                <a:cubicBezTo>
+                  <a:pt x="75479" y="12725"/>
+                  <a:pt x="67852" y="26677"/>
+                  <a:pt x="67852" y="42527"/>
+                </a:cubicBezTo>
+                <a:cubicBezTo>
+                  <a:pt x="67852" y="49522"/>
+                  <a:pt x="69805" y="55345"/>
+                  <a:pt x="73712" y="59996"/>
+                </a:cubicBezTo>
+                <a:cubicBezTo>
+                  <a:pt x="77619" y="64647"/>
+                  <a:pt x="82511" y="66972"/>
+                  <a:pt x="88390" y="66972"/>
+                </a:cubicBezTo>
+                <a:cubicBezTo>
+                  <a:pt x="97915" y="66972"/>
+                  <a:pt x="106919" y="60126"/>
+                  <a:pt x="115403" y="46434"/>
+                </a:cubicBezTo>
+                <a:lnTo>
+                  <a:pt x="125672" y="29468"/>
+                </a:lnTo>
+                <a:cubicBezTo>
+                  <a:pt x="132146" y="18826"/>
+                  <a:pt x="138527" y="11255"/>
+                  <a:pt x="144815" y="6753"/>
+                </a:cubicBezTo>
+                <a:cubicBezTo>
+                  <a:pt x="151103" y="2251"/>
+                  <a:pt x="158339" y="0"/>
+                  <a:pt x="166525" y="0"/>
+                </a:cubicBezTo>
+                <a:cubicBezTo>
+                  <a:pt x="178803" y="0"/>
+                  <a:pt x="188775" y="4260"/>
+                  <a:pt x="196439" y="12780"/>
+                </a:cubicBezTo>
+                <a:cubicBezTo>
+                  <a:pt x="204104" y="21301"/>
+                  <a:pt x="207936" y="32370"/>
+                  <a:pt x="207936" y="45988"/>
+                </a:cubicBezTo>
+                <a:close/>
+                <a:moveTo>
+                  <a:pt x="208160" y="6980163"/>
+                </a:moveTo>
+                <a:cubicBezTo>
+                  <a:pt x="208160" y="7004273"/>
+                  <a:pt x="200588" y="7024309"/>
+                  <a:pt x="185445" y="7040271"/>
+                </a:cubicBezTo>
+                <a:cubicBezTo>
+                  <a:pt x="170301" y="7056233"/>
+                  <a:pt x="151270" y="7064213"/>
+                  <a:pt x="128351" y="7064213"/>
+                </a:cubicBezTo>
+                <a:cubicBezTo>
+                  <a:pt x="109077" y="7064213"/>
+                  <a:pt x="92148" y="7058186"/>
+                  <a:pt x="77563" y="7046131"/>
+                </a:cubicBezTo>
+                <a:cubicBezTo>
+                  <a:pt x="62978" y="7034076"/>
+                  <a:pt x="53788" y="7018486"/>
+                  <a:pt x="49993" y="6999362"/>
+                </a:cubicBezTo>
+                <a:lnTo>
+                  <a:pt x="47760" y="7005277"/>
+                </a:lnTo>
+                <a:cubicBezTo>
+                  <a:pt x="40691" y="7023658"/>
+                  <a:pt x="37156" y="7036903"/>
+                  <a:pt x="37156" y="7045015"/>
+                </a:cubicBezTo>
+                <a:cubicBezTo>
+                  <a:pt x="37156" y="7049479"/>
+                  <a:pt x="38161" y="7054688"/>
+                  <a:pt x="40170" y="7060642"/>
+                </a:cubicBezTo>
+                <a:lnTo>
+                  <a:pt x="18404" y="7038206"/>
+                </a:lnTo>
+                <a:cubicBezTo>
+                  <a:pt x="18776" y="7031211"/>
+                  <a:pt x="20022" y="7023900"/>
+                  <a:pt x="22143" y="7016272"/>
+                </a:cubicBezTo>
+                <a:cubicBezTo>
+                  <a:pt x="24264" y="7008645"/>
+                  <a:pt x="27185" y="7000906"/>
+                  <a:pt x="30905" y="6993055"/>
+                </a:cubicBezTo>
+                <a:cubicBezTo>
+                  <a:pt x="34626" y="6985204"/>
+                  <a:pt x="40988" y="6974731"/>
+                  <a:pt x="49993" y="6961634"/>
+                </a:cubicBezTo>
+                <a:cubicBezTo>
+                  <a:pt x="53416" y="6942658"/>
+                  <a:pt x="62420" y="6927012"/>
+                  <a:pt x="77005" y="6914697"/>
+                </a:cubicBezTo>
+                <a:cubicBezTo>
+                  <a:pt x="91590" y="6902381"/>
+                  <a:pt x="108408" y="6896224"/>
+                  <a:pt x="127458" y="6896224"/>
+                </a:cubicBezTo>
+                <a:cubicBezTo>
+                  <a:pt x="150749" y="6896224"/>
+                  <a:pt x="170022" y="6904149"/>
+                  <a:pt x="185277" y="6919999"/>
+                </a:cubicBezTo>
+                <a:cubicBezTo>
+                  <a:pt x="200532" y="6935849"/>
+                  <a:pt x="208160" y="6955904"/>
+                  <a:pt x="208160" y="6980163"/>
+                </a:cubicBezTo>
+                <a:close/>
+                <a:moveTo>
+                  <a:pt x="208160" y="760660"/>
+                </a:moveTo>
+                <a:cubicBezTo>
+                  <a:pt x="208160" y="784771"/>
+                  <a:pt x="200532" y="804844"/>
+                  <a:pt x="185277" y="820880"/>
+                </a:cubicBezTo>
+                <a:cubicBezTo>
+                  <a:pt x="170022" y="836916"/>
+                  <a:pt x="150898" y="844934"/>
+                  <a:pt x="127904" y="844934"/>
+                </a:cubicBezTo>
+                <a:cubicBezTo>
+                  <a:pt x="104910" y="844934"/>
+                  <a:pt x="85879" y="836842"/>
+                  <a:pt x="70810" y="820657"/>
+                </a:cubicBezTo>
+                <a:cubicBezTo>
+                  <a:pt x="55741" y="804472"/>
+                  <a:pt x="48207" y="784064"/>
+                  <a:pt x="48207" y="759433"/>
+                </a:cubicBezTo>
+                <a:cubicBezTo>
+                  <a:pt x="48207" y="735918"/>
+                  <a:pt x="55741" y="716328"/>
+                  <a:pt x="70810" y="700664"/>
+                </a:cubicBezTo>
+                <a:cubicBezTo>
+                  <a:pt x="85879" y="685000"/>
+                  <a:pt x="104761" y="677168"/>
+                  <a:pt x="127458" y="677168"/>
+                </a:cubicBezTo>
+                <a:cubicBezTo>
+                  <a:pt x="150749" y="677168"/>
+                  <a:pt x="170022" y="685056"/>
+                  <a:pt x="185277" y="700831"/>
+                </a:cubicBezTo>
+                <a:cubicBezTo>
+                  <a:pt x="200532" y="716607"/>
+                  <a:pt x="208160" y="736550"/>
+                  <a:pt x="208160" y="760660"/>
+                </a:cubicBezTo>
+                <a:close/>
+                <a:moveTo>
+                  <a:pt x="260246" y="6670752"/>
+                </a:moveTo>
+                <a:lnTo>
+                  <a:pt x="130123" y="6853887"/>
+                </a:lnTo>
+                <a:lnTo>
+                  <a:pt x="0" y="6670752"/>
+                </a:lnTo>
+                <a:lnTo>
+                  <a:pt x="65062" y="6670752"/>
+                </a:lnTo>
+                <a:lnTo>
+                  <a:pt x="65062" y="1616837"/>
+                </a:lnTo>
+                <a:lnTo>
+                  <a:pt x="195185" y="1616837"/>
+                </a:lnTo>
+                <a:lnTo>
+                  <a:pt x="195185" y="6670752"/>
+                </a:lnTo>
+                <a:close/>
+              </a:path>
+            </a:pathLst>
+          </a:custGeom>
           <a:solidFill>
-            <a:schemeClr val="bg1"/>
+            <a:schemeClr val="tx1"/>
           </a:solidFill>
           <a:ln>
-            <a:noFill/>
+            <a:solidFill>
+              <a:schemeClr val="tx1"/>
+            </a:solidFill>
           </a:ln>
         </p:spPr>
         <p:style>
@@ -3353,235 +4894,25 @@
           </a:p>
         </p:txBody>
       </p:sp>
-      <p:pic>
-        <p:nvPicPr>
-          <p:cNvPr id="4" name="Picture 3"/>
-          <p:cNvPicPr>
-            <a:picLocks noChangeAspect="1"/>
-          </p:cNvPicPr>
-          <p:nvPr/>
-        </p:nvPicPr>
-        <p:blipFill>
-          <a:blip r:embed="rId2">
-            <a:extLst>
-              <a:ext uri="{BEBA8EAE-BF5A-486C-A8C5-ECC9F3942E4B}">
-                <a14:imgProps xmlns:a14="http://schemas.microsoft.com/office/drawing/2010/main">
-                  <a14:imgLayer r:embed="rId3">
-                    <a14:imgEffect>
-                      <a14:backgroundRemoval t="10000" b="90000" l="10000" r="90000"/>
-                    </a14:imgEffect>
-                  </a14:imgLayer>
-                </a14:imgProps>
-              </a:ext>
-              <a:ext uri="{28A0092B-C50C-407E-A947-70E740481C1C}">
-                <a14:useLocalDpi xmlns:a14="http://schemas.microsoft.com/office/drawing/2010/main" val="0"/>
-              </a:ext>
-            </a:extLst>
-          </a:blip>
-          <a:stretch>
-            <a:fillRect/>
-          </a:stretch>
-        </p:blipFill>
-        <p:spPr>
-          <a:xfrm>
-            <a:off x="393319" y="2720373"/>
-            <a:ext cx="812744" cy="809815"/>
-          </a:xfrm>
-          <a:prstGeom prst="rect">
-            <a:avLst/>
-          </a:prstGeom>
-        </p:spPr>
-      </p:pic>
-      <p:pic>
-        <p:nvPicPr>
-          <p:cNvPr id="6" name="Picture 5"/>
-          <p:cNvPicPr>
-            <a:picLocks noChangeAspect="1"/>
-          </p:cNvPicPr>
-          <p:nvPr/>
-        </p:nvPicPr>
-        <p:blipFill>
-          <a:blip r:embed="rId2">
-            <a:extLst>
-              <a:ext uri="{BEBA8EAE-BF5A-486C-A8C5-ECC9F3942E4B}">
-                <a14:imgProps xmlns:a14="http://schemas.microsoft.com/office/drawing/2010/main">
-                  <a14:imgLayer r:embed="rId3">
-                    <a14:imgEffect>
-                      <a14:backgroundRemoval t="10000" b="90000" l="10000" r="90000"/>
-                    </a14:imgEffect>
-                  </a14:imgLayer>
-                </a14:imgProps>
-              </a:ext>
-              <a:ext uri="{28A0092B-C50C-407E-A947-70E740481C1C}">
-                <a14:useLocalDpi xmlns:a14="http://schemas.microsoft.com/office/drawing/2010/main" val="0"/>
-              </a:ext>
-            </a:extLst>
-          </a:blip>
-          <a:stretch>
-            <a:fillRect/>
-          </a:stretch>
-        </p:blipFill>
-        <p:spPr>
-          <a:xfrm>
-            <a:off x="9587290" y="496432"/>
-            <a:ext cx="812744" cy="809815"/>
-          </a:xfrm>
-          <a:prstGeom prst="rect">
-            <a:avLst/>
-          </a:prstGeom>
-        </p:spPr>
-      </p:pic>
-      <p:pic>
-        <p:nvPicPr>
-          <p:cNvPr id="8" name="Picture 7"/>
-          <p:cNvPicPr>
-            <a:picLocks noChangeAspect="1"/>
-          </p:cNvPicPr>
-          <p:nvPr/>
-        </p:nvPicPr>
-        <p:blipFill>
-          <a:blip r:embed="rId2">
-            <a:extLst>
-              <a:ext uri="{BEBA8EAE-BF5A-486C-A8C5-ECC9F3942E4B}">
-                <a14:imgProps xmlns:a14="http://schemas.microsoft.com/office/drawing/2010/main">
-                  <a14:imgLayer r:embed="rId3">
-                    <a14:imgEffect>
-                      <a14:backgroundRemoval t="10000" b="90000" l="10000" r="90000"/>
-                    </a14:imgEffect>
-                  </a14:imgLayer>
-                </a14:imgProps>
-              </a:ext>
-              <a:ext uri="{28A0092B-C50C-407E-A947-70E740481C1C}">
-                <a14:useLocalDpi xmlns:a14="http://schemas.microsoft.com/office/drawing/2010/main" val="0"/>
-              </a:ext>
-            </a:extLst>
-          </a:blip>
-          <a:stretch>
-            <a:fillRect/>
-          </a:stretch>
-        </p:blipFill>
-        <p:spPr>
-          <a:xfrm>
-            <a:off x="3638217" y="2720373"/>
-            <a:ext cx="812744" cy="809815"/>
-          </a:xfrm>
-          <a:prstGeom prst="rect">
-            <a:avLst/>
-          </a:prstGeom>
-        </p:spPr>
-      </p:pic>
-      <p:pic>
-        <p:nvPicPr>
-          <p:cNvPr id="9" name="Picture 8"/>
-          <p:cNvPicPr>
-            <a:picLocks noChangeAspect="1"/>
-          </p:cNvPicPr>
-          <p:nvPr/>
-        </p:nvPicPr>
-        <p:blipFill>
-          <a:blip r:embed="rId4">
-            <a:alphaModFix/>
-            <a:extLst>
-              <a:ext uri="{BEBA8EAE-BF5A-486C-A8C5-ECC9F3942E4B}">
-                <a14:imgProps xmlns:a14="http://schemas.microsoft.com/office/drawing/2010/main">
-                  <a14:imgLayer r:embed="rId5">
-                    <a14:imgEffect>
-                      <a14:backgroundRemoval t="10000" b="90000" l="10000" r="90000">
-                        <a14:backgroundMark x1="49009" y1="38156" x2="49009" y2="38156"/>
-                      </a14:backgroundRemoval>
-                    </a14:imgEffect>
-                  </a14:imgLayer>
-                </a14:imgProps>
-              </a:ext>
-              <a:ext uri="{28A0092B-C50C-407E-A947-70E740481C1C}">
-                <a14:useLocalDpi xmlns:a14="http://schemas.microsoft.com/office/drawing/2010/main" val="0"/>
-              </a:ext>
-            </a:extLst>
-          </a:blip>
-          <a:stretch>
-            <a:fillRect/>
-          </a:stretch>
-        </p:blipFill>
-        <p:spPr>
-          <a:xfrm>
-            <a:off x="10323046" y="496432"/>
-            <a:ext cx="812744" cy="809815"/>
-          </a:xfrm>
-          <a:prstGeom prst="rect">
-            <a:avLst/>
-          </a:prstGeom>
-          <a:effectLst>
-            <a:outerShdw blurRad="50800" dist="50800" dir="5400000" algn="ctr" rotWithShape="0">
-              <a:srgbClr val="000000">
-                <a:alpha val="0"/>
-              </a:srgbClr>
-            </a:outerShdw>
-          </a:effectLst>
-        </p:spPr>
-      </p:pic>
-      <p:pic>
-        <p:nvPicPr>
-          <p:cNvPr id="11" name="Picture 10"/>
-          <p:cNvPicPr>
-            <a:picLocks noChangeAspect="1"/>
-          </p:cNvPicPr>
-          <p:nvPr/>
-        </p:nvPicPr>
-        <p:blipFill>
-          <a:blip r:embed="rId2">
-            <a:extLst>
-              <a:ext uri="{BEBA8EAE-BF5A-486C-A8C5-ECC9F3942E4B}">
-                <a14:imgProps xmlns:a14="http://schemas.microsoft.com/office/drawing/2010/main">
-                  <a14:imgLayer r:embed="rId3">
-                    <a14:imgEffect>
-                      <a14:backgroundRemoval t="10000" b="90000" l="10000" r="90000"/>
-                    </a14:imgEffect>
-                  </a14:imgLayer>
-                </a14:imgProps>
-              </a:ext>
-              <a:ext uri="{28A0092B-C50C-407E-A947-70E740481C1C}">
-                <a14:useLocalDpi xmlns:a14="http://schemas.microsoft.com/office/drawing/2010/main" val="0"/>
-              </a:ext>
-            </a:extLst>
-          </a:blip>
-          <a:stretch>
-            <a:fillRect/>
-          </a:stretch>
-        </p:blipFill>
-        <p:spPr>
-          <a:xfrm>
-            <a:off x="9569190" y="2732419"/>
-            <a:ext cx="812744" cy="809815"/>
-          </a:xfrm>
-          <a:prstGeom prst="rect">
-            <a:avLst/>
-          </a:prstGeom>
-        </p:spPr>
-      </p:pic>
-      <p:sp>
-        <p:nvSpPr>
-          <p:cNvPr id="15" name="Oval 14"/>
+      <p:sp>
+        <p:nvSpPr>
+          <p:cNvPr id="62" name="Oval 61"/>
           <p:cNvSpPr/>
           <p:nvPr/>
         </p:nvSpPr>
         <p:spPr>
           <a:xfrm>
-            <a:off x="1079631" y="1686451"/>
-            <a:ext cx="257741" cy="264599"/>
+            <a:off x="6843024" y="1278103"/>
+            <a:ext cx="1590528" cy="1046375"/>
           </a:xfrm>
           <a:prstGeom prst="ellipse">
             <a:avLst/>
           </a:prstGeom>
           <a:solidFill>
-            <a:schemeClr val="tx1"/>
+            <a:schemeClr val="bg1"/>
           </a:solidFill>
           <a:ln>
-            <a:solidFill>
-              <a:schemeClr val="accent1">
-                <a:lumMod val="20000"/>
-                <a:lumOff val="80000"/>
-              </a:schemeClr>
-            </a:solidFill>
+            <a:noFill/>
           </a:ln>
         </p:spPr>
         <p:style>
@@ -3614,1726 +4945,16 @@
           </a:p>
         </p:txBody>
       </p:sp>
-      <p:pic>
-        <p:nvPicPr>
-          <p:cNvPr id="26" name="Picture 25"/>
-          <p:cNvPicPr>
-            <a:picLocks noChangeAspect="1"/>
-          </p:cNvPicPr>
-          <p:nvPr/>
-        </p:nvPicPr>
-        <p:blipFill>
-          <a:blip r:embed="rId6">
-            <a:alphaModFix/>
-            <a:extLst>
-              <a:ext uri="{BEBA8EAE-BF5A-486C-A8C5-ECC9F3942E4B}">
-                <a14:imgProps xmlns:a14="http://schemas.microsoft.com/office/drawing/2010/main">
-                  <a14:imgLayer r:embed="rId7">
-                    <a14:imgEffect>
-                      <a14:backgroundRemoval t="10000" b="90000" l="10000" r="90000"/>
-                    </a14:imgEffect>
-                  </a14:imgLayer>
-                </a14:imgProps>
-              </a:ext>
-              <a:ext uri="{28A0092B-C50C-407E-A947-70E740481C1C}">
-                <a14:useLocalDpi xmlns:a14="http://schemas.microsoft.com/office/drawing/2010/main" val="0"/>
-              </a:ext>
-            </a:extLst>
-          </a:blip>
-          <a:stretch>
-            <a:fillRect/>
-          </a:stretch>
-        </p:blipFill>
-        <p:spPr>
-          <a:xfrm>
-            <a:off x="4396921" y="2720373"/>
-            <a:ext cx="812744" cy="809815"/>
-          </a:xfrm>
-          <a:prstGeom prst="rect">
-            <a:avLst/>
-          </a:prstGeom>
-          <a:effectLst>
-            <a:outerShdw blurRad="50800" dist="50800" dir="5400000" algn="ctr" rotWithShape="0">
-              <a:srgbClr val="000000">
-                <a:alpha val="0"/>
-              </a:srgbClr>
-            </a:outerShdw>
-          </a:effectLst>
-        </p:spPr>
-      </p:pic>
-      <p:pic>
-        <p:nvPicPr>
-          <p:cNvPr id="28" name="Picture 27"/>
-          <p:cNvPicPr>
-            <a:picLocks noChangeAspect="1"/>
-          </p:cNvPicPr>
-          <p:nvPr/>
-        </p:nvPicPr>
-        <p:blipFill>
-          <a:blip r:embed="rId6">
-            <a:alphaModFix/>
-            <a:extLst>
-              <a:ext uri="{BEBA8EAE-BF5A-486C-A8C5-ECC9F3942E4B}">
-                <a14:imgProps xmlns:a14="http://schemas.microsoft.com/office/drawing/2010/main">
-                  <a14:imgLayer r:embed="rId7">
-                    <a14:imgEffect>
-                      <a14:backgroundRemoval t="10000" b="90000" l="10000" r="90000"/>
-                    </a14:imgEffect>
-                  </a14:imgLayer>
-                </a14:imgProps>
-              </a:ext>
-              <a:ext uri="{28A0092B-C50C-407E-A947-70E740481C1C}">
-                <a14:useLocalDpi xmlns:a14="http://schemas.microsoft.com/office/drawing/2010/main" val="0"/>
-              </a:ext>
-            </a:extLst>
-          </a:blip>
-          <a:stretch>
-            <a:fillRect/>
-          </a:stretch>
-        </p:blipFill>
-        <p:spPr>
-          <a:xfrm>
-            <a:off x="10304946" y="2732419"/>
-            <a:ext cx="812744" cy="809815"/>
-          </a:xfrm>
-          <a:prstGeom prst="rect">
-            <a:avLst/>
-          </a:prstGeom>
-          <a:effectLst>
-            <a:outerShdw blurRad="50800" dist="50800" dir="5400000" algn="ctr" rotWithShape="0">
-              <a:srgbClr val="000000">
-                <a:alpha val="0"/>
-              </a:srgbClr>
-            </a:outerShdw>
-          </a:effectLst>
-        </p:spPr>
-      </p:pic>
-      <p:sp>
-        <p:nvSpPr>
-          <p:cNvPr id="32" name="Oval 31"/>
+      <p:sp>
+        <p:nvSpPr>
+          <p:cNvPr id="63" name="Freeform 62"/>
           <p:cNvSpPr/>
           <p:nvPr/>
         </p:nvSpPr>
         <p:spPr>
-          <a:xfrm>
-            <a:off x="6675841" y="1183323"/>
-            <a:ext cx="1848716" cy="1273687"/>
-          </a:xfrm>
-          <a:prstGeom prst="ellipse">
-            <a:avLst/>
-          </a:prstGeom>
-          <a:gradFill flip="none" rotWithShape="1">
-            <a:gsLst>
-              <a:gs pos="0">
-                <a:schemeClr val="accent1">
-                  <a:lumMod val="5000"/>
-                  <a:lumOff val="95000"/>
-                </a:schemeClr>
-              </a:gs>
-              <a:gs pos="74000">
-                <a:schemeClr val="accent1">
-                  <a:lumMod val="45000"/>
-                  <a:lumOff val="55000"/>
-                </a:schemeClr>
-              </a:gs>
-              <a:gs pos="83000">
-                <a:schemeClr val="accent1">
-                  <a:lumMod val="45000"/>
-                  <a:lumOff val="55000"/>
-                </a:schemeClr>
-              </a:gs>
-              <a:gs pos="100000">
-                <a:schemeClr val="accent1">
-                  <a:lumMod val="30000"/>
-                  <a:lumOff val="70000"/>
-                </a:schemeClr>
-              </a:gs>
-            </a:gsLst>
-            <a:path path="circle">
-              <a:fillToRect l="50000" t="50000" r="50000" b="50000"/>
-            </a:path>
-            <a:tileRect/>
-          </a:gradFill>
-          <a:ln>
-            <a:noFill/>
-          </a:ln>
-        </p:spPr>
-        <p:style>
-          <a:lnRef idx="2">
-            <a:schemeClr val="accent1">
-              <a:shade val="50000"/>
-            </a:schemeClr>
-          </a:lnRef>
-          <a:fillRef idx="1">
-            <a:schemeClr val="accent1"/>
-          </a:fillRef>
-          <a:effectRef idx="0">
-            <a:schemeClr val="accent1"/>
-          </a:effectRef>
-          <a:fontRef idx="minor">
-            <a:schemeClr val="lt1"/>
-          </a:fontRef>
-        </p:style>
-        <p:txBody>
-          <a:bodyPr rot="0" spcFirstLastPara="0" vertOverflow="overflow" horzOverflow="overflow" vert="horz" wrap="square" lIns="91440" tIns="45720" rIns="91440" bIns="45720" numCol="1" spcCol="0" rtlCol="0" fromWordArt="0" anchor="ctr" anchorCtr="0" forceAA="0" compatLnSpc="1">
-            <a:prstTxWarp prst="textNoShape">
-              <a:avLst/>
-            </a:prstTxWarp>
-            <a:noAutofit/>
-          </a:bodyPr>
-          <a:lstStyle/>
-          <a:p>
-            <a:pPr algn="ctr"/>
-            <a:endParaRPr lang="en-GB"/>
-          </a:p>
-        </p:txBody>
-      </p:sp>
-      <p:sp>
-        <p:nvSpPr>
-          <p:cNvPr id="38" name="TextBox 37"/>
-          <p:cNvSpPr txBox="1"/>
-          <p:nvPr/>
-        </p:nvSpPr>
-        <p:spPr>
-          <a:xfrm>
-            <a:off x="2014091" y="1987059"/>
-            <a:ext cx="1584675" cy="692497"/>
-          </a:xfrm>
-          <a:prstGeom prst="rect">
-            <a:avLst/>
-          </a:prstGeom>
-          <a:noFill/>
-        </p:spPr>
-        <p:txBody>
-          <a:bodyPr wrap="square" rtlCol="0">
-            <a:spAutoFit/>
-          </a:bodyPr>
-          <a:lstStyle/>
-          <a:p>
-            <a:r>
-              <a:rPr lang="en-GB" sz="1300" dirty="0">
-                <a:latin typeface="Gill Sans" charset="0"/>
-                <a:ea typeface="Gill Sans" charset="0"/>
-                <a:cs typeface="Gill Sans" charset="0"/>
-              </a:rPr>
-              <a:t>HIGH ACCRETION </a:t>
-            </a:r>
-            <a:r>
-              <a:rPr lang="en-GB" sz="1300" dirty="0">
-                <a:latin typeface="Gill Sans" charset="0"/>
-                <a:ea typeface="Gill Sans" charset="0"/>
-                <a:cs typeface="Gill Sans" charset="0"/>
-              </a:rPr>
-              <a:t>MODE</a:t>
-            </a:r>
-          </a:p>
-          <a:p>
-            <a:r>
-              <a:rPr lang="en-GB" sz="1300" dirty="0">
-                <a:latin typeface="Gill Sans" charset="0"/>
-                <a:ea typeface="Gill Sans" charset="0"/>
-                <a:cs typeface="Gill Sans" charset="0"/>
-              </a:rPr>
-              <a:t>(DUE TO MERGER?)</a:t>
-            </a:r>
-          </a:p>
-        </p:txBody>
-      </p:sp>
-      <p:sp>
-        <p:nvSpPr>
-          <p:cNvPr id="39" name="TextBox 38"/>
-          <p:cNvSpPr txBox="1"/>
-          <p:nvPr/>
-        </p:nvSpPr>
-        <p:spPr>
-          <a:xfrm>
-            <a:off x="3498945" y="613639"/>
-            <a:ext cx="2068557" cy="307777"/>
-          </a:xfrm>
-          <a:prstGeom prst="rect">
-            <a:avLst/>
-          </a:prstGeom>
-          <a:noFill/>
-        </p:spPr>
-        <p:txBody>
-          <a:bodyPr wrap="square" rtlCol="0">
-            <a:spAutoFit/>
-          </a:bodyPr>
-          <a:lstStyle/>
-          <a:p>
-            <a:r>
-              <a:rPr lang="en-GB" sz="1400" dirty="0">
-                <a:latin typeface="Gill Sans" charset="0"/>
-                <a:ea typeface="Gill Sans" charset="0"/>
-                <a:cs typeface="Gill Sans" charset="0"/>
-              </a:rPr>
-              <a:t>RADIATIVE FEEDBACK</a:t>
-            </a:r>
-          </a:p>
-        </p:txBody>
-      </p:sp>
-      <p:sp>
-        <p:nvSpPr>
-          <p:cNvPr id="40" name="TextBox 39"/>
-          <p:cNvSpPr txBox="1"/>
-          <p:nvPr/>
-        </p:nvSpPr>
-        <p:spPr>
-          <a:xfrm>
-            <a:off x="2589266" y="1460453"/>
-            <a:ext cx="1240037" cy="307777"/>
-          </a:xfrm>
-          <a:prstGeom prst="rect">
-            <a:avLst/>
-          </a:prstGeom>
-          <a:noFill/>
-        </p:spPr>
-        <p:txBody>
-          <a:bodyPr wrap="square" rtlCol="0">
-            <a:spAutoFit/>
-          </a:bodyPr>
-          <a:lstStyle/>
-          <a:p>
-            <a:r>
-              <a:rPr lang="en-GB" sz="1400" dirty="0">
-                <a:latin typeface="Gill Sans" charset="0"/>
-                <a:ea typeface="Gill Sans" charset="0"/>
-                <a:cs typeface="Gill Sans" charset="0"/>
-              </a:rPr>
-              <a:t>GAS LOSS</a:t>
-            </a:r>
-          </a:p>
-        </p:txBody>
-      </p:sp>
-      <p:sp>
-        <p:nvSpPr>
-          <p:cNvPr id="45" name="Freeform 44"/>
-          <p:cNvSpPr/>
-          <p:nvPr/>
-        </p:nvSpPr>
-        <p:spPr>
-          <a:xfrm rot="16200000">
-            <a:off x="4274847" y="-3930195"/>
-            <a:ext cx="260246" cy="8241667"/>
-          </a:xfrm>
-          <a:custGeom>
-            <a:avLst/>
-            <a:gdLst/>
-            <a:ahLst/>
-            <a:cxnLst/>
-            <a:rect l="l" t="t" r="r" b="b"/>
-            <a:pathLst>
-              <a:path w="260246" h="8241667">
-                <a:moveTo>
-                  <a:pt x="172552" y="284262"/>
-                </a:moveTo>
-                <a:lnTo>
-                  <a:pt x="116072" y="260933"/>
-                </a:lnTo>
-                <a:lnTo>
-                  <a:pt x="116072" y="309376"/>
-                </a:lnTo>
-                <a:close/>
-                <a:moveTo>
-                  <a:pt x="186952" y="6980163"/>
-                </a:moveTo>
-                <a:cubicBezTo>
-                  <a:pt x="186952" y="6962601"/>
-                  <a:pt x="181296" y="6948090"/>
-                  <a:pt x="169985" y="6936631"/>
-                </a:cubicBezTo>
-                <a:cubicBezTo>
-                  <a:pt x="158674" y="6925171"/>
-                  <a:pt x="144424" y="6919441"/>
-                  <a:pt x="127234" y="6919441"/>
-                </a:cubicBezTo>
-                <a:cubicBezTo>
-                  <a:pt x="110491" y="6919441"/>
-                  <a:pt x="96557" y="6925208"/>
-                  <a:pt x="85432" y="6936742"/>
-                </a:cubicBezTo>
-                <a:cubicBezTo>
-                  <a:pt x="74307" y="6948276"/>
-                  <a:pt x="68745" y="6962750"/>
-                  <a:pt x="68745" y="6980163"/>
-                </a:cubicBezTo>
-                <a:cubicBezTo>
-                  <a:pt x="68745" y="6997352"/>
-                  <a:pt x="74438" y="7011826"/>
-                  <a:pt x="85823" y="7023583"/>
-                </a:cubicBezTo>
-                <a:cubicBezTo>
-                  <a:pt x="97208" y="7035341"/>
-                  <a:pt x="111235" y="7041219"/>
-                  <a:pt x="127904" y="7041219"/>
-                </a:cubicBezTo>
-                <a:cubicBezTo>
-                  <a:pt x="144945" y="7041219"/>
-                  <a:pt x="159046" y="7035452"/>
-                  <a:pt x="170208" y="7023918"/>
-                </a:cubicBezTo>
-                <a:cubicBezTo>
-                  <a:pt x="181371" y="7012384"/>
-                  <a:pt x="186952" y="6997799"/>
-                  <a:pt x="186952" y="6980163"/>
-                </a:cubicBezTo>
-                <a:close/>
-                <a:moveTo>
-                  <a:pt x="186952" y="897582"/>
-                </a:moveTo>
-                <a:lnTo>
-                  <a:pt x="137727" y="897582"/>
-                </a:lnTo>
-                <a:lnTo>
-                  <a:pt x="137727" y="906065"/>
-                </a:lnTo>
-                <a:cubicBezTo>
-                  <a:pt x="137727" y="917376"/>
-                  <a:pt x="138694" y="925134"/>
-                  <a:pt x="140629" y="929338"/>
-                </a:cubicBezTo>
-                <a:cubicBezTo>
-                  <a:pt x="142564" y="933543"/>
-                  <a:pt x="145484" y="936817"/>
-                  <a:pt x="149391" y="939161"/>
-                </a:cubicBezTo>
-                <a:cubicBezTo>
-                  <a:pt x="153298" y="941505"/>
-                  <a:pt x="157744" y="942677"/>
-                  <a:pt x="162730" y="942677"/>
-                </a:cubicBezTo>
-                <a:cubicBezTo>
-                  <a:pt x="167641" y="942677"/>
-                  <a:pt x="172087" y="941375"/>
-                  <a:pt x="176069" y="938770"/>
-                </a:cubicBezTo>
-                <a:cubicBezTo>
-                  <a:pt x="180050" y="936166"/>
-                  <a:pt x="182859" y="932501"/>
-                  <a:pt x="184496" y="927776"/>
-                </a:cubicBezTo>
-                <a:cubicBezTo>
-                  <a:pt x="186133" y="923050"/>
-                  <a:pt x="186952" y="915218"/>
-                  <a:pt x="186952" y="904280"/>
-                </a:cubicBezTo>
-                <a:close/>
-                <a:moveTo>
-                  <a:pt x="186952" y="761553"/>
-                </a:moveTo>
-                <a:cubicBezTo>
-                  <a:pt x="186952" y="743694"/>
-                  <a:pt x="181371" y="729016"/>
-                  <a:pt x="170208" y="717519"/>
-                </a:cubicBezTo>
-                <a:cubicBezTo>
-                  <a:pt x="159046" y="706022"/>
-                  <a:pt x="144796" y="700273"/>
-                  <a:pt x="127458" y="700273"/>
-                </a:cubicBezTo>
-                <a:cubicBezTo>
-                  <a:pt x="110640" y="700273"/>
-                  <a:pt x="96650" y="706040"/>
-                  <a:pt x="85488" y="717575"/>
-                </a:cubicBezTo>
-                <a:cubicBezTo>
-                  <a:pt x="74326" y="729109"/>
-                  <a:pt x="68745" y="743545"/>
-                  <a:pt x="68745" y="760884"/>
-                </a:cubicBezTo>
-                <a:cubicBezTo>
-                  <a:pt x="68745" y="778296"/>
-                  <a:pt x="74438" y="792826"/>
-                  <a:pt x="85823" y="804472"/>
-                </a:cubicBezTo>
-                <a:cubicBezTo>
-                  <a:pt x="97208" y="816117"/>
-                  <a:pt x="111384" y="821940"/>
-                  <a:pt x="128351" y="821940"/>
-                </a:cubicBezTo>
-                <a:cubicBezTo>
-                  <a:pt x="144870" y="821940"/>
-                  <a:pt x="158767" y="816117"/>
-                  <a:pt x="170041" y="804472"/>
-                </a:cubicBezTo>
-                <a:cubicBezTo>
-                  <a:pt x="181315" y="792826"/>
-                  <a:pt x="186952" y="778520"/>
-                  <a:pt x="186952" y="761553"/>
-                </a:cubicBezTo>
-                <a:close/>
-                <a:moveTo>
-                  <a:pt x="186952" y="402282"/>
-                </a:moveTo>
-                <a:lnTo>
-                  <a:pt x="137727" y="402282"/>
-                </a:lnTo>
-                <a:lnTo>
-                  <a:pt x="137727" y="410765"/>
-                </a:lnTo>
-                <a:cubicBezTo>
-                  <a:pt x="137727" y="422076"/>
-                  <a:pt x="138694" y="429834"/>
-                  <a:pt x="140629" y="434038"/>
-                </a:cubicBezTo>
-                <a:cubicBezTo>
-                  <a:pt x="142564" y="438243"/>
-                  <a:pt x="145484" y="441517"/>
-                  <a:pt x="149391" y="443861"/>
-                </a:cubicBezTo>
-                <a:cubicBezTo>
-                  <a:pt x="153298" y="446205"/>
-                  <a:pt x="157744" y="447377"/>
-                  <a:pt x="162730" y="447377"/>
-                </a:cubicBezTo>
-                <a:cubicBezTo>
-                  <a:pt x="167641" y="447377"/>
-                  <a:pt x="172087" y="446075"/>
-                  <a:pt x="176069" y="443470"/>
-                </a:cubicBezTo>
-                <a:cubicBezTo>
-                  <a:pt x="180050" y="440866"/>
-                  <a:pt x="182859" y="437201"/>
-                  <a:pt x="184496" y="432476"/>
-                </a:cubicBezTo>
-                <a:cubicBezTo>
-                  <a:pt x="186133" y="427750"/>
-                  <a:pt x="186952" y="419918"/>
-                  <a:pt x="186952" y="408980"/>
-                </a:cubicBezTo>
-                <a:close/>
-                <a:moveTo>
-                  <a:pt x="205927" y="8151143"/>
-                </a:moveTo>
-                <a:lnTo>
-                  <a:pt x="205927" y="8239547"/>
-                </a:lnTo>
-                <a:lnTo>
-                  <a:pt x="186059" y="8239547"/>
-                </a:lnTo>
-                <a:lnTo>
-                  <a:pt x="186059" y="8173467"/>
-                </a:lnTo>
-                <a:lnTo>
-                  <a:pt x="138508" y="8173467"/>
-                </a:lnTo>
-                <a:lnTo>
-                  <a:pt x="138508" y="8237314"/>
-                </a:lnTo>
-                <a:lnTo>
-                  <a:pt x="118528" y="8237314"/>
-                </a:lnTo>
-                <a:lnTo>
-                  <a:pt x="118528" y="8173467"/>
-                </a:lnTo>
-                <a:lnTo>
-                  <a:pt x="70084" y="8173467"/>
-                </a:lnTo>
-                <a:lnTo>
-                  <a:pt x="70084" y="8241667"/>
-                </a:lnTo>
-                <a:lnTo>
-                  <a:pt x="50216" y="8241667"/>
-                </a:lnTo>
-                <a:lnTo>
-                  <a:pt x="50216" y="8151143"/>
-                </a:lnTo>
-                <a:close/>
-                <a:moveTo>
-                  <a:pt x="205927" y="7808912"/>
-                </a:moveTo>
-                <a:lnTo>
-                  <a:pt x="205927" y="7826995"/>
-                </a:lnTo>
-                <a:lnTo>
-                  <a:pt x="84930" y="7932142"/>
-                </a:lnTo>
-                <a:lnTo>
-                  <a:pt x="205927" y="7932142"/>
-                </a:lnTo>
-                <a:lnTo>
-                  <a:pt x="205927" y="7953350"/>
-                </a:lnTo>
-                <a:lnTo>
-                  <a:pt x="49993" y="7953350"/>
-                </a:lnTo>
-                <a:lnTo>
-                  <a:pt x="49993" y="7934151"/>
-                </a:lnTo>
-                <a:lnTo>
-                  <a:pt x="169985" y="7829897"/>
-                </a:lnTo>
-                <a:lnTo>
-                  <a:pt x="49993" y="7829897"/>
-                </a:lnTo>
-                <a:lnTo>
-                  <a:pt x="49993" y="7808912"/>
-                </a:lnTo>
-                <a:close/>
-                <a:moveTo>
-                  <a:pt x="205927" y="7693942"/>
-                </a:moveTo>
-                <a:lnTo>
-                  <a:pt x="205927" y="7782347"/>
-                </a:lnTo>
-                <a:lnTo>
-                  <a:pt x="186059" y="7782347"/>
-                </a:lnTo>
-                <a:lnTo>
-                  <a:pt x="186059" y="7716267"/>
-                </a:lnTo>
-                <a:lnTo>
-                  <a:pt x="138508" y="7716267"/>
-                </a:lnTo>
-                <a:lnTo>
-                  <a:pt x="138508" y="7780114"/>
-                </a:lnTo>
-                <a:lnTo>
-                  <a:pt x="118528" y="7780114"/>
-                </a:lnTo>
-                <a:lnTo>
-                  <a:pt x="118528" y="7716267"/>
-                </a:lnTo>
-                <a:lnTo>
-                  <a:pt x="70084" y="7716267"/>
-                </a:lnTo>
-                <a:lnTo>
-                  <a:pt x="70084" y="7784467"/>
-                </a:lnTo>
-                <a:lnTo>
-                  <a:pt x="50216" y="7784467"/>
-                </a:lnTo>
-                <a:lnTo>
-                  <a:pt x="50216" y="7693942"/>
-                </a:lnTo>
-                <a:close/>
-                <a:moveTo>
-                  <a:pt x="205927" y="7312942"/>
-                </a:moveTo>
-                <a:lnTo>
-                  <a:pt x="205927" y="7401346"/>
-                </a:lnTo>
-                <a:lnTo>
-                  <a:pt x="186059" y="7401346"/>
-                </a:lnTo>
-                <a:lnTo>
-                  <a:pt x="186059" y="7335267"/>
-                </a:lnTo>
-                <a:lnTo>
-                  <a:pt x="138508" y="7335267"/>
-                </a:lnTo>
-                <a:lnTo>
-                  <a:pt x="138508" y="7399114"/>
-                </a:lnTo>
-                <a:lnTo>
-                  <a:pt x="118528" y="7399114"/>
-                </a:lnTo>
-                <a:lnTo>
-                  <a:pt x="118528" y="7335267"/>
-                </a:lnTo>
-                <a:lnTo>
-                  <a:pt x="70084" y="7335267"/>
-                </a:lnTo>
-                <a:lnTo>
-                  <a:pt x="70084" y="7403467"/>
-                </a:lnTo>
-                <a:lnTo>
-                  <a:pt x="50216" y="7403467"/>
-                </a:lnTo>
-                <a:lnTo>
-                  <a:pt x="50216" y="7312942"/>
-                </a:lnTo>
-                <a:close/>
-                <a:moveTo>
-                  <a:pt x="205927" y="7256016"/>
-                </a:moveTo>
-                <a:lnTo>
-                  <a:pt x="205927" y="7278340"/>
-                </a:lnTo>
-                <a:lnTo>
-                  <a:pt x="49993" y="7278340"/>
-                </a:lnTo>
-                <a:lnTo>
-                  <a:pt x="49993" y="7256016"/>
-                </a:lnTo>
-                <a:close/>
-                <a:moveTo>
-                  <a:pt x="205927" y="7090630"/>
-                </a:moveTo>
-                <a:lnTo>
-                  <a:pt x="205927" y="7113066"/>
-                </a:lnTo>
-                <a:lnTo>
-                  <a:pt x="117412" y="7113066"/>
-                </a:lnTo>
-                <a:cubicBezTo>
-                  <a:pt x="102752" y="7113066"/>
-                  <a:pt x="92557" y="7114741"/>
-                  <a:pt x="86828" y="7118089"/>
-                </a:cubicBezTo>
-                <a:cubicBezTo>
-                  <a:pt x="81098" y="7121438"/>
-                  <a:pt x="76503" y="7126535"/>
-                  <a:pt x="73042" y="7133381"/>
-                </a:cubicBezTo>
-                <a:cubicBezTo>
-                  <a:pt x="69582" y="7140227"/>
-                  <a:pt x="67852" y="7148301"/>
-                  <a:pt x="67852" y="7157603"/>
-                </a:cubicBezTo>
-                <a:cubicBezTo>
-                  <a:pt x="67852" y="7170849"/>
-                  <a:pt x="71312" y="7181639"/>
-                  <a:pt x="78233" y="7189973"/>
-                </a:cubicBezTo>
-                <a:cubicBezTo>
-                  <a:pt x="81953" y="7194364"/>
-                  <a:pt x="86344" y="7197526"/>
-                  <a:pt x="91404" y="7199461"/>
-                </a:cubicBezTo>
-                <a:cubicBezTo>
-                  <a:pt x="96464" y="7201396"/>
-                  <a:pt x="105133" y="7202363"/>
-                  <a:pt x="117412" y="7202363"/>
-                </a:cubicBezTo>
-                <a:lnTo>
-                  <a:pt x="205927" y="7202363"/>
-                </a:lnTo>
-                <a:lnTo>
-                  <a:pt x="205927" y="7224799"/>
-                </a:lnTo>
-                <a:lnTo>
-                  <a:pt x="117412" y="7224799"/>
-                </a:lnTo>
-                <a:cubicBezTo>
-                  <a:pt x="105431" y="7224799"/>
-                  <a:pt x="96390" y="7223925"/>
-                  <a:pt x="90288" y="7222176"/>
-                </a:cubicBezTo>
-                <a:cubicBezTo>
-                  <a:pt x="84186" y="7220427"/>
-                  <a:pt x="79107" y="7218269"/>
-                  <a:pt x="75051" y="7215702"/>
-                </a:cubicBezTo>
-                <a:cubicBezTo>
-                  <a:pt x="70996" y="7213135"/>
-                  <a:pt x="67368" y="7209991"/>
-                  <a:pt x="64168" y="7206270"/>
-                </a:cubicBezTo>
-                <a:cubicBezTo>
-                  <a:pt x="53527" y="7193917"/>
-                  <a:pt x="48207" y="7177769"/>
-                  <a:pt x="48207" y="7157826"/>
-                </a:cubicBezTo>
-                <a:cubicBezTo>
-                  <a:pt x="48207" y="7137511"/>
-                  <a:pt x="53490" y="7121215"/>
-                  <a:pt x="64057" y="7108936"/>
-                </a:cubicBezTo>
-                <a:cubicBezTo>
-                  <a:pt x="67331" y="7105216"/>
-                  <a:pt x="70996" y="7102072"/>
-                  <a:pt x="75051" y="7099504"/>
-                </a:cubicBezTo>
-                <a:cubicBezTo>
-                  <a:pt x="79107" y="7096937"/>
-                  <a:pt x="84074" y="7094816"/>
-                  <a:pt x="89953" y="7093142"/>
-                </a:cubicBezTo>
-                <a:cubicBezTo>
-                  <a:pt x="95832" y="7091468"/>
-                  <a:pt x="105059" y="7090630"/>
-                  <a:pt x="117635" y="7090630"/>
-                </a:cubicBezTo>
-                <a:close/>
-                <a:moveTo>
-                  <a:pt x="205927" y="1246733"/>
-                </a:moveTo>
-                <a:lnTo>
-                  <a:pt x="205927" y="1264816"/>
-                </a:lnTo>
-                <a:lnTo>
-                  <a:pt x="84930" y="1369963"/>
-                </a:lnTo>
-                <a:lnTo>
-                  <a:pt x="205927" y="1369963"/>
-                </a:lnTo>
-                <a:lnTo>
-                  <a:pt x="205927" y="1391171"/>
-                </a:lnTo>
-                <a:lnTo>
-                  <a:pt x="49993" y="1391171"/>
-                </a:lnTo>
-                <a:lnTo>
-                  <a:pt x="49993" y="1371972"/>
-                </a:lnTo>
-                <a:lnTo>
-                  <a:pt x="169985" y="1267718"/>
-                </a:lnTo>
-                <a:lnTo>
-                  <a:pt x="49993" y="1267718"/>
-                </a:lnTo>
-                <a:lnTo>
-                  <a:pt x="49993" y="1246733"/>
-                </a:lnTo>
-                <a:close/>
-                <a:moveTo>
-                  <a:pt x="205927" y="1189137"/>
-                </a:moveTo>
-                <a:lnTo>
-                  <a:pt x="205927" y="1211461"/>
-                </a:lnTo>
-                <a:lnTo>
-                  <a:pt x="49993" y="1211461"/>
-                </a:lnTo>
-                <a:lnTo>
-                  <a:pt x="49993" y="1189137"/>
-                </a:lnTo>
-                <a:close/>
-                <a:moveTo>
-                  <a:pt x="205927" y="1007492"/>
-                </a:moveTo>
-                <a:lnTo>
-                  <a:pt x="205927" y="1028477"/>
-                </a:lnTo>
-                <a:lnTo>
-                  <a:pt x="141857" y="1080380"/>
-                </a:lnTo>
-                <a:lnTo>
-                  <a:pt x="205927" y="1132061"/>
-                </a:lnTo>
-                <a:lnTo>
-                  <a:pt x="205927" y="1152823"/>
-                </a:lnTo>
-                <a:lnTo>
-                  <a:pt x="49993" y="1152823"/>
-                </a:lnTo>
-                <a:lnTo>
-                  <a:pt x="49993" y="1130387"/>
-                </a:lnTo>
-                <a:lnTo>
-                  <a:pt x="171325" y="1130387"/>
-                </a:lnTo>
-                <a:lnTo>
-                  <a:pt x="111049" y="1082390"/>
-                </a:lnTo>
-                <a:lnTo>
-                  <a:pt x="111049" y="1078260"/>
-                </a:lnTo>
-                <a:lnTo>
-                  <a:pt x="171325" y="1029816"/>
-                </a:lnTo>
-                <a:lnTo>
-                  <a:pt x="49993" y="1029816"/>
-                </a:lnTo>
-                <a:lnTo>
-                  <a:pt x="49993" y="1007492"/>
-                </a:lnTo>
-                <a:close/>
-                <a:moveTo>
-                  <a:pt x="205927" y="875258"/>
-                </a:moveTo>
-                <a:lnTo>
-                  <a:pt x="205927" y="914325"/>
-                </a:lnTo>
-                <a:cubicBezTo>
-                  <a:pt x="205927" y="930101"/>
-                  <a:pt x="202020" y="942621"/>
-                  <a:pt x="194207" y="951886"/>
-                </a:cubicBezTo>
-                <a:cubicBezTo>
-                  <a:pt x="186394" y="961150"/>
-                  <a:pt x="175827" y="965783"/>
-                  <a:pt x="162507" y="965783"/>
-                </a:cubicBezTo>
-                <a:cubicBezTo>
-                  <a:pt x="153428" y="965783"/>
-                  <a:pt x="145577" y="963513"/>
-                  <a:pt x="138955" y="958974"/>
-                </a:cubicBezTo>
-                <a:cubicBezTo>
-                  <a:pt x="132332" y="954435"/>
-                  <a:pt x="127383" y="947923"/>
-                  <a:pt x="124109" y="939440"/>
-                </a:cubicBezTo>
-                <a:cubicBezTo>
-                  <a:pt x="120835" y="944426"/>
-                  <a:pt x="116370" y="949300"/>
-                  <a:pt x="110714" y="954063"/>
-                </a:cubicBezTo>
-                <a:cubicBezTo>
-                  <a:pt x="105059" y="958825"/>
-                  <a:pt x="95199" y="965522"/>
-                  <a:pt x="81135" y="974154"/>
-                </a:cubicBezTo>
-                <a:cubicBezTo>
-                  <a:pt x="72280" y="979587"/>
-                  <a:pt x="65619" y="983940"/>
-                  <a:pt x="61155" y="987214"/>
-                </a:cubicBezTo>
-                <a:lnTo>
-                  <a:pt x="49993" y="995474"/>
-                </a:lnTo>
-                <a:lnTo>
-                  <a:pt x="49993" y="968908"/>
-                </a:lnTo>
-                <a:lnTo>
-                  <a:pt x="60262" y="962099"/>
-                </a:lnTo>
-                <a:cubicBezTo>
-                  <a:pt x="60634" y="961876"/>
-                  <a:pt x="61266" y="961430"/>
-                  <a:pt x="62159" y="960760"/>
-                </a:cubicBezTo>
-                <a:lnTo>
-                  <a:pt x="68298" y="956407"/>
-                </a:lnTo>
-                <a:lnTo>
-                  <a:pt x="79684" y="949486"/>
-                </a:lnTo>
-                <a:lnTo>
-                  <a:pt x="91850" y="942007"/>
-                </a:lnTo>
-                <a:cubicBezTo>
-                  <a:pt x="98250" y="937394"/>
-                  <a:pt x="103347" y="933171"/>
-                  <a:pt x="107143" y="929338"/>
-                </a:cubicBezTo>
-                <a:cubicBezTo>
-                  <a:pt x="110938" y="925506"/>
-                  <a:pt x="113672" y="922046"/>
-                  <a:pt x="115347" y="918958"/>
-                </a:cubicBezTo>
-                <a:cubicBezTo>
-                  <a:pt x="117021" y="915869"/>
-                  <a:pt x="117858" y="910679"/>
-                  <a:pt x="117858" y="903387"/>
-                </a:cubicBezTo>
-                <a:lnTo>
-                  <a:pt x="117858" y="897582"/>
-                </a:lnTo>
-                <a:lnTo>
-                  <a:pt x="49993" y="897582"/>
-                </a:lnTo>
-                <a:lnTo>
-                  <a:pt x="49993" y="875258"/>
-                </a:lnTo>
-                <a:close/>
-                <a:moveTo>
-                  <a:pt x="205927" y="579537"/>
-                </a:moveTo>
-                <a:lnTo>
-                  <a:pt x="205927" y="662694"/>
-                </a:lnTo>
-                <a:lnTo>
-                  <a:pt x="186059" y="662694"/>
-                </a:lnTo>
-                <a:lnTo>
-                  <a:pt x="186059" y="601861"/>
-                </a:lnTo>
-                <a:lnTo>
-                  <a:pt x="142526" y="601861"/>
-                </a:lnTo>
-                <a:lnTo>
-                  <a:pt x="142526" y="662694"/>
-                </a:lnTo>
-                <a:lnTo>
-                  <a:pt x="122658" y="662694"/>
-                </a:lnTo>
-                <a:lnTo>
-                  <a:pt x="122658" y="601861"/>
-                </a:lnTo>
-                <a:lnTo>
-                  <a:pt x="49993" y="601861"/>
-                </a:lnTo>
-                <a:lnTo>
-                  <a:pt x="49993" y="579537"/>
-                </a:lnTo>
-                <a:close/>
-                <a:moveTo>
-                  <a:pt x="205927" y="379958"/>
-                </a:moveTo>
-                <a:lnTo>
-                  <a:pt x="205927" y="419025"/>
-                </a:lnTo>
-                <a:cubicBezTo>
-                  <a:pt x="205927" y="434801"/>
-                  <a:pt x="202020" y="447321"/>
-                  <a:pt x="194207" y="456586"/>
-                </a:cubicBezTo>
-                <a:cubicBezTo>
-                  <a:pt x="186394" y="465850"/>
-                  <a:pt x="175827" y="470483"/>
-                  <a:pt x="162507" y="470483"/>
-                </a:cubicBezTo>
-                <a:cubicBezTo>
-                  <a:pt x="153428" y="470483"/>
-                  <a:pt x="145577" y="468213"/>
-                  <a:pt x="138955" y="463674"/>
-                </a:cubicBezTo>
-                <a:cubicBezTo>
-                  <a:pt x="132332" y="459135"/>
-                  <a:pt x="127383" y="452623"/>
-                  <a:pt x="124109" y="444140"/>
-                </a:cubicBezTo>
-                <a:cubicBezTo>
-                  <a:pt x="120835" y="449126"/>
-                  <a:pt x="116370" y="454000"/>
-                  <a:pt x="110714" y="458763"/>
-                </a:cubicBezTo>
-                <a:cubicBezTo>
-                  <a:pt x="105059" y="463525"/>
-                  <a:pt x="95199" y="470222"/>
-                  <a:pt x="81135" y="478854"/>
-                </a:cubicBezTo>
-                <a:cubicBezTo>
-                  <a:pt x="72280" y="484287"/>
-                  <a:pt x="65619" y="488640"/>
-                  <a:pt x="61155" y="491914"/>
-                </a:cubicBezTo>
-                <a:lnTo>
-                  <a:pt x="49993" y="500174"/>
-                </a:lnTo>
-                <a:lnTo>
-                  <a:pt x="49993" y="473608"/>
-                </a:lnTo>
-                <a:lnTo>
-                  <a:pt x="60262" y="466799"/>
-                </a:lnTo>
-                <a:cubicBezTo>
-                  <a:pt x="60634" y="466576"/>
-                  <a:pt x="61266" y="466130"/>
-                  <a:pt x="62159" y="465460"/>
-                </a:cubicBezTo>
-                <a:lnTo>
-                  <a:pt x="68298" y="461107"/>
-                </a:lnTo>
-                <a:lnTo>
-                  <a:pt x="79684" y="454186"/>
-                </a:lnTo>
-                <a:lnTo>
-                  <a:pt x="91850" y="446707"/>
-                </a:lnTo>
-                <a:cubicBezTo>
-                  <a:pt x="98250" y="442094"/>
-                  <a:pt x="103347" y="437871"/>
-                  <a:pt x="107143" y="434038"/>
-                </a:cubicBezTo>
-                <a:cubicBezTo>
-                  <a:pt x="110938" y="430206"/>
-                  <a:pt x="113672" y="426746"/>
-                  <a:pt x="115347" y="423658"/>
-                </a:cubicBezTo>
-                <a:cubicBezTo>
-                  <a:pt x="117021" y="420570"/>
-                  <a:pt x="117858" y="415379"/>
-                  <a:pt x="117858" y="408086"/>
-                </a:cubicBezTo>
-                <a:lnTo>
-                  <a:pt x="117858" y="402282"/>
-                </a:lnTo>
-                <a:lnTo>
-                  <a:pt x="49993" y="402282"/>
-                </a:lnTo>
-                <a:lnTo>
-                  <a:pt x="49993" y="379958"/>
-                </a:lnTo>
-                <a:close/>
-                <a:moveTo>
-                  <a:pt x="206150" y="99305"/>
-                </a:moveTo>
-                <a:lnTo>
-                  <a:pt x="206150" y="229567"/>
-                </a:lnTo>
-                <a:lnTo>
-                  <a:pt x="186282" y="229567"/>
-                </a:lnTo>
-                <a:lnTo>
-                  <a:pt x="186282" y="175208"/>
-                </a:lnTo>
-                <a:lnTo>
-                  <a:pt x="49993" y="175208"/>
-                </a:lnTo>
-                <a:lnTo>
-                  <a:pt x="49993" y="152772"/>
-                </a:lnTo>
-                <a:lnTo>
-                  <a:pt x="186282" y="152772"/>
-                </a:lnTo>
-                <a:lnTo>
-                  <a:pt x="186282" y="99305"/>
-                </a:lnTo>
-                <a:close/>
-                <a:moveTo>
-                  <a:pt x="206820" y="276671"/>
-                </a:moveTo>
-                <a:lnTo>
-                  <a:pt x="206820" y="292410"/>
-                </a:lnTo>
-                <a:lnTo>
-                  <a:pt x="49993" y="362173"/>
-                </a:lnTo>
-                <a:lnTo>
-                  <a:pt x="49993" y="339291"/>
-                </a:lnTo>
-                <a:lnTo>
-                  <a:pt x="96204" y="318529"/>
-                </a:lnTo>
-                <a:lnTo>
-                  <a:pt x="96204" y="252226"/>
-                </a:lnTo>
-                <a:lnTo>
-                  <a:pt x="49993" y="232581"/>
-                </a:lnTo>
-                <a:lnTo>
-                  <a:pt x="49993" y="209699"/>
-                </a:lnTo>
-                <a:close/>
-                <a:moveTo>
-                  <a:pt x="207936" y="8067353"/>
-                </a:moveTo>
-                <a:cubicBezTo>
-                  <a:pt x="207936" y="8083724"/>
-                  <a:pt x="203658" y="8101918"/>
-                  <a:pt x="195100" y="8121935"/>
-                </a:cubicBezTo>
-                <a:lnTo>
-                  <a:pt x="171101" y="8121935"/>
-                </a:lnTo>
-                <a:cubicBezTo>
-                  <a:pt x="181519" y="8103704"/>
-                  <a:pt x="186728" y="8085882"/>
-                  <a:pt x="186728" y="8068469"/>
-                </a:cubicBezTo>
-                <a:cubicBezTo>
-                  <a:pt x="186728" y="8050609"/>
-                  <a:pt x="181092" y="8035782"/>
-                  <a:pt x="169818" y="8023988"/>
-                </a:cubicBezTo>
-                <a:cubicBezTo>
-                  <a:pt x="158544" y="8012193"/>
-                  <a:pt x="144424" y="8006296"/>
-                  <a:pt x="127458" y="8006296"/>
-                </a:cubicBezTo>
-                <a:cubicBezTo>
-                  <a:pt x="110342" y="8006296"/>
-                  <a:pt x="96278" y="8012100"/>
-                  <a:pt x="85265" y="8023709"/>
-                </a:cubicBezTo>
-                <a:cubicBezTo>
-                  <a:pt x="74252" y="8035317"/>
-                  <a:pt x="68745" y="8050163"/>
-                  <a:pt x="68745" y="8068245"/>
-                </a:cubicBezTo>
-                <a:cubicBezTo>
-                  <a:pt x="68745" y="8087147"/>
-                  <a:pt x="74549" y="8105601"/>
-                  <a:pt x="86158" y="8123609"/>
-                </a:cubicBezTo>
-                <a:lnTo>
-                  <a:pt x="61601" y="8123609"/>
-                </a:lnTo>
-                <a:cubicBezTo>
-                  <a:pt x="52671" y="8107238"/>
-                  <a:pt x="48207" y="8088337"/>
-                  <a:pt x="48207" y="8066906"/>
-                </a:cubicBezTo>
-                <a:cubicBezTo>
-                  <a:pt x="48207" y="8049493"/>
-                  <a:pt x="51704" y="8034722"/>
-                  <a:pt x="58699" y="8022592"/>
-                </a:cubicBezTo>
-                <a:cubicBezTo>
-                  <a:pt x="65694" y="8010463"/>
-                  <a:pt x="75331" y="8000863"/>
-                  <a:pt x="87609" y="7993794"/>
-                </a:cubicBezTo>
-                <a:cubicBezTo>
-                  <a:pt x="99887" y="7986725"/>
-                  <a:pt x="113170" y="7983190"/>
-                  <a:pt x="127458" y="7983190"/>
-                </a:cubicBezTo>
-                <a:cubicBezTo>
-                  <a:pt x="150154" y="7983190"/>
-                  <a:pt x="169241" y="7991283"/>
-                  <a:pt x="184719" y="8007468"/>
-                </a:cubicBezTo>
-                <a:cubicBezTo>
-                  <a:pt x="200197" y="8023653"/>
-                  <a:pt x="207936" y="8043614"/>
-                  <a:pt x="207936" y="8067353"/>
-                </a:cubicBezTo>
-                <a:close/>
-                <a:moveTo>
-                  <a:pt x="207936" y="7610152"/>
-                </a:moveTo>
-                <a:cubicBezTo>
-                  <a:pt x="207936" y="7626523"/>
-                  <a:pt x="203658" y="7644718"/>
-                  <a:pt x="195100" y="7664735"/>
-                </a:cubicBezTo>
-                <a:lnTo>
-                  <a:pt x="171101" y="7664735"/>
-                </a:lnTo>
-                <a:cubicBezTo>
-                  <a:pt x="181519" y="7646503"/>
-                  <a:pt x="186728" y="7628681"/>
-                  <a:pt x="186728" y="7611268"/>
-                </a:cubicBezTo>
-                <a:cubicBezTo>
-                  <a:pt x="186728" y="7593409"/>
-                  <a:pt x="181092" y="7578582"/>
-                  <a:pt x="169818" y="7566787"/>
-                </a:cubicBezTo>
-                <a:cubicBezTo>
-                  <a:pt x="158544" y="7554993"/>
-                  <a:pt x="144424" y="7549095"/>
-                  <a:pt x="127458" y="7549095"/>
-                </a:cubicBezTo>
-                <a:cubicBezTo>
-                  <a:pt x="110342" y="7549095"/>
-                  <a:pt x="96278" y="7554900"/>
-                  <a:pt x="85265" y="7566508"/>
-                </a:cubicBezTo>
-                <a:cubicBezTo>
-                  <a:pt x="74252" y="7578117"/>
-                  <a:pt x="68745" y="7592963"/>
-                  <a:pt x="68745" y="7611045"/>
-                </a:cubicBezTo>
-                <a:cubicBezTo>
-                  <a:pt x="68745" y="7629946"/>
-                  <a:pt x="74549" y="7648401"/>
-                  <a:pt x="86158" y="7666409"/>
-                </a:cubicBezTo>
-                <a:lnTo>
-                  <a:pt x="61601" y="7666409"/>
-                </a:lnTo>
-                <a:cubicBezTo>
-                  <a:pt x="52671" y="7650038"/>
-                  <a:pt x="48207" y="7631137"/>
-                  <a:pt x="48207" y="7609706"/>
-                </a:cubicBezTo>
-                <a:cubicBezTo>
-                  <a:pt x="48207" y="7592293"/>
-                  <a:pt x="51704" y="7577522"/>
-                  <a:pt x="58699" y="7565392"/>
-                </a:cubicBezTo>
-                <a:cubicBezTo>
-                  <a:pt x="65694" y="7553263"/>
-                  <a:pt x="75331" y="7543663"/>
-                  <a:pt x="87609" y="7536594"/>
-                </a:cubicBezTo>
-                <a:cubicBezTo>
-                  <a:pt x="99887" y="7529525"/>
-                  <a:pt x="113170" y="7525990"/>
-                  <a:pt x="127458" y="7525990"/>
-                </a:cubicBezTo>
-                <a:cubicBezTo>
-                  <a:pt x="150154" y="7525990"/>
-                  <a:pt x="169241" y="7534082"/>
-                  <a:pt x="184719" y="7550267"/>
-                </a:cubicBezTo>
-                <a:cubicBezTo>
-                  <a:pt x="200197" y="7566453"/>
-                  <a:pt x="207936" y="7586414"/>
-                  <a:pt x="207936" y="7610152"/>
-                </a:cubicBezTo>
-                <a:close/>
-                <a:moveTo>
-                  <a:pt x="207936" y="7465417"/>
-                </a:moveTo>
-                <a:cubicBezTo>
-                  <a:pt x="207936" y="7478439"/>
-                  <a:pt x="204290" y="7490383"/>
-                  <a:pt x="196998" y="7501247"/>
-                </a:cubicBezTo>
-                <a:lnTo>
-                  <a:pt x="171660" y="7501247"/>
-                </a:lnTo>
-                <a:cubicBezTo>
-                  <a:pt x="182450" y="7490011"/>
-                  <a:pt x="187845" y="7477918"/>
-                  <a:pt x="187845" y="7464970"/>
-                </a:cubicBezTo>
-                <a:cubicBezTo>
-                  <a:pt x="187845" y="7457678"/>
-                  <a:pt x="186152" y="7451687"/>
-                  <a:pt x="182766" y="7446999"/>
-                </a:cubicBezTo>
-                <a:cubicBezTo>
-                  <a:pt x="179380" y="7442311"/>
-                  <a:pt x="175045" y="7439967"/>
-                  <a:pt x="169762" y="7439967"/>
-                </a:cubicBezTo>
-                <a:cubicBezTo>
-                  <a:pt x="165074" y="7439967"/>
-                  <a:pt x="160683" y="7441679"/>
-                  <a:pt x="156591" y="7445102"/>
-                </a:cubicBezTo>
-                <a:cubicBezTo>
-                  <a:pt x="152498" y="7448525"/>
-                  <a:pt x="148219" y="7454069"/>
-                  <a:pt x="143754" y="7461733"/>
-                </a:cubicBezTo>
-                <a:lnTo>
-                  <a:pt x="133708" y="7478811"/>
-                </a:lnTo>
-                <a:cubicBezTo>
-                  <a:pt x="122397" y="7497861"/>
-                  <a:pt x="107961" y="7507386"/>
-                  <a:pt x="90399" y="7507386"/>
-                </a:cubicBezTo>
-                <a:cubicBezTo>
-                  <a:pt x="77898" y="7507386"/>
-                  <a:pt x="67740" y="7503201"/>
-                  <a:pt x="59927" y="7494829"/>
-                </a:cubicBezTo>
-                <a:cubicBezTo>
-                  <a:pt x="52113" y="7486457"/>
-                  <a:pt x="48207" y="7475574"/>
-                  <a:pt x="48207" y="7462180"/>
-                </a:cubicBezTo>
-                <a:cubicBezTo>
-                  <a:pt x="48207" y="7446776"/>
-                  <a:pt x="52932" y="7432749"/>
-                  <a:pt x="62382" y="7420099"/>
-                </a:cubicBezTo>
-                <a:lnTo>
-                  <a:pt x="90734" y="7420099"/>
-                </a:lnTo>
-                <a:cubicBezTo>
-                  <a:pt x="75479" y="7432154"/>
-                  <a:pt x="67852" y="7446106"/>
-                  <a:pt x="67852" y="7461957"/>
-                </a:cubicBezTo>
-                <a:cubicBezTo>
-                  <a:pt x="67852" y="7468952"/>
-                  <a:pt x="69805" y="7474774"/>
-                  <a:pt x="73712" y="7479425"/>
-                </a:cubicBezTo>
-                <a:cubicBezTo>
-                  <a:pt x="77619" y="7484076"/>
-                  <a:pt x="82511" y="7486402"/>
-                  <a:pt x="88390" y="7486402"/>
-                </a:cubicBezTo>
-                <a:cubicBezTo>
-                  <a:pt x="97915" y="7486402"/>
-                  <a:pt x="106919" y="7479556"/>
-                  <a:pt x="115402" y="7465863"/>
-                </a:cubicBezTo>
-                <a:lnTo>
-                  <a:pt x="125672" y="7448897"/>
-                </a:lnTo>
-                <a:cubicBezTo>
-                  <a:pt x="132146" y="7438256"/>
-                  <a:pt x="138527" y="7430684"/>
-                  <a:pt x="144815" y="7426182"/>
-                </a:cubicBezTo>
-                <a:cubicBezTo>
-                  <a:pt x="151103" y="7421680"/>
-                  <a:pt x="158339" y="7419429"/>
-                  <a:pt x="166525" y="7419429"/>
-                </a:cubicBezTo>
-                <a:cubicBezTo>
-                  <a:pt x="178803" y="7419429"/>
-                  <a:pt x="188775" y="7423689"/>
-                  <a:pt x="196439" y="7432210"/>
-                </a:cubicBezTo>
-                <a:cubicBezTo>
-                  <a:pt x="204104" y="7440730"/>
-                  <a:pt x="207936" y="7451799"/>
-                  <a:pt x="207936" y="7465417"/>
-                </a:cubicBezTo>
-                <a:close/>
-                <a:moveTo>
-                  <a:pt x="207936" y="1505619"/>
-                </a:moveTo>
-                <a:cubicBezTo>
-                  <a:pt x="207936" y="1514401"/>
-                  <a:pt x="206988" y="1522735"/>
-                  <a:pt x="205090" y="1530623"/>
-                </a:cubicBezTo>
-                <a:cubicBezTo>
-                  <a:pt x="203192" y="1538511"/>
-                  <a:pt x="199714" y="1548482"/>
-                  <a:pt x="194653" y="1560537"/>
-                </a:cubicBezTo>
-                <a:lnTo>
-                  <a:pt x="171883" y="1560537"/>
-                </a:lnTo>
-                <a:cubicBezTo>
-                  <a:pt x="182673" y="1541934"/>
-                  <a:pt x="188068" y="1523479"/>
-                  <a:pt x="188068" y="1505173"/>
-                </a:cubicBezTo>
-                <a:cubicBezTo>
-                  <a:pt x="188068" y="1488132"/>
-                  <a:pt x="182264" y="1473771"/>
-                  <a:pt x="170655" y="1462087"/>
-                </a:cubicBezTo>
-                <a:cubicBezTo>
-                  <a:pt x="159046" y="1450404"/>
-                  <a:pt x="144796" y="1444563"/>
-                  <a:pt x="127904" y="1444563"/>
-                </a:cubicBezTo>
-                <a:cubicBezTo>
-                  <a:pt x="110194" y="1444563"/>
-                  <a:pt x="95720" y="1450404"/>
-                  <a:pt x="84483" y="1462087"/>
-                </a:cubicBezTo>
-                <a:cubicBezTo>
-                  <a:pt x="73247" y="1473771"/>
-                  <a:pt x="67629" y="1488802"/>
-                  <a:pt x="67629" y="1507182"/>
-                </a:cubicBezTo>
-                <a:cubicBezTo>
-                  <a:pt x="67629" y="1516112"/>
-                  <a:pt x="69675" y="1526790"/>
-                  <a:pt x="73768" y="1539218"/>
-                </a:cubicBezTo>
-                <a:lnTo>
-                  <a:pt x="74438" y="1541338"/>
-                </a:lnTo>
-                <a:lnTo>
-                  <a:pt x="106919" y="1541338"/>
-                </a:lnTo>
-                <a:lnTo>
-                  <a:pt x="106919" y="1511312"/>
-                </a:lnTo>
-                <a:lnTo>
-                  <a:pt x="126788" y="1511312"/>
-                </a:lnTo>
-                <a:lnTo>
-                  <a:pt x="126788" y="1563662"/>
-                </a:lnTo>
-                <a:lnTo>
-                  <a:pt x="60708" y="1563662"/>
-                </a:lnTo>
-                <a:cubicBezTo>
-                  <a:pt x="52374" y="1544464"/>
-                  <a:pt x="48207" y="1525414"/>
-                  <a:pt x="48207" y="1506513"/>
-                </a:cubicBezTo>
-                <a:cubicBezTo>
-                  <a:pt x="48207" y="1480691"/>
-                  <a:pt x="55741" y="1460059"/>
-                  <a:pt x="70810" y="1444619"/>
-                </a:cubicBezTo>
-                <a:cubicBezTo>
-                  <a:pt x="85879" y="1429178"/>
-                  <a:pt x="104464" y="1421457"/>
-                  <a:pt x="126565" y="1421457"/>
-                </a:cubicBezTo>
-                <a:cubicBezTo>
-                  <a:pt x="149856" y="1421457"/>
-                  <a:pt x="169241" y="1429457"/>
-                  <a:pt x="184719" y="1445455"/>
-                </a:cubicBezTo>
-                <a:cubicBezTo>
-                  <a:pt x="200197" y="1461455"/>
-                  <a:pt x="207936" y="1481509"/>
-                  <a:pt x="207936" y="1505619"/>
-                </a:cubicBezTo>
-                <a:close/>
-                <a:moveTo>
-                  <a:pt x="207936" y="45988"/>
-                </a:moveTo>
-                <a:cubicBezTo>
-                  <a:pt x="207936" y="59010"/>
-                  <a:pt x="204290" y="70954"/>
-                  <a:pt x="196998" y="81818"/>
-                </a:cubicBezTo>
-                <a:lnTo>
-                  <a:pt x="171660" y="81818"/>
-                </a:lnTo>
-                <a:cubicBezTo>
-                  <a:pt x="182450" y="70582"/>
-                  <a:pt x="187845" y="58489"/>
-                  <a:pt x="187845" y="45541"/>
-                </a:cubicBezTo>
-                <a:cubicBezTo>
-                  <a:pt x="187845" y="38249"/>
-                  <a:pt x="186152" y="32258"/>
-                  <a:pt x="182766" y="27570"/>
-                </a:cubicBezTo>
-                <a:cubicBezTo>
-                  <a:pt x="179380" y="22882"/>
-                  <a:pt x="175045" y="20538"/>
-                  <a:pt x="169762" y="20538"/>
-                </a:cubicBezTo>
-                <a:cubicBezTo>
-                  <a:pt x="165074" y="20538"/>
-                  <a:pt x="160683" y="22250"/>
-                  <a:pt x="156591" y="25673"/>
-                </a:cubicBezTo>
-                <a:cubicBezTo>
-                  <a:pt x="152498" y="29096"/>
-                  <a:pt x="148219" y="34640"/>
-                  <a:pt x="143754" y="42304"/>
-                </a:cubicBezTo>
-                <a:lnTo>
-                  <a:pt x="133708" y="59382"/>
-                </a:lnTo>
-                <a:cubicBezTo>
-                  <a:pt x="122397" y="78432"/>
-                  <a:pt x="107961" y="87957"/>
-                  <a:pt x="90399" y="87957"/>
-                </a:cubicBezTo>
-                <a:cubicBezTo>
-                  <a:pt x="77898" y="87957"/>
-                  <a:pt x="67740" y="83771"/>
-                  <a:pt x="59927" y="75400"/>
-                </a:cubicBezTo>
-                <a:cubicBezTo>
-                  <a:pt x="52113" y="67028"/>
-                  <a:pt x="48207" y="56145"/>
-                  <a:pt x="48207" y="42751"/>
-                </a:cubicBezTo>
-                <a:cubicBezTo>
-                  <a:pt x="48207" y="27347"/>
-                  <a:pt x="52932" y="13320"/>
-                  <a:pt x="62382" y="670"/>
-                </a:cubicBezTo>
-                <a:lnTo>
-                  <a:pt x="90734" y="670"/>
-                </a:lnTo>
-                <a:cubicBezTo>
-                  <a:pt x="75479" y="12725"/>
-                  <a:pt x="67852" y="26677"/>
-                  <a:pt x="67852" y="42527"/>
-                </a:cubicBezTo>
-                <a:cubicBezTo>
-                  <a:pt x="67852" y="49522"/>
-                  <a:pt x="69805" y="55345"/>
-                  <a:pt x="73712" y="59996"/>
-                </a:cubicBezTo>
-                <a:cubicBezTo>
-                  <a:pt x="77619" y="64647"/>
-                  <a:pt x="82511" y="66972"/>
-                  <a:pt x="88390" y="66972"/>
-                </a:cubicBezTo>
-                <a:cubicBezTo>
-                  <a:pt x="97915" y="66972"/>
-                  <a:pt x="106919" y="60126"/>
-                  <a:pt x="115403" y="46434"/>
-                </a:cubicBezTo>
-                <a:lnTo>
-                  <a:pt x="125672" y="29468"/>
-                </a:lnTo>
-                <a:cubicBezTo>
-                  <a:pt x="132146" y="18826"/>
-                  <a:pt x="138527" y="11255"/>
-                  <a:pt x="144815" y="6753"/>
-                </a:cubicBezTo>
-                <a:cubicBezTo>
-                  <a:pt x="151103" y="2251"/>
-                  <a:pt x="158339" y="0"/>
-                  <a:pt x="166525" y="0"/>
-                </a:cubicBezTo>
-                <a:cubicBezTo>
-                  <a:pt x="178803" y="0"/>
-                  <a:pt x="188775" y="4260"/>
-                  <a:pt x="196439" y="12780"/>
-                </a:cubicBezTo>
-                <a:cubicBezTo>
-                  <a:pt x="204104" y="21301"/>
-                  <a:pt x="207936" y="32370"/>
-                  <a:pt x="207936" y="45988"/>
-                </a:cubicBezTo>
-                <a:close/>
-                <a:moveTo>
-                  <a:pt x="208160" y="6980163"/>
-                </a:moveTo>
-                <a:cubicBezTo>
-                  <a:pt x="208160" y="7004273"/>
-                  <a:pt x="200588" y="7024309"/>
-                  <a:pt x="185445" y="7040271"/>
-                </a:cubicBezTo>
-                <a:cubicBezTo>
-                  <a:pt x="170301" y="7056233"/>
-                  <a:pt x="151270" y="7064213"/>
-                  <a:pt x="128351" y="7064213"/>
-                </a:cubicBezTo>
-                <a:cubicBezTo>
-                  <a:pt x="109077" y="7064213"/>
-                  <a:pt x="92148" y="7058186"/>
-                  <a:pt x="77563" y="7046131"/>
-                </a:cubicBezTo>
-                <a:cubicBezTo>
-                  <a:pt x="62978" y="7034076"/>
-                  <a:pt x="53788" y="7018486"/>
-                  <a:pt x="49993" y="6999362"/>
-                </a:cubicBezTo>
-                <a:lnTo>
-                  <a:pt x="47760" y="7005277"/>
-                </a:lnTo>
-                <a:cubicBezTo>
-                  <a:pt x="40691" y="7023658"/>
-                  <a:pt x="37156" y="7036903"/>
-                  <a:pt x="37156" y="7045015"/>
-                </a:cubicBezTo>
-                <a:cubicBezTo>
-                  <a:pt x="37156" y="7049479"/>
-                  <a:pt x="38161" y="7054688"/>
-                  <a:pt x="40170" y="7060642"/>
-                </a:cubicBezTo>
-                <a:lnTo>
-                  <a:pt x="18404" y="7038206"/>
-                </a:lnTo>
-                <a:cubicBezTo>
-                  <a:pt x="18776" y="7031211"/>
-                  <a:pt x="20022" y="7023900"/>
-                  <a:pt x="22143" y="7016272"/>
-                </a:cubicBezTo>
-                <a:cubicBezTo>
-                  <a:pt x="24264" y="7008645"/>
-                  <a:pt x="27185" y="7000906"/>
-                  <a:pt x="30905" y="6993055"/>
-                </a:cubicBezTo>
-                <a:cubicBezTo>
-                  <a:pt x="34626" y="6985204"/>
-                  <a:pt x="40988" y="6974731"/>
-                  <a:pt x="49993" y="6961634"/>
-                </a:cubicBezTo>
-                <a:cubicBezTo>
-                  <a:pt x="53416" y="6942658"/>
-                  <a:pt x="62420" y="6927012"/>
-                  <a:pt x="77005" y="6914697"/>
-                </a:cubicBezTo>
-                <a:cubicBezTo>
-                  <a:pt x="91590" y="6902381"/>
-                  <a:pt x="108408" y="6896224"/>
-                  <a:pt x="127458" y="6896224"/>
-                </a:cubicBezTo>
-                <a:cubicBezTo>
-                  <a:pt x="150749" y="6896224"/>
-                  <a:pt x="170022" y="6904149"/>
-                  <a:pt x="185277" y="6919999"/>
-                </a:cubicBezTo>
-                <a:cubicBezTo>
-                  <a:pt x="200532" y="6935849"/>
-                  <a:pt x="208160" y="6955904"/>
-                  <a:pt x="208160" y="6980163"/>
-                </a:cubicBezTo>
-                <a:close/>
-                <a:moveTo>
-                  <a:pt x="208160" y="760660"/>
-                </a:moveTo>
-                <a:cubicBezTo>
-                  <a:pt x="208160" y="784771"/>
-                  <a:pt x="200532" y="804844"/>
-                  <a:pt x="185277" y="820880"/>
-                </a:cubicBezTo>
-                <a:cubicBezTo>
-                  <a:pt x="170022" y="836916"/>
-                  <a:pt x="150898" y="844934"/>
-                  <a:pt x="127904" y="844934"/>
-                </a:cubicBezTo>
-                <a:cubicBezTo>
-                  <a:pt x="104910" y="844934"/>
-                  <a:pt x="85879" y="836842"/>
-                  <a:pt x="70810" y="820657"/>
-                </a:cubicBezTo>
-                <a:cubicBezTo>
-                  <a:pt x="55741" y="804472"/>
-                  <a:pt x="48207" y="784064"/>
-                  <a:pt x="48207" y="759433"/>
-                </a:cubicBezTo>
-                <a:cubicBezTo>
-                  <a:pt x="48207" y="735918"/>
-                  <a:pt x="55741" y="716328"/>
-                  <a:pt x="70810" y="700664"/>
-                </a:cubicBezTo>
-                <a:cubicBezTo>
-                  <a:pt x="85879" y="685000"/>
-                  <a:pt x="104761" y="677168"/>
-                  <a:pt x="127458" y="677168"/>
-                </a:cubicBezTo>
-                <a:cubicBezTo>
-                  <a:pt x="150749" y="677168"/>
-                  <a:pt x="170022" y="685056"/>
-                  <a:pt x="185277" y="700831"/>
-                </a:cubicBezTo>
-                <a:cubicBezTo>
-                  <a:pt x="200532" y="716607"/>
-                  <a:pt x="208160" y="736550"/>
-                  <a:pt x="208160" y="760660"/>
-                </a:cubicBezTo>
-                <a:close/>
-                <a:moveTo>
-                  <a:pt x="260246" y="6670752"/>
-                </a:moveTo>
-                <a:lnTo>
-                  <a:pt x="130123" y="6853887"/>
-                </a:lnTo>
-                <a:lnTo>
-                  <a:pt x="0" y="6670752"/>
-                </a:lnTo>
-                <a:lnTo>
-                  <a:pt x="65062" y="6670752"/>
-                </a:lnTo>
-                <a:lnTo>
-                  <a:pt x="65062" y="1616837"/>
-                </a:lnTo>
-                <a:lnTo>
-                  <a:pt x="195185" y="1616837"/>
-                </a:lnTo>
-                <a:lnTo>
-                  <a:pt x="195185" y="6670752"/>
-                </a:lnTo>
-                <a:close/>
-              </a:path>
-            </a:pathLst>
-          </a:custGeom>
-          <a:solidFill>
-            <a:schemeClr val="tx1"/>
-          </a:solidFill>
-          <a:ln>
-            <a:solidFill>
-              <a:schemeClr val="tx1"/>
-            </a:solidFill>
-          </a:ln>
-        </p:spPr>
-        <p:style>
-          <a:lnRef idx="2">
-            <a:schemeClr val="accent1">
-              <a:shade val="50000"/>
-            </a:schemeClr>
-          </a:lnRef>
-          <a:fillRef idx="1">
-            <a:schemeClr val="accent1"/>
-          </a:fillRef>
-          <a:effectRef idx="0">
-            <a:schemeClr val="accent1"/>
-          </a:effectRef>
-          <a:fontRef idx="minor">
-            <a:schemeClr val="lt1"/>
-          </a:fontRef>
-        </p:style>
-        <p:txBody>
-          <a:bodyPr rot="0" spcFirstLastPara="0" vertOverflow="overflow" horzOverflow="overflow" vert="horz" wrap="square" lIns="91440" tIns="45720" rIns="91440" bIns="45720" numCol="1" spcCol="0" rtlCol="0" fromWordArt="0" anchor="ctr" anchorCtr="0" forceAA="0" compatLnSpc="1">
-            <a:prstTxWarp prst="textNoShape">
-              <a:avLst/>
-            </a:prstTxWarp>
-            <a:noAutofit/>
-          </a:bodyPr>
-          <a:lstStyle/>
-          <a:p>
-            <a:pPr algn="ctr"/>
-            <a:endParaRPr lang="en-GB"/>
-          </a:p>
-        </p:txBody>
-      </p:sp>
-      <p:sp>
-        <p:nvSpPr>
-          <p:cNvPr id="48" name="Freeform 47"/>
-          <p:cNvSpPr/>
-          <p:nvPr/>
-        </p:nvSpPr>
-        <p:spPr>
           <a:xfrm rot="3600000">
-            <a:off x="4600794" y="1570274"/>
-            <a:ext cx="45719" cy="258649"/>
+            <a:off x="7841466" y="1360403"/>
+            <a:ext cx="94488" cy="513013"/>
           </a:xfrm>
           <a:custGeom>
             <a:avLst/>
@@ -5452,14 +5073,14 @@
       </p:sp>
       <p:sp>
         <p:nvSpPr>
-          <p:cNvPr id="49" name="Extract 48"/>
+          <p:cNvPr id="64" name="Extract 63"/>
           <p:cNvSpPr/>
           <p:nvPr/>
         </p:nvSpPr>
         <p:spPr>
           <a:xfrm rot="3779841">
-            <a:off x="4702242" y="1592844"/>
-            <a:ext cx="64343" cy="55096"/>
+            <a:off x="8074790" y="1417560"/>
+            <a:ext cx="90085" cy="82743"/>
           </a:xfrm>
           <a:prstGeom prst="flowChartExtract">
             <a:avLst/>
@@ -5503,14 +5124,14 @@
       </p:sp>
       <p:sp>
         <p:nvSpPr>
-          <p:cNvPr id="53" name="Freeform 52"/>
+          <p:cNvPr id="65" name="Freeform 64"/>
           <p:cNvSpPr/>
           <p:nvPr/>
         </p:nvSpPr>
         <p:spPr>
-          <a:xfrm rot="16200000">
-            <a:off x="4100410" y="1672399"/>
-            <a:ext cx="58166" cy="314166"/>
+          <a:xfrm rot="16576900">
+            <a:off x="7233127" y="1418068"/>
+            <a:ext cx="100471" cy="669481"/>
           </a:xfrm>
           <a:custGeom>
             <a:avLst/>
@@ -5629,65 +5250,14 @@
       </p:sp>
       <p:sp>
         <p:nvSpPr>
-          <p:cNvPr id="54" name="Extract 53"/>
+          <p:cNvPr id="67" name="Freeform 66"/>
           <p:cNvSpPr/>
           <p:nvPr/>
         </p:nvSpPr>
         <p:spPr>
-          <a:xfrm rot="3779841">
-            <a:off x="3943703" y="1801934"/>
-            <a:ext cx="64343" cy="55096"/>
-          </a:xfrm>
-          <a:prstGeom prst="flowChartExtract">
-            <a:avLst/>
-          </a:prstGeom>
-          <a:solidFill>
-            <a:srgbClr val="FF0000"/>
-          </a:solidFill>
-          <a:ln>
-            <a:noFill/>
-          </a:ln>
-        </p:spPr>
-        <p:style>
-          <a:lnRef idx="2">
-            <a:schemeClr val="accent1">
-              <a:shade val="50000"/>
-            </a:schemeClr>
-          </a:lnRef>
-          <a:fillRef idx="1">
-            <a:schemeClr val="accent1"/>
-          </a:fillRef>
-          <a:effectRef idx="0">
-            <a:schemeClr val="accent1"/>
-          </a:effectRef>
-          <a:fontRef idx="minor">
-            <a:schemeClr val="lt1"/>
-          </a:fontRef>
-        </p:style>
-        <p:txBody>
-          <a:bodyPr rot="0" spcFirstLastPara="0" vertOverflow="overflow" horzOverflow="overflow" vert="horz" wrap="square" lIns="91440" tIns="45720" rIns="91440" bIns="45720" numCol="1" spcCol="0" rtlCol="0" fromWordArt="0" anchor="ctr" anchorCtr="0" forceAA="0" compatLnSpc="1">
-            <a:prstTxWarp prst="textNoShape">
-              <a:avLst/>
-            </a:prstTxWarp>
-            <a:noAutofit/>
-          </a:bodyPr>
-          <a:lstStyle/>
-          <a:p>
-            <a:pPr algn="ctr"/>
-            <a:endParaRPr lang="en-GB"/>
-          </a:p>
-        </p:txBody>
-      </p:sp>
-      <p:sp>
-        <p:nvSpPr>
-          <p:cNvPr id="55" name="Freeform 54"/>
-          <p:cNvSpPr/>
-          <p:nvPr/>
-        </p:nvSpPr>
-        <p:spPr>
           <a:xfrm rot="18000000">
-            <a:off x="4585920" y="1815818"/>
-            <a:ext cx="49627" cy="256973"/>
+            <a:off x="7848562" y="1685759"/>
+            <a:ext cx="79402" cy="538801"/>
           </a:xfrm>
           <a:custGeom>
             <a:avLst/>
@@ -5806,14 +5376,14 @@
       </p:sp>
       <p:sp>
         <p:nvSpPr>
-          <p:cNvPr id="56" name="Extract 55"/>
+          <p:cNvPr id="68" name="Extract 67"/>
           <p:cNvSpPr/>
           <p:nvPr/>
         </p:nvSpPr>
         <p:spPr>
           <a:xfrm rot="5579841">
-            <a:off x="4703718" y="1975797"/>
-            <a:ext cx="64343" cy="55096"/>
+            <a:off x="8088432" y="2044929"/>
+            <a:ext cx="90085" cy="82744"/>
           </a:xfrm>
           <a:prstGeom prst="flowChartExtract">
             <a:avLst/>
@@ -5857,14 +5427,14 @@
       </p:sp>
       <p:sp>
         <p:nvSpPr>
-          <p:cNvPr id="57" name="Freeform 56"/>
+          <p:cNvPr id="69" name="Freeform 68"/>
           <p:cNvSpPr/>
           <p:nvPr/>
         </p:nvSpPr>
         <p:spPr>
-          <a:xfrm rot="11700000">
-            <a:off x="4284871" y="1906685"/>
-            <a:ext cx="60454" cy="206375"/>
+          <a:xfrm rot="12423650">
+            <a:off x="7492634" y="1805450"/>
+            <a:ext cx="84654" cy="435504"/>
           </a:xfrm>
           <a:custGeom>
             <a:avLst/>
@@ -5983,65 +5553,14 @@
       </p:sp>
       <p:sp>
         <p:nvSpPr>
-          <p:cNvPr id="58" name="Extract 57"/>
+          <p:cNvPr id="71" name="Freeform 70"/>
           <p:cNvSpPr/>
           <p:nvPr/>
         </p:nvSpPr>
         <p:spPr>
-          <a:xfrm rot="12779841">
-            <a:off x="4253715" y="2101539"/>
-            <a:ext cx="64343" cy="55096"/>
-          </a:xfrm>
-          <a:prstGeom prst="flowChartExtract">
-            <a:avLst/>
-          </a:prstGeom>
-          <a:solidFill>
-            <a:srgbClr val="FF0000"/>
-          </a:solidFill>
-          <a:ln>
-            <a:noFill/>
-          </a:ln>
-        </p:spPr>
-        <p:style>
-          <a:lnRef idx="2">
-            <a:schemeClr val="accent1">
-              <a:shade val="50000"/>
-            </a:schemeClr>
-          </a:lnRef>
-          <a:fillRef idx="1">
-            <a:schemeClr val="accent1"/>
-          </a:fillRef>
-          <a:effectRef idx="0">
-            <a:schemeClr val="accent1"/>
-          </a:effectRef>
-          <a:fontRef idx="minor">
-            <a:schemeClr val="lt1"/>
-          </a:fontRef>
-        </p:style>
-        <p:txBody>
-          <a:bodyPr rot="0" spcFirstLastPara="0" vertOverflow="overflow" horzOverflow="overflow" vert="horz" wrap="square" lIns="91440" tIns="45720" rIns="91440" bIns="45720" numCol="1" spcCol="0" rtlCol="0" fromWordArt="0" anchor="ctr" anchorCtr="0" forceAA="0" compatLnSpc="1">
-            <a:prstTxWarp prst="textNoShape">
-              <a:avLst/>
-            </a:prstTxWarp>
-            <a:noAutofit/>
-          </a:bodyPr>
-          <a:lstStyle/>
-          <a:p>
-            <a:pPr algn="ctr"/>
-            <a:endParaRPr lang="en-GB"/>
-          </a:p>
-        </p:txBody>
-      </p:sp>
-      <p:sp>
-        <p:nvSpPr>
-          <p:cNvPr id="59" name="Freeform 58"/>
-          <p:cNvSpPr/>
-          <p:nvPr/>
-        </p:nvSpPr>
-        <p:spPr>
           <a:xfrm rot="20700000">
-            <a:off x="4314205" y="1530820"/>
-            <a:ext cx="60454" cy="206375"/>
+            <a:off x="7535050" y="1398564"/>
+            <a:ext cx="69898" cy="370160"/>
           </a:xfrm>
           <a:custGeom>
             <a:avLst/>
@@ -6160,14 +5679,14 @@
       </p:sp>
       <p:sp>
         <p:nvSpPr>
-          <p:cNvPr id="60" name="Extract 59"/>
+          <p:cNvPr id="72" name="Extract 71"/>
           <p:cNvSpPr/>
           <p:nvPr/>
         </p:nvSpPr>
         <p:spPr>
           <a:xfrm rot="179841">
-            <a:off x="4265100" y="1497100"/>
-            <a:ext cx="64343" cy="55096"/>
+            <a:off x="7470996" y="1340992"/>
+            <a:ext cx="96632" cy="77138"/>
           </a:xfrm>
           <a:prstGeom prst="flowChartExtract">
             <a:avLst/>
@@ -6209,1080 +5728,6 @@
           </a:p>
         </p:txBody>
       </p:sp>
-      <p:sp>
-        <p:nvSpPr>
-          <p:cNvPr id="31" name="Oval 30"/>
-          <p:cNvSpPr/>
-          <p:nvPr/>
-        </p:nvSpPr>
-        <p:spPr>
-          <a:xfrm>
-            <a:off x="4275483" y="1688726"/>
-            <a:ext cx="257741" cy="264599"/>
-          </a:xfrm>
-          <a:prstGeom prst="ellipse">
-            <a:avLst/>
-          </a:prstGeom>
-          <a:solidFill>
-            <a:schemeClr val="tx1"/>
-          </a:solidFill>
-          <a:ln>
-            <a:noFill/>
-          </a:ln>
-        </p:spPr>
-        <p:style>
-          <a:lnRef idx="2">
-            <a:schemeClr val="accent1">
-              <a:shade val="50000"/>
-            </a:schemeClr>
-          </a:lnRef>
-          <a:fillRef idx="1">
-            <a:schemeClr val="accent1"/>
-          </a:fillRef>
-          <a:effectRef idx="0">
-            <a:schemeClr val="accent1"/>
-          </a:effectRef>
-          <a:fontRef idx="minor">
-            <a:schemeClr val="lt1"/>
-          </a:fontRef>
-        </p:style>
-        <p:txBody>
-          <a:bodyPr rot="0" spcFirstLastPara="0" vertOverflow="overflow" horzOverflow="overflow" vert="horz" wrap="square" lIns="91440" tIns="45720" rIns="91440" bIns="45720" numCol="1" spcCol="0" rtlCol="0" fromWordArt="0" anchor="ctr" anchorCtr="0" forceAA="0" compatLnSpc="1">
-            <a:prstTxWarp prst="textNoShape">
-              <a:avLst/>
-            </a:prstTxWarp>
-            <a:noAutofit/>
-          </a:bodyPr>
-          <a:lstStyle/>
-          <a:p>
-            <a:pPr algn="ctr"/>
-            <a:endParaRPr lang="en-GB"/>
-          </a:p>
-        </p:txBody>
-      </p:sp>
-      <p:sp>
-        <p:nvSpPr>
-          <p:cNvPr id="62" name="Oval 61"/>
-          <p:cNvSpPr/>
-          <p:nvPr/>
-        </p:nvSpPr>
-        <p:spPr>
-          <a:xfrm>
-            <a:off x="6801671" y="1295561"/>
-            <a:ext cx="1590528" cy="1046375"/>
-          </a:xfrm>
-          <a:prstGeom prst="ellipse">
-            <a:avLst/>
-          </a:prstGeom>
-          <a:solidFill>
-            <a:schemeClr val="bg1"/>
-          </a:solidFill>
-          <a:ln>
-            <a:noFill/>
-          </a:ln>
-        </p:spPr>
-        <p:style>
-          <a:lnRef idx="2">
-            <a:schemeClr val="accent1">
-              <a:shade val="50000"/>
-            </a:schemeClr>
-          </a:lnRef>
-          <a:fillRef idx="1">
-            <a:schemeClr val="accent1"/>
-          </a:fillRef>
-          <a:effectRef idx="0">
-            <a:schemeClr val="accent1"/>
-          </a:effectRef>
-          <a:fontRef idx="minor">
-            <a:schemeClr val="lt1"/>
-          </a:fontRef>
-        </p:style>
-        <p:txBody>
-          <a:bodyPr rot="0" spcFirstLastPara="0" vertOverflow="overflow" horzOverflow="overflow" vert="horz" wrap="square" lIns="91440" tIns="45720" rIns="91440" bIns="45720" numCol="1" spcCol="0" rtlCol="0" fromWordArt="0" anchor="ctr" anchorCtr="0" forceAA="0" compatLnSpc="1">
-            <a:prstTxWarp prst="textNoShape">
-              <a:avLst/>
-            </a:prstTxWarp>
-            <a:noAutofit/>
-          </a:bodyPr>
-          <a:lstStyle/>
-          <a:p>
-            <a:pPr algn="ctr"/>
-            <a:endParaRPr lang="en-GB"/>
-          </a:p>
-        </p:txBody>
-      </p:sp>
-      <p:sp>
-        <p:nvSpPr>
-          <p:cNvPr id="63" name="Freeform 62"/>
-          <p:cNvSpPr/>
-          <p:nvPr/>
-        </p:nvSpPr>
-        <p:spPr>
-          <a:xfrm rot="3600000">
-            <a:off x="7828849" y="1392330"/>
-            <a:ext cx="90811" cy="448769"/>
-          </a:xfrm>
-          <a:custGeom>
-            <a:avLst/>
-            <a:gdLst>
-              <a:gd name="connsiteX0" fmla="*/ 47751 w 60454"/>
-              <a:gd name="connsiteY0" fmla="*/ 206375 h 206375"/>
-              <a:gd name="connsiteX1" fmla="*/ 126 w 60454"/>
-              <a:gd name="connsiteY1" fmla="*/ 161925 h 206375"/>
-              <a:gd name="connsiteX2" fmla="*/ 60451 w 60454"/>
-              <a:gd name="connsiteY2" fmla="*/ 136525 h 206375"/>
-              <a:gd name="connsiteX3" fmla="*/ 3301 w 60454"/>
-              <a:gd name="connsiteY3" fmla="*/ 95250 h 206375"/>
-              <a:gd name="connsiteX4" fmla="*/ 54101 w 60454"/>
-              <a:gd name="connsiteY4" fmla="*/ 60325 h 206375"/>
-              <a:gd name="connsiteX5" fmla="*/ 3301 w 60454"/>
-              <a:gd name="connsiteY5" fmla="*/ 25400 h 206375"/>
-              <a:gd name="connsiteX6" fmla="*/ 25526 w 60454"/>
-              <a:gd name="connsiteY6" fmla="*/ 0 h 206375"/>
-            </a:gdLst>
-            <a:ahLst/>
-            <a:cxnLst>
-              <a:cxn ang="0">
-                <a:pos x="connsiteX0" y="connsiteY0"/>
-              </a:cxn>
-              <a:cxn ang="0">
-                <a:pos x="connsiteX1" y="connsiteY1"/>
-              </a:cxn>
-              <a:cxn ang="0">
-                <a:pos x="connsiteX2" y="connsiteY2"/>
-              </a:cxn>
-              <a:cxn ang="0">
-                <a:pos x="connsiteX3" y="connsiteY3"/>
-              </a:cxn>
-              <a:cxn ang="0">
-                <a:pos x="connsiteX4" y="connsiteY4"/>
-              </a:cxn>
-              <a:cxn ang="0">
-                <a:pos x="connsiteX5" y="connsiteY5"/>
-              </a:cxn>
-              <a:cxn ang="0">
-                <a:pos x="connsiteX6" y="connsiteY6"/>
-              </a:cxn>
-            </a:cxnLst>
-            <a:rect l="l" t="t" r="r" b="b"/>
-            <a:pathLst>
-              <a:path w="60454" h="206375">
-                <a:moveTo>
-                  <a:pt x="47751" y="206375"/>
-                </a:moveTo>
-                <a:cubicBezTo>
-                  <a:pt x="22880" y="189971"/>
-                  <a:pt x="-1991" y="173567"/>
-                  <a:pt x="126" y="161925"/>
-                </a:cubicBezTo>
-                <a:cubicBezTo>
-                  <a:pt x="2243" y="150283"/>
-                  <a:pt x="59922" y="147637"/>
-                  <a:pt x="60451" y="136525"/>
-                </a:cubicBezTo>
-                <a:cubicBezTo>
-                  <a:pt x="60980" y="125413"/>
-                  <a:pt x="4359" y="107950"/>
-                  <a:pt x="3301" y="95250"/>
-                </a:cubicBezTo>
-                <a:cubicBezTo>
-                  <a:pt x="2243" y="82550"/>
-                  <a:pt x="54101" y="71967"/>
-                  <a:pt x="54101" y="60325"/>
-                </a:cubicBezTo>
-                <a:cubicBezTo>
-                  <a:pt x="54101" y="48683"/>
-                  <a:pt x="8063" y="35454"/>
-                  <a:pt x="3301" y="25400"/>
-                </a:cubicBezTo>
-                <a:cubicBezTo>
-                  <a:pt x="-1462" y="15346"/>
-                  <a:pt x="25526" y="0"/>
-                  <a:pt x="25526" y="0"/>
-                </a:cubicBezTo>
-              </a:path>
-            </a:pathLst>
-          </a:custGeom>
-          <a:ln>
-            <a:solidFill>
-              <a:srgbClr val="FF0000"/>
-            </a:solidFill>
-          </a:ln>
-        </p:spPr>
-        <p:style>
-          <a:lnRef idx="3">
-            <a:schemeClr val="accent4"/>
-          </a:lnRef>
-          <a:fillRef idx="0">
-            <a:schemeClr val="accent4"/>
-          </a:fillRef>
-          <a:effectRef idx="2">
-            <a:schemeClr val="accent4"/>
-          </a:effectRef>
-          <a:fontRef idx="minor">
-            <a:schemeClr val="tx1"/>
-          </a:fontRef>
-        </p:style>
-        <p:txBody>
-          <a:bodyPr rot="0" spcFirstLastPara="0" vertOverflow="overflow" horzOverflow="overflow" vert="horz" wrap="square" lIns="91440" tIns="45720" rIns="91440" bIns="45720" numCol="1" spcCol="0" rtlCol="0" fromWordArt="0" anchor="ctr" anchorCtr="0" forceAA="0" compatLnSpc="1">
-            <a:prstTxWarp prst="textNoShape">
-              <a:avLst/>
-            </a:prstTxWarp>
-            <a:noAutofit/>
-          </a:bodyPr>
-          <a:lstStyle/>
-          <a:p>
-            <a:pPr algn="ctr"/>
-            <a:endParaRPr lang="en-GB"/>
-          </a:p>
-        </p:txBody>
-      </p:sp>
-      <p:sp>
-        <p:nvSpPr>
-          <p:cNvPr id="64" name="Extract 63"/>
-          <p:cNvSpPr/>
-          <p:nvPr/>
-        </p:nvSpPr>
-        <p:spPr>
-          <a:xfrm rot="3779841">
-            <a:off x="8033435" y="1435018"/>
-            <a:ext cx="90085" cy="82743"/>
-          </a:xfrm>
-          <a:prstGeom prst="flowChartExtract">
-            <a:avLst/>
-          </a:prstGeom>
-          <a:solidFill>
-            <a:srgbClr val="FF0000"/>
-          </a:solidFill>
-          <a:ln>
-            <a:noFill/>
-          </a:ln>
-        </p:spPr>
-        <p:style>
-          <a:lnRef idx="2">
-            <a:schemeClr val="accent1">
-              <a:shade val="50000"/>
-            </a:schemeClr>
-          </a:lnRef>
-          <a:fillRef idx="1">
-            <a:schemeClr val="accent1"/>
-          </a:fillRef>
-          <a:effectRef idx="0">
-            <a:schemeClr val="accent1"/>
-          </a:effectRef>
-          <a:fontRef idx="minor">
-            <a:schemeClr val="lt1"/>
-          </a:fontRef>
-        </p:style>
-        <p:txBody>
-          <a:bodyPr rot="0" spcFirstLastPara="0" vertOverflow="overflow" horzOverflow="overflow" vert="horz" wrap="square" lIns="91440" tIns="45720" rIns="91440" bIns="45720" numCol="1" spcCol="0" rtlCol="0" fromWordArt="0" anchor="ctr" anchorCtr="0" forceAA="0" compatLnSpc="1">
-            <a:prstTxWarp prst="textNoShape">
-              <a:avLst/>
-            </a:prstTxWarp>
-            <a:noAutofit/>
-          </a:bodyPr>
-          <a:lstStyle/>
-          <a:p>
-            <a:pPr algn="ctr"/>
-            <a:endParaRPr lang="en-GB"/>
-          </a:p>
-        </p:txBody>
-      </p:sp>
-      <p:sp>
-        <p:nvSpPr>
-          <p:cNvPr id="65" name="Freeform 64"/>
-          <p:cNvSpPr/>
-          <p:nvPr/>
-        </p:nvSpPr>
-        <p:spPr>
-          <a:xfrm rot="16200000">
-            <a:off x="7182282" y="1445019"/>
-            <a:ext cx="100471" cy="650500"/>
-          </a:xfrm>
-          <a:custGeom>
-            <a:avLst/>
-            <a:gdLst>
-              <a:gd name="connsiteX0" fmla="*/ 47751 w 60454"/>
-              <a:gd name="connsiteY0" fmla="*/ 206375 h 206375"/>
-              <a:gd name="connsiteX1" fmla="*/ 126 w 60454"/>
-              <a:gd name="connsiteY1" fmla="*/ 161925 h 206375"/>
-              <a:gd name="connsiteX2" fmla="*/ 60451 w 60454"/>
-              <a:gd name="connsiteY2" fmla="*/ 136525 h 206375"/>
-              <a:gd name="connsiteX3" fmla="*/ 3301 w 60454"/>
-              <a:gd name="connsiteY3" fmla="*/ 95250 h 206375"/>
-              <a:gd name="connsiteX4" fmla="*/ 54101 w 60454"/>
-              <a:gd name="connsiteY4" fmla="*/ 60325 h 206375"/>
-              <a:gd name="connsiteX5" fmla="*/ 3301 w 60454"/>
-              <a:gd name="connsiteY5" fmla="*/ 25400 h 206375"/>
-              <a:gd name="connsiteX6" fmla="*/ 25526 w 60454"/>
-              <a:gd name="connsiteY6" fmla="*/ 0 h 206375"/>
-            </a:gdLst>
-            <a:ahLst/>
-            <a:cxnLst>
-              <a:cxn ang="0">
-                <a:pos x="connsiteX0" y="connsiteY0"/>
-              </a:cxn>
-              <a:cxn ang="0">
-                <a:pos x="connsiteX1" y="connsiteY1"/>
-              </a:cxn>
-              <a:cxn ang="0">
-                <a:pos x="connsiteX2" y="connsiteY2"/>
-              </a:cxn>
-              <a:cxn ang="0">
-                <a:pos x="connsiteX3" y="connsiteY3"/>
-              </a:cxn>
-              <a:cxn ang="0">
-                <a:pos x="connsiteX4" y="connsiteY4"/>
-              </a:cxn>
-              <a:cxn ang="0">
-                <a:pos x="connsiteX5" y="connsiteY5"/>
-              </a:cxn>
-              <a:cxn ang="0">
-                <a:pos x="connsiteX6" y="connsiteY6"/>
-              </a:cxn>
-            </a:cxnLst>
-            <a:rect l="l" t="t" r="r" b="b"/>
-            <a:pathLst>
-              <a:path w="60454" h="206375">
-                <a:moveTo>
-                  <a:pt x="47751" y="206375"/>
-                </a:moveTo>
-                <a:cubicBezTo>
-                  <a:pt x="22880" y="189971"/>
-                  <a:pt x="-1991" y="173567"/>
-                  <a:pt x="126" y="161925"/>
-                </a:cubicBezTo>
-                <a:cubicBezTo>
-                  <a:pt x="2243" y="150283"/>
-                  <a:pt x="59922" y="147637"/>
-                  <a:pt x="60451" y="136525"/>
-                </a:cubicBezTo>
-                <a:cubicBezTo>
-                  <a:pt x="60980" y="125413"/>
-                  <a:pt x="4359" y="107950"/>
-                  <a:pt x="3301" y="95250"/>
-                </a:cubicBezTo>
-                <a:cubicBezTo>
-                  <a:pt x="2243" y="82550"/>
-                  <a:pt x="54101" y="71967"/>
-                  <a:pt x="54101" y="60325"/>
-                </a:cubicBezTo>
-                <a:cubicBezTo>
-                  <a:pt x="54101" y="48683"/>
-                  <a:pt x="8063" y="35454"/>
-                  <a:pt x="3301" y="25400"/>
-                </a:cubicBezTo>
-                <a:cubicBezTo>
-                  <a:pt x="-1462" y="15346"/>
-                  <a:pt x="25526" y="0"/>
-                  <a:pt x="25526" y="0"/>
-                </a:cubicBezTo>
-              </a:path>
-            </a:pathLst>
-          </a:custGeom>
-          <a:ln>
-            <a:solidFill>
-              <a:srgbClr val="FF0000"/>
-            </a:solidFill>
-          </a:ln>
-        </p:spPr>
-        <p:style>
-          <a:lnRef idx="3">
-            <a:schemeClr val="accent4"/>
-          </a:lnRef>
-          <a:fillRef idx="0">
-            <a:schemeClr val="accent4"/>
-          </a:fillRef>
-          <a:effectRef idx="2">
-            <a:schemeClr val="accent4"/>
-          </a:effectRef>
-          <a:fontRef idx="minor">
-            <a:schemeClr val="tx1"/>
-          </a:fontRef>
-        </p:style>
-        <p:txBody>
-          <a:bodyPr rot="0" spcFirstLastPara="0" vertOverflow="overflow" horzOverflow="overflow" vert="horz" wrap="square" lIns="91440" tIns="45720" rIns="91440" bIns="45720" numCol="1" spcCol="0" rtlCol="0" fromWordArt="0" anchor="ctr" anchorCtr="0" forceAA="0" compatLnSpc="1">
-            <a:prstTxWarp prst="textNoShape">
-              <a:avLst/>
-            </a:prstTxWarp>
-            <a:noAutofit/>
-          </a:bodyPr>
-          <a:lstStyle/>
-          <a:p>
-            <a:pPr algn="ctr"/>
-            <a:endParaRPr lang="en-GB"/>
-          </a:p>
-        </p:txBody>
-      </p:sp>
-      <p:sp>
-        <p:nvSpPr>
-          <p:cNvPr id="66" name="Extract 65"/>
-          <p:cNvSpPr/>
-          <p:nvPr/>
-        </p:nvSpPr>
-        <p:spPr>
-          <a:xfrm rot="3779841">
-            <a:off x="6862102" y="1718461"/>
-            <a:ext cx="90085" cy="82743"/>
-          </a:xfrm>
-          <a:prstGeom prst="flowChartExtract">
-            <a:avLst/>
-          </a:prstGeom>
-          <a:solidFill>
-            <a:srgbClr val="FF0000"/>
-          </a:solidFill>
-          <a:ln>
-            <a:noFill/>
-          </a:ln>
-        </p:spPr>
-        <p:style>
-          <a:lnRef idx="2">
-            <a:schemeClr val="accent1">
-              <a:shade val="50000"/>
-            </a:schemeClr>
-          </a:lnRef>
-          <a:fillRef idx="1">
-            <a:schemeClr val="accent1"/>
-          </a:fillRef>
-          <a:effectRef idx="0">
-            <a:schemeClr val="accent1"/>
-          </a:effectRef>
-          <a:fontRef idx="minor">
-            <a:schemeClr val="lt1"/>
-          </a:fontRef>
-        </p:style>
-        <p:txBody>
-          <a:bodyPr rot="0" spcFirstLastPara="0" vertOverflow="overflow" horzOverflow="overflow" vert="horz" wrap="square" lIns="91440" tIns="45720" rIns="91440" bIns="45720" numCol="1" spcCol="0" rtlCol="0" fromWordArt="0" anchor="ctr" anchorCtr="0" forceAA="0" compatLnSpc="1">
-            <a:prstTxWarp prst="textNoShape">
-              <a:avLst/>
-            </a:prstTxWarp>
-            <a:noAutofit/>
-          </a:bodyPr>
-          <a:lstStyle/>
-          <a:p>
-            <a:pPr algn="ctr"/>
-            <a:endParaRPr lang="en-GB"/>
-          </a:p>
-        </p:txBody>
-      </p:sp>
-      <p:sp>
-        <p:nvSpPr>
-          <p:cNvPr id="67" name="Freeform 66"/>
-          <p:cNvSpPr/>
-          <p:nvPr/>
-        </p:nvSpPr>
-        <p:spPr>
-          <a:xfrm rot="18000000">
-            <a:off x="7849930" y="1774858"/>
-            <a:ext cx="60469" cy="452637"/>
-          </a:xfrm>
-          <a:custGeom>
-            <a:avLst/>
-            <a:gdLst>
-              <a:gd name="connsiteX0" fmla="*/ 47751 w 60454"/>
-              <a:gd name="connsiteY0" fmla="*/ 206375 h 206375"/>
-              <a:gd name="connsiteX1" fmla="*/ 126 w 60454"/>
-              <a:gd name="connsiteY1" fmla="*/ 161925 h 206375"/>
-              <a:gd name="connsiteX2" fmla="*/ 60451 w 60454"/>
-              <a:gd name="connsiteY2" fmla="*/ 136525 h 206375"/>
-              <a:gd name="connsiteX3" fmla="*/ 3301 w 60454"/>
-              <a:gd name="connsiteY3" fmla="*/ 95250 h 206375"/>
-              <a:gd name="connsiteX4" fmla="*/ 54101 w 60454"/>
-              <a:gd name="connsiteY4" fmla="*/ 60325 h 206375"/>
-              <a:gd name="connsiteX5" fmla="*/ 3301 w 60454"/>
-              <a:gd name="connsiteY5" fmla="*/ 25400 h 206375"/>
-              <a:gd name="connsiteX6" fmla="*/ 25526 w 60454"/>
-              <a:gd name="connsiteY6" fmla="*/ 0 h 206375"/>
-            </a:gdLst>
-            <a:ahLst/>
-            <a:cxnLst>
-              <a:cxn ang="0">
-                <a:pos x="connsiteX0" y="connsiteY0"/>
-              </a:cxn>
-              <a:cxn ang="0">
-                <a:pos x="connsiteX1" y="connsiteY1"/>
-              </a:cxn>
-              <a:cxn ang="0">
-                <a:pos x="connsiteX2" y="connsiteY2"/>
-              </a:cxn>
-              <a:cxn ang="0">
-                <a:pos x="connsiteX3" y="connsiteY3"/>
-              </a:cxn>
-              <a:cxn ang="0">
-                <a:pos x="connsiteX4" y="connsiteY4"/>
-              </a:cxn>
-              <a:cxn ang="0">
-                <a:pos x="connsiteX5" y="connsiteY5"/>
-              </a:cxn>
-              <a:cxn ang="0">
-                <a:pos x="connsiteX6" y="connsiteY6"/>
-              </a:cxn>
-            </a:cxnLst>
-            <a:rect l="l" t="t" r="r" b="b"/>
-            <a:pathLst>
-              <a:path w="60454" h="206375">
-                <a:moveTo>
-                  <a:pt x="47751" y="206375"/>
-                </a:moveTo>
-                <a:cubicBezTo>
-                  <a:pt x="22880" y="189971"/>
-                  <a:pt x="-1991" y="173567"/>
-                  <a:pt x="126" y="161925"/>
-                </a:cubicBezTo>
-                <a:cubicBezTo>
-                  <a:pt x="2243" y="150283"/>
-                  <a:pt x="59922" y="147637"/>
-                  <a:pt x="60451" y="136525"/>
-                </a:cubicBezTo>
-                <a:cubicBezTo>
-                  <a:pt x="60980" y="125413"/>
-                  <a:pt x="4359" y="107950"/>
-                  <a:pt x="3301" y="95250"/>
-                </a:cubicBezTo>
-                <a:cubicBezTo>
-                  <a:pt x="2243" y="82550"/>
-                  <a:pt x="54101" y="71967"/>
-                  <a:pt x="54101" y="60325"/>
-                </a:cubicBezTo>
-                <a:cubicBezTo>
-                  <a:pt x="54101" y="48683"/>
-                  <a:pt x="8063" y="35454"/>
-                  <a:pt x="3301" y="25400"/>
-                </a:cubicBezTo>
-                <a:cubicBezTo>
-                  <a:pt x="-1462" y="15346"/>
-                  <a:pt x="25526" y="0"/>
-                  <a:pt x="25526" y="0"/>
-                </a:cubicBezTo>
-              </a:path>
-            </a:pathLst>
-          </a:custGeom>
-          <a:ln>
-            <a:solidFill>
-              <a:srgbClr val="FF0000"/>
-            </a:solidFill>
-          </a:ln>
-        </p:spPr>
-        <p:style>
-          <a:lnRef idx="3">
-            <a:schemeClr val="accent4"/>
-          </a:lnRef>
-          <a:fillRef idx="0">
-            <a:schemeClr val="accent4"/>
-          </a:fillRef>
-          <a:effectRef idx="2">
-            <a:schemeClr val="accent4"/>
-          </a:effectRef>
-          <a:fontRef idx="minor">
-            <a:schemeClr val="tx1"/>
-          </a:fontRef>
-        </p:style>
-        <p:txBody>
-          <a:bodyPr rot="0" spcFirstLastPara="0" vertOverflow="overflow" horzOverflow="overflow" vert="horz" wrap="square" lIns="91440" tIns="45720" rIns="91440" bIns="45720" numCol="1" spcCol="0" rtlCol="0" fromWordArt="0" anchor="ctr" anchorCtr="0" forceAA="0" compatLnSpc="1">
-            <a:prstTxWarp prst="textNoShape">
-              <a:avLst/>
-            </a:prstTxWarp>
-            <a:noAutofit/>
-          </a:bodyPr>
-          <a:lstStyle/>
-          <a:p>
-            <a:pPr algn="ctr"/>
-            <a:endParaRPr lang="en-GB"/>
-          </a:p>
-        </p:txBody>
-      </p:sp>
-      <p:sp>
-        <p:nvSpPr>
-          <p:cNvPr id="68" name="Extract 67"/>
-          <p:cNvSpPr/>
-          <p:nvPr/>
-        </p:nvSpPr>
-        <p:spPr>
-          <a:xfrm rot="5579841">
-            <a:off x="8047077" y="2062389"/>
-            <a:ext cx="90085" cy="82744"/>
-          </a:xfrm>
-          <a:prstGeom prst="flowChartExtract">
-            <a:avLst/>
-          </a:prstGeom>
-          <a:solidFill>
-            <a:srgbClr val="FF0000"/>
-          </a:solidFill>
-          <a:ln>
-            <a:noFill/>
-          </a:ln>
-        </p:spPr>
-        <p:style>
-          <a:lnRef idx="2">
-            <a:schemeClr val="accent1">
-              <a:shade val="50000"/>
-            </a:schemeClr>
-          </a:lnRef>
-          <a:fillRef idx="1">
-            <a:schemeClr val="accent1"/>
-          </a:fillRef>
-          <a:effectRef idx="0">
-            <a:schemeClr val="accent1"/>
-          </a:effectRef>
-          <a:fontRef idx="minor">
-            <a:schemeClr val="lt1"/>
-          </a:fontRef>
-        </p:style>
-        <p:txBody>
-          <a:bodyPr rot="0" spcFirstLastPara="0" vertOverflow="overflow" horzOverflow="overflow" vert="horz" wrap="square" lIns="91440" tIns="45720" rIns="91440" bIns="45720" numCol="1" spcCol="0" rtlCol="0" fromWordArt="0" anchor="ctr" anchorCtr="0" forceAA="0" compatLnSpc="1">
-            <a:prstTxWarp prst="textNoShape">
-              <a:avLst/>
-            </a:prstTxWarp>
-            <a:noAutofit/>
-          </a:bodyPr>
-          <a:lstStyle/>
-          <a:p>
-            <a:pPr algn="ctr"/>
-            <a:endParaRPr lang="en-GB"/>
-          </a:p>
-        </p:txBody>
-      </p:sp>
-      <p:sp>
-        <p:nvSpPr>
-          <p:cNvPr id="69" name="Freeform 68"/>
-          <p:cNvSpPr/>
-          <p:nvPr/>
-        </p:nvSpPr>
-        <p:spPr>
-          <a:xfrm rot="12423650">
-            <a:off x="7428766" y="1890973"/>
-            <a:ext cx="90790" cy="362021"/>
-          </a:xfrm>
-          <a:custGeom>
-            <a:avLst/>
-            <a:gdLst>
-              <a:gd name="connsiteX0" fmla="*/ 47751 w 60454"/>
-              <a:gd name="connsiteY0" fmla="*/ 206375 h 206375"/>
-              <a:gd name="connsiteX1" fmla="*/ 126 w 60454"/>
-              <a:gd name="connsiteY1" fmla="*/ 161925 h 206375"/>
-              <a:gd name="connsiteX2" fmla="*/ 60451 w 60454"/>
-              <a:gd name="connsiteY2" fmla="*/ 136525 h 206375"/>
-              <a:gd name="connsiteX3" fmla="*/ 3301 w 60454"/>
-              <a:gd name="connsiteY3" fmla="*/ 95250 h 206375"/>
-              <a:gd name="connsiteX4" fmla="*/ 54101 w 60454"/>
-              <a:gd name="connsiteY4" fmla="*/ 60325 h 206375"/>
-              <a:gd name="connsiteX5" fmla="*/ 3301 w 60454"/>
-              <a:gd name="connsiteY5" fmla="*/ 25400 h 206375"/>
-              <a:gd name="connsiteX6" fmla="*/ 25526 w 60454"/>
-              <a:gd name="connsiteY6" fmla="*/ 0 h 206375"/>
-            </a:gdLst>
-            <a:ahLst/>
-            <a:cxnLst>
-              <a:cxn ang="0">
-                <a:pos x="connsiteX0" y="connsiteY0"/>
-              </a:cxn>
-              <a:cxn ang="0">
-                <a:pos x="connsiteX1" y="connsiteY1"/>
-              </a:cxn>
-              <a:cxn ang="0">
-                <a:pos x="connsiteX2" y="connsiteY2"/>
-              </a:cxn>
-              <a:cxn ang="0">
-                <a:pos x="connsiteX3" y="connsiteY3"/>
-              </a:cxn>
-              <a:cxn ang="0">
-                <a:pos x="connsiteX4" y="connsiteY4"/>
-              </a:cxn>
-              <a:cxn ang="0">
-                <a:pos x="connsiteX5" y="connsiteY5"/>
-              </a:cxn>
-              <a:cxn ang="0">
-                <a:pos x="connsiteX6" y="connsiteY6"/>
-              </a:cxn>
-            </a:cxnLst>
-            <a:rect l="l" t="t" r="r" b="b"/>
-            <a:pathLst>
-              <a:path w="60454" h="206375">
-                <a:moveTo>
-                  <a:pt x="47751" y="206375"/>
-                </a:moveTo>
-                <a:cubicBezTo>
-                  <a:pt x="22880" y="189971"/>
-                  <a:pt x="-1991" y="173567"/>
-                  <a:pt x="126" y="161925"/>
-                </a:cubicBezTo>
-                <a:cubicBezTo>
-                  <a:pt x="2243" y="150283"/>
-                  <a:pt x="59922" y="147637"/>
-                  <a:pt x="60451" y="136525"/>
-                </a:cubicBezTo>
-                <a:cubicBezTo>
-                  <a:pt x="60980" y="125413"/>
-                  <a:pt x="4359" y="107950"/>
-                  <a:pt x="3301" y="95250"/>
-                </a:cubicBezTo>
-                <a:cubicBezTo>
-                  <a:pt x="2243" y="82550"/>
-                  <a:pt x="54101" y="71967"/>
-                  <a:pt x="54101" y="60325"/>
-                </a:cubicBezTo>
-                <a:cubicBezTo>
-                  <a:pt x="54101" y="48683"/>
-                  <a:pt x="8063" y="35454"/>
-                  <a:pt x="3301" y="25400"/>
-                </a:cubicBezTo>
-                <a:cubicBezTo>
-                  <a:pt x="-1462" y="15346"/>
-                  <a:pt x="25526" y="0"/>
-                  <a:pt x="25526" y="0"/>
-                </a:cubicBezTo>
-              </a:path>
-            </a:pathLst>
-          </a:custGeom>
-          <a:ln>
-            <a:solidFill>
-              <a:srgbClr val="FF0000"/>
-            </a:solidFill>
-          </a:ln>
-        </p:spPr>
-        <p:style>
-          <a:lnRef idx="3">
-            <a:schemeClr val="accent4"/>
-          </a:lnRef>
-          <a:fillRef idx="0">
-            <a:schemeClr val="accent4"/>
-          </a:fillRef>
-          <a:effectRef idx="2">
-            <a:schemeClr val="accent4"/>
-          </a:effectRef>
-          <a:fontRef idx="minor">
-            <a:schemeClr val="tx1"/>
-          </a:fontRef>
-        </p:style>
-        <p:txBody>
-          <a:bodyPr rot="0" spcFirstLastPara="0" vertOverflow="overflow" horzOverflow="overflow" vert="horz" wrap="square" lIns="91440" tIns="45720" rIns="91440" bIns="45720" numCol="1" spcCol="0" rtlCol="0" fromWordArt="0" anchor="ctr" anchorCtr="0" forceAA="0" compatLnSpc="1">
-            <a:prstTxWarp prst="textNoShape">
-              <a:avLst/>
-            </a:prstTxWarp>
-            <a:noAutofit/>
-          </a:bodyPr>
-          <a:lstStyle/>
-          <a:p>
-            <a:pPr algn="ctr"/>
-            <a:endParaRPr lang="en-GB"/>
-          </a:p>
-        </p:txBody>
-      </p:sp>
-      <p:sp>
-        <p:nvSpPr>
-          <p:cNvPr id="70" name="Extract 69"/>
-          <p:cNvSpPr/>
-          <p:nvPr/>
-        </p:nvSpPr>
-        <p:spPr>
-          <a:xfrm rot="12779841">
-            <a:off x="7337142" y="2220852"/>
-            <a:ext cx="96632" cy="77138"/>
-          </a:xfrm>
-          <a:prstGeom prst="flowChartExtract">
-            <a:avLst/>
-          </a:prstGeom>
-          <a:solidFill>
-            <a:srgbClr val="FF0000"/>
-          </a:solidFill>
-          <a:ln>
-            <a:noFill/>
-          </a:ln>
-        </p:spPr>
-        <p:style>
-          <a:lnRef idx="2">
-            <a:schemeClr val="accent1">
-              <a:shade val="50000"/>
-            </a:schemeClr>
-          </a:lnRef>
-          <a:fillRef idx="1">
-            <a:schemeClr val="accent1"/>
-          </a:fillRef>
-          <a:effectRef idx="0">
-            <a:schemeClr val="accent1"/>
-          </a:effectRef>
-          <a:fontRef idx="minor">
-            <a:schemeClr val="lt1"/>
-          </a:fontRef>
-        </p:style>
-        <p:txBody>
-          <a:bodyPr rot="0" spcFirstLastPara="0" vertOverflow="overflow" horzOverflow="overflow" vert="horz" wrap="square" lIns="91440" tIns="45720" rIns="91440" bIns="45720" numCol="1" spcCol="0" rtlCol="0" fromWordArt="0" anchor="ctr" anchorCtr="0" forceAA="0" compatLnSpc="1">
-            <a:prstTxWarp prst="textNoShape">
-              <a:avLst/>
-            </a:prstTxWarp>
-            <a:noAutofit/>
-          </a:bodyPr>
-          <a:lstStyle/>
-          <a:p>
-            <a:pPr algn="ctr"/>
-            <a:endParaRPr lang="en-GB"/>
-          </a:p>
-        </p:txBody>
-      </p:sp>
-      <p:sp>
-        <p:nvSpPr>
-          <p:cNvPr id="71" name="Freeform 70"/>
-          <p:cNvSpPr/>
-          <p:nvPr/>
-        </p:nvSpPr>
-        <p:spPr>
-          <a:xfrm rot="20700000">
-            <a:off x="7482831" y="1414704"/>
-            <a:ext cx="90790" cy="288940"/>
-          </a:xfrm>
-          <a:custGeom>
-            <a:avLst/>
-            <a:gdLst>
-              <a:gd name="connsiteX0" fmla="*/ 47751 w 60454"/>
-              <a:gd name="connsiteY0" fmla="*/ 206375 h 206375"/>
-              <a:gd name="connsiteX1" fmla="*/ 126 w 60454"/>
-              <a:gd name="connsiteY1" fmla="*/ 161925 h 206375"/>
-              <a:gd name="connsiteX2" fmla="*/ 60451 w 60454"/>
-              <a:gd name="connsiteY2" fmla="*/ 136525 h 206375"/>
-              <a:gd name="connsiteX3" fmla="*/ 3301 w 60454"/>
-              <a:gd name="connsiteY3" fmla="*/ 95250 h 206375"/>
-              <a:gd name="connsiteX4" fmla="*/ 54101 w 60454"/>
-              <a:gd name="connsiteY4" fmla="*/ 60325 h 206375"/>
-              <a:gd name="connsiteX5" fmla="*/ 3301 w 60454"/>
-              <a:gd name="connsiteY5" fmla="*/ 25400 h 206375"/>
-              <a:gd name="connsiteX6" fmla="*/ 25526 w 60454"/>
-              <a:gd name="connsiteY6" fmla="*/ 0 h 206375"/>
-            </a:gdLst>
-            <a:ahLst/>
-            <a:cxnLst>
-              <a:cxn ang="0">
-                <a:pos x="connsiteX0" y="connsiteY0"/>
-              </a:cxn>
-              <a:cxn ang="0">
-                <a:pos x="connsiteX1" y="connsiteY1"/>
-              </a:cxn>
-              <a:cxn ang="0">
-                <a:pos x="connsiteX2" y="connsiteY2"/>
-              </a:cxn>
-              <a:cxn ang="0">
-                <a:pos x="connsiteX3" y="connsiteY3"/>
-              </a:cxn>
-              <a:cxn ang="0">
-                <a:pos x="connsiteX4" y="connsiteY4"/>
-              </a:cxn>
-              <a:cxn ang="0">
-                <a:pos x="connsiteX5" y="connsiteY5"/>
-              </a:cxn>
-              <a:cxn ang="0">
-                <a:pos x="connsiteX6" y="connsiteY6"/>
-              </a:cxn>
-            </a:cxnLst>
-            <a:rect l="l" t="t" r="r" b="b"/>
-            <a:pathLst>
-              <a:path w="60454" h="206375">
-                <a:moveTo>
-                  <a:pt x="47751" y="206375"/>
-                </a:moveTo>
-                <a:cubicBezTo>
-                  <a:pt x="22880" y="189971"/>
-                  <a:pt x="-1991" y="173567"/>
-                  <a:pt x="126" y="161925"/>
-                </a:cubicBezTo>
-                <a:cubicBezTo>
-                  <a:pt x="2243" y="150283"/>
-                  <a:pt x="59922" y="147637"/>
-                  <a:pt x="60451" y="136525"/>
-                </a:cubicBezTo>
-                <a:cubicBezTo>
-                  <a:pt x="60980" y="125413"/>
-                  <a:pt x="4359" y="107950"/>
-                  <a:pt x="3301" y="95250"/>
-                </a:cubicBezTo>
-                <a:cubicBezTo>
-                  <a:pt x="2243" y="82550"/>
-                  <a:pt x="54101" y="71967"/>
-                  <a:pt x="54101" y="60325"/>
-                </a:cubicBezTo>
-                <a:cubicBezTo>
-                  <a:pt x="54101" y="48683"/>
-                  <a:pt x="8063" y="35454"/>
-                  <a:pt x="3301" y="25400"/>
-                </a:cubicBezTo>
-                <a:cubicBezTo>
-                  <a:pt x="-1462" y="15346"/>
-                  <a:pt x="25526" y="0"/>
-                  <a:pt x="25526" y="0"/>
-                </a:cubicBezTo>
-              </a:path>
-            </a:pathLst>
-          </a:custGeom>
-          <a:ln>
-            <a:solidFill>
-              <a:srgbClr val="FF0000"/>
-            </a:solidFill>
-          </a:ln>
-        </p:spPr>
-        <p:style>
-          <a:lnRef idx="3">
-            <a:schemeClr val="accent4"/>
-          </a:lnRef>
-          <a:fillRef idx="0">
-            <a:schemeClr val="accent4"/>
-          </a:fillRef>
-          <a:effectRef idx="2">
-            <a:schemeClr val="accent4"/>
-          </a:effectRef>
-          <a:fontRef idx="minor">
-            <a:schemeClr val="tx1"/>
-          </a:fontRef>
-        </p:style>
-        <p:txBody>
-          <a:bodyPr rot="0" spcFirstLastPara="0" vertOverflow="overflow" horzOverflow="overflow" vert="horz" wrap="square" lIns="91440" tIns="45720" rIns="91440" bIns="45720" numCol="1" spcCol="0" rtlCol="0" fromWordArt="0" anchor="ctr" anchorCtr="0" forceAA="0" compatLnSpc="1">
-            <a:prstTxWarp prst="textNoShape">
-              <a:avLst/>
-            </a:prstTxWarp>
-            <a:noAutofit/>
-          </a:bodyPr>
-          <a:lstStyle/>
-          <a:p>
-            <a:pPr algn="ctr"/>
-            <a:endParaRPr lang="en-GB"/>
-          </a:p>
-        </p:txBody>
-      </p:sp>
-      <p:sp>
-        <p:nvSpPr>
-          <p:cNvPr id="72" name="Extract 71"/>
-          <p:cNvSpPr/>
-          <p:nvPr/>
-        </p:nvSpPr>
-        <p:spPr>
-          <a:xfrm rot="179841">
-            <a:off x="7429643" y="1358452"/>
-            <a:ext cx="96632" cy="77138"/>
-          </a:xfrm>
-          <a:prstGeom prst="flowChartExtract">
-            <a:avLst/>
-          </a:prstGeom>
-          <a:solidFill>
-            <a:srgbClr val="FF0000"/>
-          </a:solidFill>
-          <a:ln>
-            <a:noFill/>
-          </a:ln>
-        </p:spPr>
-        <p:style>
-          <a:lnRef idx="2">
-            <a:schemeClr val="accent1">
-              <a:shade val="50000"/>
-            </a:schemeClr>
-          </a:lnRef>
-          <a:fillRef idx="1">
-            <a:schemeClr val="accent1"/>
-          </a:fillRef>
-          <a:effectRef idx="0">
-            <a:schemeClr val="accent1"/>
-          </a:effectRef>
-          <a:fontRef idx="minor">
-            <a:schemeClr val="lt1"/>
-          </a:fontRef>
-        </p:style>
-        <p:txBody>
-          <a:bodyPr rot="0" spcFirstLastPara="0" vertOverflow="overflow" horzOverflow="overflow" vert="horz" wrap="square" lIns="91440" tIns="45720" rIns="91440" bIns="45720" numCol="1" spcCol="0" rtlCol="0" fromWordArt="0" anchor="ctr" anchorCtr="0" forceAA="0" compatLnSpc="1">
-            <a:prstTxWarp prst="textNoShape">
-              <a:avLst/>
-            </a:prstTxWarp>
-            <a:noAutofit/>
-          </a:bodyPr>
-          <a:lstStyle/>
-          <a:p>
-            <a:pPr algn="ctr"/>
-            <a:endParaRPr lang="en-GB"/>
-          </a:p>
-        </p:txBody>
-      </p:sp>
-      <p:sp>
-        <p:nvSpPr>
-          <p:cNvPr id="74" name="Oval 73"/>
-          <p:cNvSpPr/>
-          <p:nvPr/>
-        </p:nvSpPr>
-        <p:spPr>
-          <a:xfrm>
-            <a:off x="7466882" y="1680712"/>
-            <a:ext cx="257741" cy="264599"/>
-          </a:xfrm>
-          <a:prstGeom prst="ellipse">
-            <a:avLst/>
-          </a:prstGeom>
-          <a:solidFill>
-            <a:schemeClr val="tx1"/>
-          </a:solidFill>
-          <a:ln>
-            <a:noFill/>
-          </a:ln>
-        </p:spPr>
-        <p:style>
-          <a:lnRef idx="2">
-            <a:schemeClr val="accent1">
-              <a:shade val="50000"/>
-            </a:schemeClr>
-          </a:lnRef>
-          <a:fillRef idx="1">
-            <a:schemeClr val="accent1"/>
-          </a:fillRef>
-          <a:effectRef idx="0">
-            <a:schemeClr val="accent1"/>
-          </a:effectRef>
-          <a:fontRef idx="minor">
-            <a:schemeClr val="lt1"/>
-          </a:fontRef>
-        </p:style>
-        <p:txBody>
-          <a:bodyPr rot="0" spcFirstLastPara="0" vertOverflow="overflow" horzOverflow="overflow" vert="horz" wrap="square" lIns="91440" tIns="45720" rIns="91440" bIns="45720" numCol="1" spcCol="0" rtlCol="0" fromWordArt="0" anchor="ctr" anchorCtr="0" forceAA="0" compatLnSpc="1">
-            <a:prstTxWarp prst="textNoShape">
-              <a:avLst/>
-            </a:prstTxWarp>
-            <a:noAutofit/>
-          </a:bodyPr>
-          <a:lstStyle/>
-          <a:p>
-            <a:pPr algn="ctr"/>
-            <a:endParaRPr lang="en-GB"/>
-          </a:p>
-        </p:txBody>
-      </p:sp>
-      <p:cxnSp>
-        <p:nvCxnSpPr>
-          <p:cNvPr id="88" name="Straight Connector 87"/>
-          <p:cNvCxnSpPr/>
-          <p:nvPr/>
-        </p:nvCxnSpPr>
-        <p:spPr>
-          <a:xfrm flipH="1">
-            <a:off x="744963" y="2759719"/>
-            <a:ext cx="109456" cy="686546"/>
-          </a:xfrm>
-          <a:prstGeom prst="line">
-            <a:avLst/>
-          </a:prstGeom>
-          <a:ln w="31750">
-            <a:solidFill>
-              <a:srgbClr val="7030A0"/>
-            </a:solidFill>
-            <a:prstDash val="dash"/>
-          </a:ln>
-        </p:spPr>
-        <p:style>
-          <a:lnRef idx="3">
-            <a:schemeClr val="accent6"/>
-          </a:lnRef>
-          <a:fillRef idx="0">
-            <a:schemeClr val="accent6"/>
-          </a:fillRef>
-          <a:effectRef idx="2">
-            <a:schemeClr val="accent6"/>
-          </a:effectRef>
-          <a:fontRef idx="minor">
-            <a:schemeClr val="tx1"/>
-          </a:fontRef>
-        </p:style>
-      </p:cxnSp>
       <p:pic>
         <p:nvPicPr>
           <p:cNvPr id="89" name="Picture 88"/>
@@ -7317,7 +5762,7 @@
         </p:blipFill>
         <p:spPr>
           <a:xfrm rot="10800000">
-            <a:off x="1206751" y="2659292"/>
+            <a:off x="1238826" y="2640675"/>
             <a:ext cx="812744" cy="809815"/>
           </a:xfrm>
           <a:prstGeom prst="rect">
@@ -7332,15 +5777,559 @@
           </a:effectLst>
         </p:spPr>
       </p:pic>
+      <p:sp>
+        <p:nvSpPr>
+          <p:cNvPr id="99" name="TextBox 98"/>
+          <p:cNvSpPr txBox="1"/>
+          <p:nvPr/>
+        </p:nvSpPr>
+        <p:spPr>
+          <a:xfrm>
+            <a:off x="4397876" y="615108"/>
+            <a:ext cx="1812201" cy="307777"/>
+          </a:xfrm>
+          <a:prstGeom prst="rect">
+            <a:avLst/>
+          </a:prstGeom>
+          <a:noFill/>
+        </p:spPr>
+        <p:txBody>
+          <a:bodyPr wrap="square" rtlCol="0">
+            <a:spAutoFit/>
+          </a:bodyPr>
+          <a:lstStyle/>
+          <a:p>
+            <a:r>
+              <a:rPr lang="en-GB" sz="1400" dirty="0">
+                <a:latin typeface="Gill Sans" charset="0"/>
+                <a:ea typeface="Gill Sans" charset="0"/>
+                <a:cs typeface="Gill Sans" charset="0"/>
+              </a:rPr>
+              <a:t>COLD GAS </a:t>
+            </a:r>
+            <a:r>
+              <a:rPr lang="en-GB" sz="1400" dirty="0">
+                <a:latin typeface="Gill Sans" charset="0"/>
+                <a:ea typeface="Gill Sans" charset="0"/>
+                <a:cs typeface="Gill Sans" charset="0"/>
+              </a:rPr>
+              <a:t>INFLOW</a:t>
+            </a:r>
+            <a:endParaRPr lang="en-GB" sz="1400" dirty="0">
+              <a:latin typeface="Gill Sans" charset="0"/>
+              <a:ea typeface="Gill Sans" charset="0"/>
+              <a:cs typeface="Gill Sans" charset="0"/>
+            </a:endParaRPr>
+          </a:p>
+        </p:txBody>
+      </p:sp>
+      <p:sp>
+        <p:nvSpPr>
+          <p:cNvPr id="101" name="Rectangle 100"/>
+          <p:cNvSpPr/>
+          <p:nvPr/>
+        </p:nvSpPr>
+        <p:spPr>
+          <a:xfrm>
+            <a:off x="715382" y="2435555"/>
+            <a:ext cx="1257362" cy="369332"/>
+          </a:xfrm>
+          <a:prstGeom prst="rect">
+            <a:avLst/>
+          </a:prstGeom>
+        </p:spPr>
+        <p:txBody>
+          <a:bodyPr wrap="square">
+            <a:spAutoFit/>
+          </a:bodyPr>
+          <a:lstStyle/>
+          <a:p>
+            <a:r>
+              <a:rPr lang="el-GR" dirty="0">
+                <a:solidFill>
+                  <a:srgbClr val="222222"/>
+                </a:solidFill>
+                <a:latin typeface="Gill Sans" charset="0"/>
+                <a:ea typeface="Gill Sans" charset="0"/>
+                <a:cs typeface="Gill Sans" charset="0"/>
+              </a:rPr>
+              <a:t>Δ</a:t>
+            </a:r>
+            <a:r>
+              <a:rPr lang="en-GB" dirty="0">
+                <a:solidFill>
+                  <a:srgbClr val="222222"/>
+                </a:solidFill>
+                <a:latin typeface="Gill Sans" charset="0"/>
+                <a:ea typeface="Gill Sans" charset="0"/>
+                <a:cs typeface="Gill Sans" charset="0"/>
+              </a:rPr>
+              <a:t>PA &lt; 30</a:t>
+            </a:r>
+            <a:r>
+              <a:rPr lang="en-GB" baseline="30000" dirty="0">
+                <a:solidFill>
+                  <a:srgbClr val="222222"/>
+                </a:solidFill>
+                <a:latin typeface="Gill Sans" charset="0"/>
+                <a:ea typeface="Gill Sans" charset="0"/>
+                <a:cs typeface="Gill Sans" charset="0"/>
+              </a:rPr>
+              <a:t>○</a:t>
+            </a:r>
+            <a:endParaRPr lang="en-GB" baseline="30000" dirty="0">
+              <a:latin typeface="Gill Sans" charset="0"/>
+              <a:ea typeface="Gill Sans" charset="0"/>
+              <a:cs typeface="Gill Sans" charset="0"/>
+            </a:endParaRPr>
+          </a:p>
+        </p:txBody>
+      </p:sp>
+      <p:sp>
+        <p:nvSpPr>
+          <p:cNvPr id="110" name="Rectangle 109"/>
+          <p:cNvSpPr/>
+          <p:nvPr/>
+        </p:nvSpPr>
+        <p:spPr>
+          <a:xfrm rot="1007135">
+            <a:off x="8459488" y="2121964"/>
+            <a:ext cx="1257362" cy="369332"/>
+          </a:xfrm>
+          <a:prstGeom prst="rect">
+            <a:avLst/>
+          </a:prstGeom>
+        </p:spPr>
+        <p:txBody>
+          <a:bodyPr wrap="square">
+            <a:spAutoFit/>
+          </a:bodyPr>
+          <a:lstStyle/>
+          <a:p>
+            <a:r>
+              <a:rPr lang="el-GR" dirty="0">
+                <a:solidFill>
+                  <a:srgbClr val="222222"/>
+                </a:solidFill>
+                <a:latin typeface="Gill Sans" charset="0"/>
+                <a:ea typeface="Gill Sans" charset="0"/>
+                <a:cs typeface="Gill Sans" charset="0"/>
+              </a:rPr>
+              <a:t>Δ</a:t>
+            </a:r>
+            <a:r>
+              <a:rPr lang="en-GB" dirty="0">
+                <a:solidFill>
+                  <a:srgbClr val="222222"/>
+                </a:solidFill>
+                <a:latin typeface="Gill Sans" charset="0"/>
+                <a:ea typeface="Gill Sans" charset="0"/>
+                <a:cs typeface="Gill Sans" charset="0"/>
+              </a:rPr>
+              <a:t>PA </a:t>
+            </a:r>
+            <a:r>
+              <a:rPr lang="en-GB" dirty="0"/>
+              <a:t>≥</a:t>
+            </a:r>
+            <a:r>
+              <a:rPr lang="en-GB" dirty="0">
+                <a:solidFill>
+                  <a:srgbClr val="222222"/>
+                </a:solidFill>
+                <a:latin typeface="Gill Sans" charset="0"/>
+                <a:ea typeface="Gill Sans" charset="0"/>
+                <a:cs typeface="Gill Sans" charset="0"/>
+              </a:rPr>
+              <a:t> 30</a:t>
+            </a:r>
+            <a:r>
+              <a:rPr lang="en-GB" baseline="30000" dirty="0">
+                <a:solidFill>
+                  <a:srgbClr val="222222"/>
+                </a:solidFill>
+                <a:latin typeface="Gill Sans" charset="0"/>
+                <a:ea typeface="Gill Sans" charset="0"/>
+                <a:cs typeface="Gill Sans" charset="0"/>
+              </a:rPr>
+              <a:t>○</a:t>
+            </a:r>
+            <a:endParaRPr lang="en-GB" baseline="30000" dirty="0">
+              <a:latin typeface="Gill Sans" charset="0"/>
+              <a:ea typeface="Gill Sans" charset="0"/>
+              <a:cs typeface="Gill Sans" charset="0"/>
+            </a:endParaRPr>
+          </a:p>
+        </p:txBody>
+      </p:sp>
+      <p:sp>
+        <p:nvSpPr>
+          <p:cNvPr id="116" name="Rectangle 115"/>
+          <p:cNvSpPr/>
+          <p:nvPr/>
+        </p:nvSpPr>
+        <p:spPr>
+          <a:xfrm rot="20369773">
+            <a:off x="8326491" y="824774"/>
+            <a:ext cx="1257362" cy="369332"/>
+          </a:xfrm>
+          <a:prstGeom prst="rect">
+            <a:avLst/>
+          </a:prstGeom>
+        </p:spPr>
+        <p:txBody>
+          <a:bodyPr wrap="square">
+            <a:spAutoFit/>
+          </a:bodyPr>
+          <a:lstStyle/>
+          <a:p>
+            <a:r>
+              <a:rPr lang="el-GR" dirty="0">
+                <a:solidFill>
+                  <a:srgbClr val="222222"/>
+                </a:solidFill>
+                <a:latin typeface="Gill Sans" charset="0"/>
+                <a:ea typeface="Gill Sans" charset="0"/>
+                <a:cs typeface="Gill Sans" charset="0"/>
+              </a:rPr>
+              <a:t>Δ</a:t>
+            </a:r>
+            <a:r>
+              <a:rPr lang="en-GB" dirty="0">
+                <a:solidFill>
+                  <a:srgbClr val="222222"/>
+                </a:solidFill>
+                <a:latin typeface="Gill Sans" charset="0"/>
+                <a:ea typeface="Gill Sans" charset="0"/>
+                <a:cs typeface="Gill Sans" charset="0"/>
+              </a:rPr>
+              <a:t>PA </a:t>
+            </a:r>
+            <a:r>
+              <a:rPr lang="en-GB" dirty="0"/>
+              <a:t>≥</a:t>
+            </a:r>
+            <a:r>
+              <a:rPr lang="en-GB" dirty="0">
+                <a:solidFill>
+                  <a:srgbClr val="222222"/>
+                </a:solidFill>
+                <a:latin typeface="Gill Sans" charset="0"/>
+                <a:ea typeface="Gill Sans" charset="0"/>
+                <a:cs typeface="Gill Sans" charset="0"/>
+              </a:rPr>
+              <a:t> 90</a:t>
+            </a:r>
+            <a:r>
+              <a:rPr lang="en-GB" baseline="30000" dirty="0">
+                <a:solidFill>
+                  <a:srgbClr val="222222"/>
+                </a:solidFill>
+                <a:latin typeface="Gill Sans" charset="0"/>
+                <a:ea typeface="Gill Sans" charset="0"/>
+                <a:cs typeface="Gill Sans" charset="0"/>
+              </a:rPr>
+              <a:t>○</a:t>
+            </a:r>
+            <a:endParaRPr lang="en-GB" baseline="30000" dirty="0">
+              <a:latin typeface="Gill Sans" charset="0"/>
+              <a:ea typeface="Gill Sans" charset="0"/>
+              <a:cs typeface="Gill Sans" charset="0"/>
+            </a:endParaRPr>
+          </a:p>
+        </p:txBody>
+      </p:sp>
+      <p:sp>
+        <p:nvSpPr>
+          <p:cNvPr id="117" name="TextBox 116"/>
+          <p:cNvSpPr txBox="1"/>
+          <p:nvPr/>
+        </p:nvSpPr>
+        <p:spPr>
+          <a:xfrm>
+            <a:off x="9713536" y="54476"/>
+            <a:ext cx="2477145" cy="523220"/>
+          </a:xfrm>
+          <a:prstGeom prst="rect">
+            <a:avLst/>
+          </a:prstGeom>
+          <a:noFill/>
+        </p:spPr>
+        <p:txBody>
+          <a:bodyPr wrap="square" rtlCol="0">
+            <a:spAutoFit/>
+          </a:bodyPr>
+          <a:lstStyle/>
+          <a:p>
+            <a:r>
+              <a:rPr lang="en-GB" sz="1350" dirty="0">
+                <a:latin typeface="Gill Sans" charset="0"/>
+                <a:ea typeface="Gill Sans" charset="0"/>
+                <a:cs typeface="Gill Sans" charset="0"/>
+              </a:rPr>
+              <a:t>RELAXES TO SUSTAINED</a:t>
+            </a:r>
+          </a:p>
+          <a:p>
+            <a:r>
+              <a:rPr lang="en-GB" sz="1350" dirty="0">
+                <a:latin typeface="Gill Sans" charset="0"/>
+                <a:ea typeface="Gill Sans" charset="0"/>
+                <a:cs typeface="Gill Sans" charset="0"/>
+              </a:rPr>
+              <a:t>COUNTER-ROTATION</a:t>
+            </a:r>
+          </a:p>
+        </p:txBody>
+      </p:sp>
+      <p:sp>
+        <p:nvSpPr>
+          <p:cNvPr id="118" name="TextBox 117"/>
+          <p:cNvSpPr txBox="1"/>
+          <p:nvPr/>
+        </p:nvSpPr>
+        <p:spPr>
+          <a:xfrm>
+            <a:off x="9699897" y="1686567"/>
+            <a:ext cx="2192615" cy="1015663"/>
+          </a:xfrm>
+          <a:prstGeom prst="rect">
+            <a:avLst/>
+          </a:prstGeom>
+          <a:noFill/>
+        </p:spPr>
+        <p:txBody>
+          <a:bodyPr wrap="square" rtlCol="0">
+            <a:spAutoFit/>
+          </a:bodyPr>
+          <a:lstStyle/>
+          <a:p>
+            <a:r>
+              <a:rPr lang="en-GB" sz="1200" dirty="0">
+                <a:latin typeface="Gill Sans" charset="0"/>
+                <a:ea typeface="Gill Sans" charset="0"/>
+                <a:cs typeface="Gill Sans" charset="0"/>
+              </a:rPr>
+              <a:t>MISALIGNMENT RELAXES BUT MORE PRONE TO FUTURE MISALIGNMENT DUE TO RE-ACCRETION &amp; SMALLER GAS CONTENT</a:t>
+            </a:r>
+          </a:p>
+        </p:txBody>
+      </p:sp>
+      <p:sp>
+        <p:nvSpPr>
+          <p:cNvPr id="73" name="TextBox 72"/>
+          <p:cNvSpPr txBox="1"/>
+          <p:nvPr/>
+        </p:nvSpPr>
+        <p:spPr>
+          <a:xfrm>
+            <a:off x="566173" y="3389022"/>
+            <a:ext cx="1240037" cy="276999"/>
+          </a:xfrm>
+          <a:prstGeom prst="rect">
+            <a:avLst/>
+          </a:prstGeom>
+          <a:noFill/>
+        </p:spPr>
+        <p:txBody>
+          <a:bodyPr wrap="square" rtlCol="0">
+            <a:spAutoFit/>
+          </a:bodyPr>
+          <a:lstStyle/>
+          <a:p>
+            <a:r>
+              <a:rPr lang="en-GB" sz="1200">
+                <a:latin typeface="Gill Sans" charset="0"/>
+                <a:ea typeface="Gill Sans" charset="0"/>
+                <a:cs typeface="Gill Sans" charset="0"/>
+              </a:rPr>
+              <a:t>STARS</a:t>
+            </a:r>
+            <a:endParaRPr lang="en-GB" sz="1200" dirty="0">
+              <a:latin typeface="Gill Sans" charset="0"/>
+              <a:ea typeface="Gill Sans" charset="0"/>
+              <a:cs typeface="Gill Sans" charset="0"/>
+            </a:endParaRPr>
+          </a:p>
+        </p:txBody>
+      </p:sp>
+      <p:sp>
+        <p:nvSpPr>
+          <p:cNvPr id="76" name="TextBox 75"/>
+          <p:cNvSpPr txBox="1"/>
+          <p:nvPr/>
+        </p:nvSpPr>
+        <p:spPr>
+          <a:xfrm>
+            <a:off x="1385353" y="3386759"/>
+            <a:ext cx="638473" cy="276999"/>
+          </a:xfrm>
+          <a:prstGeom prst="rect">
+            <a:avLst/>
+          </a:prstGeom>
+          <a:noFill/>
+        </p:spPr>
+        <p:txBody>
+          <a:bodyPr wrap="square" rtlCol="0">
+            <a:spAutoFit/>
+          </a:bodyPr>
+          <a:lstStyle/>
+          <a:p>
+            <a:r>
+              <a:rPr lang="en-GB" sz="1200">
+                <a:latin typeface="Gill Sans" charset="0"/>
+                <a:ea typeface="Gill Sans" charset="0"/>
+                <a:cs typeface="Gill Sans" charset="0"/>
+              </a:rPr>
+              <a:t>GAS</a:t>
+            </a:r>
+            <a:endParaRPr lang="en-GB" sz="1200" dirty="0">
+              <a:latin typeface="Gill Sans" charset="0"/>
+              <a:ea typeface="Gill Sans" charset="0"/>
+              <a:cs typeface="Gill Sans" charset="0"/>
+            </a:endParaRPr>
+          </a:p>
+        </p:txBody>
+      </p:sp>
+      <p:sp>
+        <p:nvSpPr>
+          <p:cNvPr id="2" name="Hexagon 1"/>
+          <p:cNvSpPr/>
+          <p:nvPr/>
+        </p:nvSpPr>
+        <p:spPr>
+          <a:xfrm>
+            <a:off x="517479" y="2767430"/>
+            <a:ext cx="669969" cy="601640"/>
+          </a:xfrm>
+          <a:prstGeom prst="hexagon">
+            <a:avLst/>
+          </a:prstGeom>
+          <a:noFill/>
+          <a:ln w="50800">
+            <a:solidFill>
+              <a:schemeClr val="accent3">
+                <a:lumMod val="60000"/>
+                <a:lumOff val="40000"/>
+              </a:schemeClr>
+            </a:solidFill>
+          </a:ln>
+        </p:spPr>
+        <p:style>
+          <a:lnRef idx="2">
+            <a:schemeClr val="accent1">
+              <a:shade val="50000"/>
+            </a:schemeClr>
+          </a:lnRef>
+          <a:fillRef idx="1">
+            <a:schemeClr val="accent1"/>
+          </a:fillRef>
+          <a:effectRef idx="0">
+            <a:schemeClr val="accent1"/>
+          </a:effectRef>
+          <a:fontRef idx="minor">
+            <a:schemeClr val="lt1"/>
+          </a:fontRef>
+        </p:style>
+        <p:txBody>
+          <a:bodyPr rot="0" spcFirstLastPara="0" vertOverflow="overflow" horzOverflow="overflow" vert="horz" wrap="square" lIns="91440" tIns="45720" rIns="91440" bIns="45720" numCol="1" spcCol="0" rtlCol="0" fromWordArt="0" anchor="ctr" anchorCtr="0" forceAA="0" compatLnSpc="1">
+            <a:prstTxWarp prst="textNoShape">
+              <a:avLst/>
+            </a:prstTxWarp>
+            <a:noAutofit/>
+          </a:bodyPr>
+          <a:lstStyle/>
+          <a:p>
+            <a:pPr algn="ctr"/>
+            <a:endParaRPr lang="en-GB"/>
+          </a:p>
+        </p:txBody>
+      </p:sp>
+      <p:sp>
+        <p:nvSpPr>
+          <p:cNvPr id="104" name="TextBox 103"/>
+          <p:cNvSpPr txBox="1"/>
+          <p:nvPr/>
+        </p:nvSpPr>
+        <p:spPr>
+          <a:xfrm>
+            <a:off x="9820810" y="1210006"/>
+            <a:ext cx="1240037" cy="276999"/>
+          </a:xfrm>
+          <a:prstGeom prst="rect">
+            <a:avLst/>
+          </a:prstGeom>
+          <a:noFill/>
+        </p:spPr>
+        <p:txBody>
+          <a:bodyPr wrap="square" rtlCol="0">
+            <a:spAutoFit/>
+          </a:bodyPr>
+          <a:lstStyle/>
+          <a:p>
+            <a:r>
+              <a:rPr lang="en-GB" sz="1200">
+                <a:latin typeface="Gill Sans" charset="0"/>
+                <a:ea typeface="Gill Sans" charset="0"/>
+                <a:cs typeface="Gill Sans" charset="0"/>
+              </a:rPr>
+              <a:t>STARS</a:t>
+            </a:r>
+            <a:endParaRPr lang="en-GB" sz="1200" dirty="0">
+              <a:latin typeface="Gill Sans" charset="0"/>
+              <a:ea typeface="Gill Sans" charset="0"/>
+              <a:cs typeface="Gill Sans" charset="0"/>
+            </a:endParaRPr>
+          </a:p>
+        </p:txBody>
+      </p:sp>
+      <p:sp>
+        <p:nvSpPr>
+          <p:cNvPr id="112" name="TextBox 111"/>
+          <p:cNvSpPr txBox="1"/>
+          <p:nvPr/>
+        </p:nvSpPr>
+        <p:spPr>
+          <a:xfrm>
+            <a:off x="10640262" y="1210005"/>
+            <a:ext cx="638473" cy="276999"/>
+          </a:xfrm>
+          <a:prstGeom prst="rect">
+            <a:avLst/>
+          </a:prstGeom>
+          <a:noFill/>
+        </p:spPr>
+        <p:txBody>
+          <a:bodyPr wrap="square" rtlCol="0">
+            <a:spAutoFit/>
+          </a:bodyPr>
+          <a:lstStyle/>
+          <a:p>
+            <a:r>
+              <a:rPr lang="en-GB" sz="1200">
+                <a:latin typeface="Gill Sans" charset="0"/>
+                <a:ea typeface="Gill Sans" charset="0"/>
+                <a:cs typeface="Gill Sans" charset="0"/>
+              </a:rPr>
+              <a:t>GAS</a:t>
+            </a:r>
+            <a:endParaRPr lang="en-GB" sz="1200" dirty="0">
+              <a:latin typeface="Gill Sans" charset="0"/>
+              <a:ea typeface="Gill Sans" charset="0"/>
+              <a:cs typeface="Gill Sans" charset="0"/>
+            </a:endParaRPr>
+          </a:p>
+        </p:txBody>
+      </p:sp>
       <p:cxnSp>
         <p:nvCxnSpPr>
-          <p:cNvPr id="91" name="Straight Connector 90"/>
+          <p:cNvPr id="88" name="Straight Connector 87"/>
           <p:cNvCxnSpPr/>
           <p:nvPr/>
         </p:nvCxnSpPr>
         <p:spPr>
           <a:xfrm flipH="1">
-            <a:off x="1524644" y="2759719"/>
+            <a:off x="777038" y="2741100"/>
             <a:ext cx="109456" cy="686546"/>
           </a:xfrm>
           <a:prstGeom prst="line">
@@ -7368,51 +6357,69 @@
           </a:fontRef>
         </p:style>
       </p:cxnSp>
+      <p:sp>
+        <p:nvSpPr>
+          <p:cNvPr id="80" name="Hexagon 79"/>
+          <p:cNvSpPr/>
+          <p:nvPr/>
+        </p:nvSpPr>
+        <p:spPr>
+          <a:xfrm>
+            <a:off x="1296179" y="2763498"/>
+            <a:ext cx="669969" cy="601640"/>
+          </a:xfrm>
+          <a:prstGeom prst="hexagon">
+            <a:avLst/>
+          </a:prstGeom>
+          <a:noFill/>
+          <a:ln w="50800">
+            <a:solidFill>
+              <a:schemeClr val="accent3">
+                <a:lumMod val="60000"/>
+                <a:lumOff val="40000"/>
+              </a:schemeClr>
+            </a:solidFill>
+          </a:ln>
+        </p:spPr>
+        <p:style>
+          <a:lnRef idx="2">
+            <a:schemeClr val="accent1">
+              <a:shade val="50000"/>
+            </a:schemeClr>
+          </a:lnRef>
+          <a:fillRef idx="1">
+            <a:schemeClr val="accent1"/>
+          </a:fillRef>
+          <a:effectRef idx="0">
+            <a:schemeClr val="accent1"/>
+          </a:effectRef>
+          <a:fontRef idx="minor">
+            <a:schemeClr val="lt1"/>
+          </a:fontRef>
+        </p:style>
+        <p:txBody>
+          <a:bodyPr rot="0" spcFirstLastPara="0" vertOverflow="overflow" horzOverflow="overflow" vert="horz" wrap="square" lIns="91440" tIns="45720" rIns="91440" bIns="45720" numCol="1" spcCol="0" rtlCol="0" fromWordArt="0" anchor="ctr" anchorCtr="0" forceAA="0" compatLnSpc="1">
+            <a:prstTxWarp prst="textNoShape">
+              <a:avLst/>
+            </a:prstTxWarp>
+            <a:noAutofit/>
+          </a:bodyPr>
+          <a:lstStyle/>
+          <a:p>
+            <a:pPr algn="ctr"/>
+            <a:endParaRPr lang="en-GB"/>
+          </a:p>
+        </p:txBody>
+      </p:sp>
       <p:cxnSp>
         <p:nvCxnSpPr>
-          <p:cNvPr id="92" name="Straight Connector 91"/>
+          <p:cNvPr id="91" name="Straight Connector 90"/>
           <p:cNvCxnSpPr/>
           <p:nvPr/>
         </p:nvCxnSpPr>
         <p:spPr>
           <a:xfrm flipH="1">
-            <a:off x="3995684" y="2761370"/>
-            <a:ext cx="109456" cy="686546"/>
-          </a:xfrm>
-          <a:prstGeom prst="line">
-            <a:avLst/>
-          </a:prstGeom>
-          <a:ln w="31750">
-            <a:solidFill>
-              <a:srgbClr val="7030A0"/>
-            </a:solidFill>
-            <a:prstDash val="dash"/>
-          </a:ln>
-        </p:spPr>
-        <p:style>
-          <a:lnRef idx="3">
-            <a:schemeClr val="accent6"/>
-          </a:lnRef>
-          <a:fillRef idx="0">
-            <a:schemeClr val="accent6"/>
-          </a:fillRef>
-          <a:effectRef idx="2">
-            <a:schemeClr val="accent6"/>
-          </a:effectRef>
-          <a:fontRef idx="minor">
-            <a:schemeClr val="tx1"/>
-          </a:fontRef>
-        </p:style>
-      </p:cxnSp>
-      <p:cxnSp>
-        <p:nvCxnSpPr>
-          <p:cNvPr id="93" name="Straight Connector 92"/>
-          <p:cNvCxnSpPr/>
-          <p:nvPr/>
-        </p:nvCxnSpPr>
-        <p:spPr>
-          <a:xfrm rot="2340000" flipH="1">
-            <a:off x="4744766" y="2761678"/>
+            <a:off x="1556719" y="2741100"/>
             <a:ext cx="109456" cy="686546"/>
           </a:xfrm>
           <a:prstGeom prst="line">
@@ -7442,7 +6449,7 @@
       </p:cxnSp>
       <p:pic>
         <p:nvPicPr>
-          <p:cNvPr id="94" name="Picture 93"/>
+          <p:cNvPr id="135" name="Picture 134"/>
           <p:cNvPicPr>
             <a:picLocks noChangeAspect="1"/>
           </p:cNvPicPr>
@@ -7471,7 +6478,7 @@
         </p:blipFill>
         <p:spPr>
           <a:xfrm>
-            <a:off x="6825703" y="2733635"/>
+            <a:off x="6822360" y="2702915"/>
             <a:ext cx="812744" cy="809815"/>
           </a:xfrm>
           <a:prstGeom prst="rect">
@@ -7481,7 +6488,7 @@
       </p:pic>
       <p:pic>
         <p:nvPicPr>
-          <p:cNvPr id="95" name="Picture 94"/>
+          <p:cNvPr id="136" name="Picture 135"/>
           <p:cNvPicPr>
             <a:picLocks noChangeAspect="1"/>
           </p:cNvPicPr>
@@ -7511,7 +6518,7 @@
         </p:blipFill>
         <p:spPr>
           <a:xfrm>
-            <a:off x="7584407" y="2733635"/>
+            <a:off x="7582299" y="2692076"/>
             <a:ext cx="812744" cy="809815"/>
           </a:xfrm>
           <a:prstGeom prst="rect">
@@ -7526,88 +6533,93 @@
           </a:effectLst>
         </p:spPr>
       </p:pic>
-      <p:cxnSp>
-        <p:nvCxnSpPr>
-          <p:cNvPr id="96" name="Straight Connector 95"/>
-          <p:cNvCxnSpPr/>
+      <p:sp>
+        <p:nvSpPr>
+          <p:cNvPr id="137" name="Rectangle 136"/>
+          <p:cNvSpPr/>
           <p:nvPr/>
-        </p:nvCxnSpPr>
-        <p:spPr>
-          <a:xfrm flipH="1">
-            <a:off x="7183170" y="2774632"/>
-            <a:ext cx="109456" cy="686546"/>
-          </a:xfrm>
-          <a:prstGeom prst="line">
+        </p:nvSpPr>
+        <p:spPr>
+          <a:xfrm>
+            <a:off x="7085066" y="2436714"/>
+            <a:ext cx="1257362" cy="369332"/>
+          </a:xfrm>
+          <a:prstGeom prst="rect">
             <a:avLst/>
           </a:prstGeom>
-          <a:ln w="31750">
-            <a:solidFill>
-              <a:srgbClr val="7030A0"/>
-            </a:solidFill>
-            <a:prstDash val="dash"/>
-          </a:ln>
-        </p:spPr>
-        <p:style>
-          <a:lnRef idx="3">
-            <a:schemeClr val="accent6"/>
-          </a:lnRef>
-          <a:fillRef idx="0">
-            <a:schemeClr val="accent6"/>
-          </a:fillRef>
-          <a:effectRef idx="2">
-            <a:schemeClr val="accent6"/>
-          </a:effectRef>
-          <a:fontRef idx="minor">
-            <a:schemeClr val="tx1"/>
-          </a:fontRef>
-        </p:style>
-      </p:cxnSp>
-      <p:cxnSp>
-        <p:nvCxnSpPr>
-          <p:cNvPr id="97" name="Straight Connector 96"/>
-          <p:cNvCxnSpPr/>
-          <p:nvPr/>
-        </p:nvCxnSpPr>
-        <p:spPr>
-          <a:xfrm rot="2340000" flipH="1">
-            <a:off x="7932252" y="2774940"/>
-            <a:ext cx="109456" cy="686546"/>
-          </a:xfrm>
-          <a:prstGeom prst="line">
-            <a:avLst/>
-          </a:prstGeom>
-          <a:ln w="31750">
-            <a:solidFill>
-              <a:srgbClr val="7030A0"/>
-            </a:solidFill>
-            <a:prstDash val="dash"/>
-          </a:ln>
-        </p:spPr>
-        <p:style>
-          <a:lnRef idx="3">
-            <a:schemeClr val="accent6"/>
-          </a:lnRef>
-          <a:fillRef idx="0">
-            <a:schemeClr val="accent6"/>
-          </a:fillRef>
-          <a:effectRef idx="2">
-            <a:schemeClr val="accent6"/>
-          </a:effectRef>
-          <a:fontRef idx="minor">
-            <a:schemeClr val="tx1"/>
-          </a:fontRef>
-        </p:style>
-      </p:cxnSp>
-      <p:sp>
-        <p:nvSpPr>
-          <p:cNvPr id="99" name="TextBox 98"/>
+        </p:spPr>
+        <p:txBody>
+          <a:bodyPr wrap="square">
+            <a:spAutoFit/>
+          </a:bodyPr>
+          <a:lstStyle/>
+          <a:p>
+            <a:r>
+              <a:rPr lang="el-GR" dirty="0">
+                <a:solidFill>
+                  <a:srgbClr val="222222"/>
+                </a:solidFill>
+                <a:latin typeface="Gill Sans" charset="0"/>
+                <a:ea typeface="Gill Sans" charset="0"/>
+                <a:cs typeface="Gill Sans" charset="0"/>
+              </a:rPr>
+              <a:t>Δ</a:t>
+            </a:r>
+            <a:r>
+              <a:rPr lang="en-GB" dirty="0">
+                <a:solidFill>
+                  <a:srgbClr val="222222"/>
+                </a:solidFill>
+                <a:latin typeface="Gill Sans" charset="0"/>
+                <a:ea typeface="Gill Sans" charset="0"/>
+                <a:cs typeface="Gill Sans" charset="0"/>
+              </a:rPr>
+              <a:t>PA </a:t>
+            </a:r>
+            <a:r>
+              <a:rPr lang="en-GB" dirty="0"/>
+              <a:t>≥</a:t>
+            </a:r>
+            <a:r>
+              <a:rPr lang="en-GB" dirty="0">
+                <a:solidFill>
+                  <a:srgbClr val="222222"/>
+                </a:solidFill>
+                <a:latin typeface="Gill Sans" charset="0"/>
+                <a:ea typeface="Gill Sans" charset="0"/>
+                <a:cs typeface="Gill Sans" charset="0"/>
+              </a:rPr>
+              <a:t> 30</a:t>
+            </a:r>
+            <a:r>
+              <a:rPr lang="en-GB" baseline="30000" dirty="0">
+                <a:solidFill>
+                  <a:srgbClr val="222222"/>
+                </a:solidFill>
+                <a:latin typeface="Gill Sans" charset="0"/>
+                <a:ea typeface="Gill Sans" charset="0"/>
+                <a:cs typeface="Gill Sans" charset="0"/>
+              </a:rPr>
+              <a:t>○</a:t>
+            </a:r>
+            <a:endParaRPr lang="en-GB" baseline="30000" dirty="0">
+              <a:latin typeface="Gill Sans" charset="0"/>
+              <a:ea typeface="Gill Sans" charset="0"/>
+              <a:cs typeface="Gill Sans" charset="0"/>
+            </a:endParaRPr>
+          </a:p>
+        </p:txBody>
+      </p:sp>
+      <p:sp>
+        <p:nvSpPr>
+          <p:cNvPr id="138" name="TextBox 137"/>
           <p:cNvSpPr txBox="1"/>
           <p:nvPr/>
         </p:nvSpPr>
         <p:spPr>
           <a:xfrm>
-            <a:off x="1567851" y="451297"/>
-            <a:ext cx="1120762" cy="523220"/>
+            <a:off x="6951322" y="3387918"/>
+            <a:ext cx="666780" cy="276999"/>
           </a:xfrm>
           <a:prstGeom prst="rect">
             <a:avLst/>
@@ -7621,39 +6633,70 @@
           <a:lstStyle/>
           <a:p>
             <a:r>
-              <a:rPr lang="en-GB" sz="1400" dirty="0">
+              <a:rPr lang="en-GB" sz="1200" dirty="0">
                 <a:latin typeface="Gill Sans" charset="0"/>
                 <a:ea typeface="Gill Sans" charset="0"/>
                 <a:cs typeface="Gill Sans" charset="0"/>
               </a:rPr>
-              <a:t>COLD GAS RESERVIOR</a:t>
-            </a:r>
-          </a:p>
-        </p:txBody>
-      </p:sp>
-      <p:sp>
-        <p:nvSpPr>
-          <p:cNvPr id="100" name="Down Arrow 99"/>
+              <a:t>STARS</a:t>
+            </a:r>
+          </a:p>
+        </p:txBody>
+      </p:sp>
+      <p:sp>
+        <p:nvSpPr>
+          <p:cNvPr id="139" name="TextBox 138"/>
+          <p:cNvSpPr txBox="1"/>
+          <p:nvPr/>
+        </p:nvSpPr>
+        <p:spPr>
+          <a:xfrm>
+            <a:off x="7772344" y="3387918"/>
+            <a:ext cx="638473" cy="276999"/>
+          </a:xfrm>
+          <a:prstGeom prst="rect">
+            <a:avLst/>
+          </a:prstGeom>
+          <a:noFill/>
+        </p:spPr>
+        <p:txBody>
+          <a:bodyPr wrap="square" rtlCol="0">
+            <a:spAutoFit/>
+          </a:bodyPr>
+          <a:lstStyle/>
+          <a:p>
+            <a:r>
+              <a:rPr lang="en-GB" sz="1200" dirty="0">
+                <a:latin typeface="Gill Sans" charset="0"/>
+                <a:ea typeface="Gill Sans" charset="0"/>
+                <a:cs typeface="Gill Sans" charset="0"/>
+              </a:rPr>
+              <a:t>GAS</a:t>
+            </a:r>
+          </a:p>
+        </p:txBody>
+      </p:sp>
+      <p:sp>
+        <p:nvSpPr>
+          <p:cNvPr id="140" name="Hexagon 139"/>
           <p:cNvSpPr/>
           <p:nvPr/>
         </p:nvSpPr>
         <p:spPr>
-          <a:xfrm rot="1367624">
-            <a:off x="1907276" y="921746"/>
-            <a:ext cx="136436" cy="463832"/>
-          </a:xfrm>
-          <a:prstGeom prst="downArrow">
-            <a:avLst>
-              <a:gd name="adj1" fmla="val 50000"/>
-              <a:gd name="adj2" fmla="val 70370"/>
-            </a:avLst>
+          <a:xfrm>
+            <a:off x="6907399" y="2779291"/>
+            <a:ext cx="669969" cy="601640"/>
+          </a:xfrm>
+          <a:prstGeom prst="hexagon">
+            <a:avLst/>
           </a:prstGeom>
-          <a:solidFill>
-            <a:schemeClr val="tx1"/>
-          </a:solidFill>
-          <a:ln>
+          <a:noFill/>
+          <a:ln w="50800">
             <a:solidFill>
-              <a:schemeClr val="tx1"/>
+              <a:schemeClr val="accent3">
+                <a:lumMod val="60000"/>
+                <a:lumOff val="40000"/>
+              </a:schemeClr>
             </a:solidFill>
           </a:ln>
         </p:spPr>
@@ -7687,278 +6730,63 @@
           </a:p>
         </p:txBody>
       </p:sp>
-      <p:sp>
-        <p:nvSpPr>
-          <p:cNvPr id="101" name="Rectangle 100"/>
+      <p:cxnSp>
+        <p:nvCxnSpPr>
+          <p:cNvPr id="141" name="Straight Connector 140"/>
+          <p:cNvCxnSpPr/>
+          <p:nvPr/>
+        </p:nvCxnSpPr>
+        <p:spPr>
+          <a:xfrm flipH="1">
+            <a:off x="7179827" y="2743910"/>
+            <a:ext cx="109456" cy="686546"/>
+          </a:xfrm>
+          <a:prstGeom prst="line">
+            <a:avLst/>
+          </a:prstGeom>
+          <a:ln w="31750">
+            <a:solidFill>
+              <a:srgbClr val="7030A0"/>
+            </a:solidFill>
+            <a:prstDash val="dash"/>
+          </a:ln>
+        </p:spPr>
+        <p:style>
+          <a:lnRef idx="3">
+            <a:schemeClr val="accent6"/>
+          </a:lnRef>
+          <a:fillRef idx="0">
+            <a:schemeClr val="accent6"/>
+          </a:fillRef>
+          <a:effectRef idx="2">
+            <a:schemeClr val="accent6"/>
+          </a:effectRef>
+          <a:fontRef idx="minor">
+            <a:schemeClr val="tx1"/>
+          </a:fontRef>
+        </p:style>
+      </p:cxnSp>
+      <p:sp>
+        <p:nvSpPr>
+          <p:cNvPr id="142" name="Hexagon 141"/>
           <p:cNvSpPr/>
           <p:nvPr/>
         </p:nvSpPr>
         <p:spPr>
           <a:xfrm>
-            <a:off x="683307" y="2454174"/>
-            <a:ext cx="1257362" cy="369332"/>
-          </a:xfrm>
-          <a:prstGeom prst="rect">
-            <a:avLst/>
-          </a:prstGeom>
-        </p:spPr>
-        <p:txBody>
-          <a:bodyPr wrap="square">
-            <a:spAutoFit/>
-          </a:bodyPr>
-          <a:lstStyle/>
-          <a:p>
-            <a:r>
-              <a:rPr lang="el-GR" dirty="0">
-                <a:solidFill>
-                  <a:srgbClr val="222222"/>
-                </a:solidFill>
-                <a:latin typeface="Gill Sans" charset="0"/>
-                <a:ea typeface="Gill Sans" charset="0"/>
-                <a:cs typeface="Gill Sans" charset="0"/>
-              </a:rPr>
-              <a:t>Δ</a:t>
-            </a:r>
-            <a:r>
-              <a:rPr lang="en-GB" dirty="0">
-                <a:solidFill>
-                  <a:srgbClr val="222222"/>
-                </a:solidFill>
-                <a:latin typeface="Gill Sans" charset="0"/>
-                <a:ea typeface="Gill Sans" charset="0"/>
-                <a:cs typeface="Gill Sans" charset="0"/>
-              </a:rPr>
-              <a:t>PA &lt; 30</a:t>
-            </a:r>
-            <a:r>
-              <a:rPr lang="en-GB" baseline="30000" dirty="0">
-                <a:solidFill>
-                  <a:srgbClr val="222222"/>
-                </a:solidFill>
-                <a:latin typeface="Gill Sans" charset="0"/>
-                <a:ea typeface="Gill Sans" charset="0"/>
-                <a:cs typeface="Gill Sans" charset="0"/>
-              </a:rPr>
-              <a:t>○</a:t>
-            </a:r>
-            <a:endParaRPr lang="en-GB" baseline="30000" dirty="0">
-              <a:latin typeface="Gill Sans" charset="0"/>
-              <a:ea typeface="Gill Sans" charset="0"/>
-              <a:cs typeface="Gill Sans" charset="0"/>
-            </a:endParaRPr>
-          </a:p>
-        </p:txBody>
-      </p:sp>
-      <p:sp>
-        <p:nvSpPr>
-          <p:cNvPr id="103" name="Rectangle 102"/>
-          <p:cNvSpPr/>
-          <p:nvPr/>
-        </p:nvSpPr>
-        <p:spPr>
-          <a:xfrm>
-            <a:off x="3900923" y="2454174"/>
-            <a:ext cx="1257362" cy="369332"/>
-          </a:xfrm>
-          <a:prstGeom prst="rect">
-            <a:avLst/>
-          </a:prstGeom>
-        </p:spPr>
-        <p:txBody>
-          <a:bodyPr wrap="square">
-            <a:spAutoFit/>
-          </a:bodyPr>
-          <a:lstStyle/>
-          <a:p>
-            <a:r>
-              <a:rPr lang="el-GR" dirty="0">
-                <a:solidFill>
-                  <a:srgbClr val="222222"/>
-                </a:solidFill>
-                <a:latin typeface="Gill Sans" charset="0"/>
-                <a:ea typeface="Gill Sans" charset="0"/>
-                <a:cs typeface="Gill Sans" charset="0"/>
-              </a:rPr>
-              <a:t>Δ</a:t>
-            </a:r>
-            <a:r>
-              <a:rPr lang="en-GB" dirty="0">
-                <a:solidFill>
-                  <a:srgbClr val="222222"/>
-                </a:solidFill>
-                <a:latin typeface="Gill Sans" charset="0"/>
-                <a:ea typeface="Gill Sans" charset="0"/>
-                <a:cs typeface="Gill Sans" charset="0"/>
-              </a:rPr>
-              <a:t>PA </a:t>
-            </a:r>
-            <a:r>
-              <a:rPr lang="en-GB" dirty="0"/>
-              <a:t>≥</a:t>
-            </a:r>
-            <a:r>
-              <a:rPr lang="en-GB" dirty="0">
-                <a:solidFill>
-                  <a:srgbClr val="222222"/>
-                </a:solidFill>
-                <a:latin typeface="Gill Sans" charset="0"/>
-                <a:ea typeface="Gill Sans" charset="0"/>
-                <a:cs typeface="Gill Sans" charset="0"/>
-              </a:rPr>
-              <a:t> 30</a:t>
-            </a:r>
-            <a:r>
-              <a:rPr lang="en-GB" baseline="30000" dirty="0">
-                <a:solidFill>
-                  <a:srgbClr val="222222"/>
-                </a:solidFill>
-                <a:latin typeface="Gill Sans" charset="0"/>
-                <a:ea typeface="Gill Sans" charset="0"/>
-                <a:cs typeface="Gill Sans" charset="0"/>
-              </a:rPr>
-              <a:t>○</a:t>
-            </a:r>
-            <a:endParaRPr lang="en-GB" baseline="30000" dirty="0">
-              <a:latin typeface="Gill Sans" charset="0"/>
-              <a:ea typeface="Gill Sans" charset="0"/>
-              <a:cs typeface="Gill Sans" charset="0"/>
-            </a:endParaRPr>
-          </a:p>
-        </p:txBody>
-      </p:sp>
-      <p:sp>
-        <p:nvSpPr>
-          <p:cNvPr id="105" name="Rectangle 104"/>
-          <p:cNvSpPr/>
-          <p:nvPr/>
-        </p:nvSpPr>
-        <p:spPr>
-          <a:xfrm>
-            <a:off x="7054752" y="2467127"/>
-            <a:ext cx="1257362" cy="369332"/>
-          </a:xfrm>
-          <a:prstGeom prst="rect">
-            <a:avLst/>
-          </a:prstGeom>
-        </p:spPr>
-        <p:txBody>
-          <a:bodyPr wrap="square">
-            <a:spAutoFit/>
-          </a:bodyPr>
-          <a:lstStyle/>
-          <a:p>
-            <a:r>
-              <a:rPr lang="el-GR" dirty="0">
-                <a:solidFill>
-                  <a:srgbClr val="222222"/>
-                </a:solidFill>
-                <a:latin typeface="Gill Sans" charset="0"/>
-                <a:ea typeface="Gill Sans" charset="0"/>
-                <a:cs typeface="Gill Sans" charset="0"/>
-              </a:rPr>
-              <a:t>Δ</a:t>
-            </a:r>
-            <a:r>
-              <a:rPr lang="en-GB" dirty="0">
-                <a:solidFill>
-                  <a:srgbClr val="222222"/>
-                </a:solidFill>
-                <a:latin typeface="Gill Sans" charset="0"/>
-                <a:ea typeface="Gill Sans" charset="0"/>
-                <a:cs typeface="Gill Sans" charset="0"/>
-              </a:rPr>
-              <a:t>PA </a:t>
-            </a:r>
-            <a:r>
-              <a:rPr lang="en-GB" dirty="0"/>
-              <a:t>≥</a:t>
-            </a:r>
-            <a:r>
-              <a:rPr lang="en-GB" dirty="0">
-                <a:solidFill>
-                  <a:srgbClr val="222222"/>
-                </a:solidFill>
-                <a:latin typeface="Gill Sans" charset="0"/>
-                <a:ea typeface="Gill Sans" charset="0"/>
-                <a:cs typeface="Gill Sans" charset="0"/>
-              </a:rPr>
-              <a:t> 30</a:t>
-            </a:r>
-            <a:r>
-              <a:rPr lang="en-GB" baseline="30000" dirty="0">
-                <a:solidFill>
-                  <a:srgbClr val="222222"/>
-                </a:solidFill>
-                <a:latin typeface="Gill Sans" charset="0"/>
-                <a:ea typeface="Gill Sans" charset="0"/>
-                <a:cs typeface="Gill Sans" charset="0"/>
-              </a:rPr>
-              <a:t>○</a:t>
-            </a:r>
-            <a:endParaRPr lang="en-GB" baseline="30000" dirty="0">
-              <a:latin typeface="Gill Sans" charset="0"/>
-              <a:ea typeface="Gill Sans" charset="0"/>
-              <a:cs typeface="Gill Sans" charset="0"/>
-            </a:endParaRPr>
-          </a:p>
-        </p:txBody>
-      </p:sp>
-      <p:sp>
-        <p:nvSpPr>
-          <p:cNvPr id="106" name="TextBox 105"/>
-          <p:cNvSpPr txBox="1"/>
-          <p:nvPr/>
-        </p:nvSpPr>
-        <p:spPr>
-          <a:xfrm>
-            <a:off x="4680715" y="973021"/>
-            <a:ext cx="2128015" cy="492443"/>
-          </a:xfrm>
-          <a:prstGeom prst="rect">
+            <a:off x="7653980" y="2778906"/>
+            <a:ext cx="669969" cy="601640"/>
+          </a:xfrm>
+          <a:prstGeom prst="hexagon">
             <a:avLst/>
           </a:prstGeom>
           <a:noFill/>
-        </p:spPr>
-        <p:txBody>
-          <a:bodyPr wrap="square" rtlCol="0">
-            <a:spAutoFit/>
-          </a:bodyPr>
-          <a:lstStyle/>
-          <a:p>
-            <a:r>
-              <a:rPr lang="en-GB" sz="1300" dirty="0">
-                <a:latin typeface="Gill Sans" charset="0"/>
-                <a:ea typeface="Gill Sans" charset="0"/>
-                <a:cs typeface="Gill Sans" charset="0"/>
-              </a:rPr>
-              <a:t>RADIATION DRIVEN OUTFLOW</a:t>
-            </a:r>
-          </a:p>
-        </p:txBody>
-      </p:sp>
-      <p:sp>
-        <p:nvSpPr>
-          <p:cNvPr id="107" name="Down Arrow 106"/>
-          <p:cNvSpPr/>
-          <p:nvPr/>
-        </p:nvSpPr>
-        <p:spPr>
-          <a:xfrm rot="2569194">
-            <a:off x="4482802" y="1159857"/>
-            <a:ext cx="136436" cy="463832"/>
-          </a:xfrm>
-          <a:prstGeom prst="downArrow">
-            <a:avLst>
-              <a:gd name="adj1" fmla="val 50000"/>
-              <a:gd name="adj2" fmla="val 70370"/>
-            </a:avLst>
-          </a:prstGeom>
-          <a:solidFill>
-            <a:schemeClr val="tx1"/>
-          </a:solidFill>
-          <a:ln>
+          <a:ln w="50800">
             <a:solidFill>
-              <a:schemeClr val="tx1"/>
+              <a:schemeClr val="accent3">
+                <a:lumMod val="60000"/>
+                <a:lumOff val="40000"/>
+              </a:schemeClr>
             </a:solidFill>
           </a:ln>
         </p:spPr>
@@ -7992,92 +6820,15 @@
           </a:p>
         </p:txBody>
       </p:sp>
-      <p:sp>
-        <p:nvSpPr>
-          <p:cNvPr id="110" name="Rectangle 109"/>
-          <p:cNvSpPr/>
-          <p:nvPr/>
-        </p:nvSpPr>
-        <p:spPr>
-          <a:xfrm rot="1007135">
-            <a:off x="8418135" y="2139424"/>
-            <a:ext cx="1257362" cy="369332"/>
-          </a:xfrm>
-          <a:prstGeom prst="rect">
-            <a:avLst/>
-          </a:prstGeom>
-        </p:spPr>
-        <p:txBody>
-          <a:bodyPr wrap="square">
-            <a:spAutoFit/>
-          </a:bodyPr>
-          <a:lstStyle/>
-          <a:p>
-            <a:r>
-              <a:rPr lang="el-GR" dirty="0">
-                <a:solidFill>
-                  <a:srgbClr val="222222"/>
-                </a:solidFill>
-                <a:latin typeface="Gill Sans" charset="0"/>
-                <a:ea typeface="Gill Sans" charset="0"/>
-                <a:cs typeface="Gill Sans" charset="0"/>
-              </a:rPr>
-              <a:t>Δ</a:t>
-            </a:r>
-            <a:r>
-              <a:rPr lang="en-GB" dirty="0">
-                <a:solidFill>
-                  <a:srgbClr val="222222"/>
-                </a:solidFill>
-                <a:latin typeface="Gill Sans" charset="0"/>
-                <a:ea typeface="Gill Sans" charset="0"/>
-                <a:cs typeface="Gill Sans" charset="0"/>
-              </a:rPr>
-              <a:t>PA </a:t>
-            </a:r>
-            <a:r>
-              <a:rPr lang="en-GB" dirty="0"/>
-              <a:t>≥</a:t>
-            </a:r>
-            <a:r>
-              <a:rPr lang="en-GB" dirty="0">
-                <a:solidFill>
-                  <a:srgbClr val="222222"/>
-                </a:solidFill>
-                <a:latin typeface="Gill Sans" charset="0"/>
-                <a:ea typeface="Gill Sans" charset="0"/>
-                <a:cs typeface="Gill Sans" charset="0"/>
-              </a:rPr>
-              <a:t> 30</a:t>
-            </a:r>
-            <a:r>
-              <a:rPr lang="en-GB" baseline="30000" dirty="0">
-                <a:solidFill>
-                  <a:srgbClr val="222222"/>
-                </a:solidFill>
-                <a:latin typeface="Gill Sans" charset="0"/>
-                <a:ea typeface="Gill Sans" charset="0"/>
-                <a:cs typeface="Gill Sans" charset="0"/>
-              </a:rPr>
-              <a:t>○</a:t>
-            </a:r>
-            <a:endParaRPr lang="en-GB" baseline="30000" dirty="0">
-              <a:latin typeface="Gill Sans" charset="0"/>
-              <a:ea typeface="Gill Sans" charset="0"/>
-              <a:cs typeface="Gill Sans" charset="0"/>
-            </a:endParaRPr>
-          </a:p>
-        </p:txBody>
-      </p:sp>
       <p:cxnSp>
         <p:nvCxnSpPr>
-          <p:cNvPr id="111" name="Straight Connector 110"/>
+          <p:cNvPr id="143" name="Straight Connector 142"/>
           <p:cNvCxnSpPr/>
           <p:nvPr/>
         </p:nvCxnSpPr>
         <p:spPr>
-          <a:xfrm flipH="1">
-            <a:off x="9931333" y="2782554"/>
+          <a:xfrm rot="2340000" flipH="1">
+            <a:off x="7938720" y="2727318"/>
             <a:ext cx="109456" cy="686546"/>
           </a:xfrm>
           <a:prstGeom prst="line">
@@ -8105,15 +6856,221 @@
           </a:fontRef>
         </p:style>
       </p:cxnSp>
+      <p:pic>
+        <p:nvPicPr>
+          <p:cNvPr id="144" name="Picture 143"/>
+          <p:cNvPicPr>
+            <a:picLocks noChangeAspect="1"/>
+          </p:cNvPicPr>
+          <p:nvPr/>
+        </p:nvPicPr>
+        <p:blipFill>
+          <a:blip r:embed="rId2">
+            <a:extLst>
+              <a:ext uri="{BEBA8EAE-BF5A-486C-A8C5-ECC9F3942E4B}">
+                <a14:imgProps xmlns:a14="http://schemas.microsoft.com/office/drawing/2010/main">
+                  <a14:imgLayer r:embed="rId3">
+                    <a14:imgEffect>
+                      <a14:backgroundRemoval t="10000" b="90000" l="10000" r="90000"/>
+                    </a14:imgEffect>
+                  </a14:imgLayer>
+                </a14:imgProps>
+              </a:ext>
+              <a:ext uri="{28A0092B-C50C-407E-A947-70E740481C1C}">
+                <a14:useLocalDpi xmlns:a14="http://schemas.microsoft.com/office/drawing/2010/main" val="0"/>
+              </a:ext>
+            </a:extLst>
+          </a:blip>
+          <a:stretch>
+            <a:fillRect/>
+          </a:stretch>
+        </p:blipFill>
+        <p:spPr>
+          <a:xfrm>
+            <a:off x="9699895" y="2727348"/>
+            <a:ext cx="812744" cy="809815"/>
+          </a:xfrm>
+          <a:prstGeom prst="rect">
+            <a:avLst/>
+          </a:prstGeom>
+        </p:spPr>
+      </p:pic>
+      <p:pic>
+        <p:nvPicPr>
+          <p:cNvPr id="145" name="Picture 144"/>
+          <p:cNvPicPr>
+            <a:picLocks noChangeAspect="1"/>
+          </p:cNvPicPr>
+          <p:nvPr/>
+        </p:nvPicPr>
+        <p:blipFill>
+          <a:blip r:embed="rId6">
+            <a:alphaModFix/>
+            <a:extLst>
+              <a:ext uri="{BEBA8EAE-BF5A-486C-A8C5-ECC9F3942E4B}">
+                <a14:imgProps xmlns:a14="http://schemas.microsoft.com/office/drawing/2010/main">
+                  <a14:imgLayer r:embed="rId7">
+                    <a14:imgEffect>
+                      <a14:backgroundRemoval t="10000" b="90000" l="10000" r="90000"/>
+                    </a14:imgEffect>
+                  </a14:imgLayer>
+                </a14:imgProps>
+              </a:ext>
+              <a:ext uri="{28A0092B-C50C-407E-A947-70E740481C1C}">
+                <a14:useLocalDpi xmlns:a14="http://schemas.microsoft.com/office/drawing/2010/main" val="0"/>
+              </a:ext>
+            </a:extLst>
+          </a:blip>
+          <a:stretch>
+            <a:fillRect/>
+          </a:stretch>
+        </p:blipFill>
+        <p:spPr>
+          <a:xfrm>
+            <a:off x="10468846" y="2714574"/>
+            <a:ext cx="812744" cy="809815"/>
+          </a:xfrm>
+          <a:prstGeom prst="rect">
+            <a:avLst/>
+          </a:prstGeom>
+          <a:effectLst>
+            <a:outerShdw blurRad="50800" dist="50800" dir="5400000" algn="ctr" rotWithShape="0">
+              <a:srgbClr val="000000">
+                <a:alpha val="0"/>
+              </a:srgbClr>
+            </a:outerShdw>
+          </a:effectLst>
+        </p:spPr>
+      </p:pic>
+      <p:sp>
+        <p:nvSpPr>
+          <p:cNvPr id="146" name="TextBox 145"/>
+          <p:cNvSpPr txBox="1"/>
+          <p:nvPr/>
+        </p:nvSpPr>
+        <p:spPr>
+          <a:xfrm>
+            <a:off x="9828857" y="3412351"/>
+            <a:ext cx="666780" cy="276999"/>
+          </a:xfrm>
+          <a:prstGeom prst="rect">
+            <a:avLst/>
+          </a:prstGeom>
+          <a:noFill/>
+        </p:spPr>
+        <p:txBody>
+          <a:bodyPr wrap="square" rtlCol="0">
+            <a:spAutoFit/>
+          </a:bodyPr>
+          <a:lstStyle/>
+          <a:p>
+            <a:r>
+              <a:rPr lang="en-GB" sz="1200" dirty="0">
+                <a:latin typeface="Gill Sans" charset="0"/>
+                <a:ea typeface="Gill Sans" charset="0"/>
+                <a:cs typeface="Gill Sans" charset="0"/>
+              </a:rPr>
+              <a:t>STARS</a:t>
+            </a:r>
+          </a:p>
+        </p:txBody>
+      </p:sp>
+      <p:sp>
+        <p:nvSpPr>
+          <p:cNvPr id="147" name="TextBox 146"/>
+          <p:cNvSpPr txBox="1"/>
+          <p:nvPr/>
+        </p:nvSpPr>
+        <p:spPr>
+          <a:xfrm>
+            <a:off x="10649879" y="3412351"/>
+            <a:ext cx="638473" cy="276999"/>
+          </a:xfrm>
+          <a:prstGeom prst="rect">
+            <a:avLst/>
+          </a:prstGeom>
+          <a:noFill/>
+        </p:spPr>
+        <p:txBody>
+          <a:bodyPr wrap="square" rtlCol="0">
+            <a:spAutoFit/>
+          </a:bodyPr>
+          <a:lstStyle/>
+          <a:p>
+            <a:r>
+              <a:rPr lang="en-GB" sz="1200" dirty="0">
+                <a:latin typeface="Gill Sans" charset="0"/>
+                <a:ea typeface="Gill Sans" charset="0"/>
+                <a:cs typeface="Gill Sans" charset="0"/>
+              </a:rPr>
+              <a:t>GAS</a:t>
+            </a:r>
+          </a:p>
+        </p:txBody>
+      </p:sp>
+      <p:sp>
+        <p:nvSpPr>
+          <p:cNvPr id="148" name="Hexagon 147"/>
+          <p:cNvSpPr/>
+          <p:nvPr/>
+        </p:nvSpPr>
+        <p:spPr>
+          <a:xfrm>
+            <a:off x="9784934" y="2803724"/>
+            <a:ext cx="669969" cy="601640"/>
+          </a:xfrm>
+          <a:prstGeom prst="hexagon">
+            <a:avLst/>
+          </a:prstGeom>
+          <a:noFill/>
+          <a:ln w="50800">
+            <a:solidFill>
+              <a:schemeClr val="accent3">
+                <a:lumMod val="60000"/>
+                <a:lumOff val="40000"/>
+              </a:schemeClr>
+            </a:solidFill>
+          </a:ln>
+        </p:spPr>
+        <p:style>
+          <a:lnRef idx="2">
+            <a:schemeClr val="accent1">
+              <a:shade val="50000"/>
+            </a:schemeClr>
+          </a:lnRef>
+          <a:fillRef idx="1">
+            <a:schemeClr val="accent1"/>
+          </a:fillRef>
+          <a:effectRef idx="0">
+            <a:schemeClr val="accent1"/>
+          </a:effectRef>
+          <a:fontRef idx="minor">
+            <a:schemeClr val="lt1"/>
+          </a:fontRef>
+        </p:style>
+        <p:txBody>
+          <a:bodyPr rot="0" spcFirstLastPara="0" vertOverflow="overflow" horzOverflow="overflow" vert="horz" wrap="square" lIns="91440" tIns="45720" rIns="91440" bIns="45720" numCol="1" spcCol="0" rtlCol="0" fromWordArt="0" anchor="ctr" anchorCtr="0" forceAA="0" compatLnSpc="1">
+            <a:prstTxWarp prst="textNoShape">
+              <a:avLst/>
+            </a:prstTxWarp>
+            <a:noAutofit/>
+          </a:bodyPr>
+          <a:lstStyle/>
+          <a:p>
+            <a:pPr algn="ctr"/>
+            <a:endParaRPr lang="en-GB"/>
+          </a:p>
+        </p:txBody>
+      </p:sp>
       <p:cxnSp>
         <p:nvCxnSpPr>
-          <p:cNvPr id="113" name="Straight Connector 112"/>
+          <p:cNvPr id="149" name="Straight Connector 148"/>
           <p:cNvCxnSpPr/>
           <p:nvPr/>
         </p:nvCxnSpPr>
         <p:spPr>
-          <a:xfrm rot="2340000" flipH="1">
-            <a:off x="10656590" y="2774940"/>
+          <a:xfrm flipH="1">
+            <a:off x="10057362" y="2768343"/>
             <a:ext cx="109456" cy="686546"/>
           </a:xfrm>
           <a:prstGeom prst="line">
@@ -8141,15 +7098,69 @@
           </a:fontRef>
         </p:style>
       </p:cxnSp>
+      <p:sp>
+        <p:nvSpPr>
+          <p:cNvPr id="150" name="Hexagon 149"/>
+          <p:cNvSpPr/>
+          <p:nvPr/>
+        </p:nvSpPr>
+        <p:spPr>
+          <a:xfrm>
+            <a:off x="10540527" y="2801404"/>
+            <a:ext cx="669969" cy="601640"/>
+          </a:xfrm>
+          <a:prstGeom prst="hexagon">
+            <a:avLst/>
+          </a:prstGeom>
+          <a:noFill/>
+          <a:ln w="50800">
+            <a:solidFill>
+              <a:schemeClr val="accent3">
+                <a:lumMod val="60000"/>
+                <a:lumOff val="40000"/>
+              </a:schemeClr>
+            </a:solidFill>
+          </a:ln>
+        </p:spPr>
+        <p:style>
+          <a:lnRef idx="2">
+            <a:schemeClr val="accent1">
+              <a:shade val="50000"/>
+            </a:schemeClr>
+          </a:lnRef>
+          <a:fillRef idx="1">
+            <a:schemeClr val="accent1"/>
+          </a:fillRef>
+          <a:effectRef idx="0">
+            <a:schemeClr val="accent1"/>
+          </a:effectRef>
+          <a:fontRef idx="minor">
+            <a:schemeClr val="lt1"/>
+          </a:fontRef>
+        </p:style>
+        <p:txBody>
+          <a:bodyPr rot="0" spcFirstLastPara="0" vertOverflow="overflow" horzOverflow="overflow" vert="horz" wrap="square" lIns="91440" tIns="45720" rIns="91440" bIns="45720" numCol="1" spcCol="0" rtlCol="0" fromWordArt="0" anchor="ctr" anchorCtr="0" forceAA="0" compatLnSpc="1">
+            <a:prstTxWarp prst="textNoShape">
+              <a:avLst/>
+            </a:prstTxWarp>
+            <a:noAutofit/>
+          </a:bodyPr>
+          <a:lstStyle/>
+          <a:p>
+            <a:pPr algn="ctr"/>
+            <a:endParaRPr lang="en-GB"/>
+          </a:p>
+        </p:txBody>
+      </p:sp>
       <p:cxnSp>
         <p:nvCxnSpPr>
-          <p:cNvPr id="114" name="Straight Connector 113"/>
+          <p:cNvPr id="151" name="Straight Connector 150"/>
           <p:cNvCxnSpPr/>
           <p:nvPr/>
         </p:nvCxnSpPr>
         <p:spPr>
-          <a:xfrm flipH="1">
-            <a:off x="9949433" y="556602"/>
+          <a:xfrm rot="2340000" flipH="1">
+            <a:off x="10825267" y="2749816"/>
             <a:ext cx="109456" cy="686546"/>
           </a:xfrm>
           <a:prstGeom prst="line">
@@ -8177,15 +7188,69 @@
           </a:fontRef>
         </p:style>
       </p:cxnSp>
+      <p:sp>
+        <p:nvSpPr>
+          <p:cNvPr id="152" name="Hexagon 151"/>
+          <p:cNvSpPr/>
+          <p:nvPr/>
+        </p:nvSpPr>
+        <p:spPr>
+          <a:xfrm>
+            <a:off x="9793631" y="566568"/>
+            <a:ext cx="669969" cy="601640"/>
+          </a:xfrm>
+          <a:prstGeom prst="hexagon">
+            <a:avLst/>
+          </a:prstGeom>
+          <a:noFill/>
+          <a:ln w="50800">
+            <a:solidFill>
+              <a:schemeClr val="accent3">
+                <a:lumMod val="60000"/>
+                <a:lumOff val="40000"/>
+              </a:schemeClr>
+            </a:solidFill>
+          </a:ln>
+        </p:spPr>
+        <p:style>
+          <a:lnRef idx="2">
+            <a:schemeClr val="accent1">
+              <a:shade val="50000"/>
+            </a:schemeClr>
+          </a:lnRef>
+          <a:fillRef idx="1">
+            <a:schemeClr val="accent1"/>
+          </a:fillRef>
+          <a:effectRef idx="0">
+            <a:schemeClr val="accent1"/>
+          </a:effectRef>
+          <a:fontRef idx="minor">
+            <a:schemeClr val="lt1"/>
+          </a:fontRef>
+        </p:style>
+        <p:txBody>
+          <a:bodyPr rot="0" spcFirstLastPara="0" vertOverflow="overflow" horzOverflow="overflow" vert="horz" wrap="square" lIns="91440" tIns="45720" rIns="91440" bIns="45720" numCol="1" spcCol="0" rtlCol="0" fromWordArt="0" anchor="ctr" anchorCtr="0" forceAA="0" compatLnSpc="1">
+            <a:prstTxWarp prst="textNoShape">
+              <a:avLst/>
+            </a:prstTxWarp>
+            <a:noAutofit/>
+          </a:bodyPr>
+          <a:lstStyle/>
+          <a:p>
+            <a:pPr algn="ctr"/>
+            <a:endParaRPr lang="en-GB"/>
+          </a:p>
+        </p:txBody>
+      </p:sp>
       <p:cxnSp>
         <p:nvCxnSpPr>
-          <p:cNvPr id="115" name="Straight Connector 114"/>
+          <p:cNvPr id="114" name="Straight Connector 113"/>
           <p:cNvCxnSpPr/>
           <p:nvPr/>
         </p:nvCxnSpPr>
         <p:spPr>
-          <a:xfrm rot="21300000" flipH="1">
-            <a:off x="10707450" y="560066"/>
+          <a:xfrm flipH="1">
+            <a:off x="10067540" y="533858"/>
             <a:ext cx="109456" cy="686546"/>
           </a:xfrm>
           <a:prstGeom prst="line">
@@ -8215,13 +7280,651 @@
       </p:cxnSp>
       <p:sp>
         <p:nvSpPr>
-          <p:cNvPr id="116" name="Rectangle 115"/>
+          <p:cNvPr id="154" name="Hexagon 153"/>
           <p:cNvSpPr/>
           <p:nvPr/>
         </p:nvSpPr>
         <p:spPr>
-          <a:xfrm rot="20369773">
-            <a:off x="8285138" y="842234"/>
+          <a:xfrm>
+            <a:off x="10549115" y="567905"/>
+            <a:ext cx="669969" cy="601640"/>
+          </a:xfrm>
+          <a:prstGeom prst="hexagon">
+            <a:avLst/>
+          </a:prstGeom>
+          <a:noFill/>
+          <a:ln w="50800">
+            <a:solidFill>
+              <a:schemeClr val="accent3">
+                <a:lumMod val="60000"/>
+                <a:lumOff val="40000"/>
+              </a:schemeClr>
+            </a:solidFill>
+          </a:ln>
+        </p:spPr>
+        <p:style>
+          <a:lnRef idx="2">
+            <a:schemeClr val="accent1">
+              <a:shade val="50000"/>
+            </a:schemeClr>
+          </a:lnRef>
+          <a:fillRef idx="1">
+            <a:schemeClr val="accent1"/>
+          </a:fillRef>
+          <a:effectRef idx="0">
+            <a:schemeClr val="accent1"/>
+          </a:effectRef>
+          <a:fontRef idx="minor">
+            <a:schemeClr val="lt1"/>
+          </a:fontRef>
+        </p:style>
+        <p:txBody>
+          <a:bodyPr rot="0" spcFirstLastPara="0" vertOverflow="overflow" horzOverflow="overflow" vert="horz" wrap="square" lIns="91440" tIns="45720" rIns="91440" bIns="45720" numCol="1" spcCol="0" rtlCol="0" fromWordArt="0" anchor="ctr" anchorCtr="0" forceAA="0" compatLnSpc="1">
+            <a:prstTxWarp prst="textNoShape">
+              <a:avLst/>
+            </a:prstTxWarp>
+            <a:noAutofit/>
+          </a:bodyPr>
+          <a:lstStyle/>
+          <a:p>
+            <a:pPr algn="ctr"/>
+            <a:endParaRPr lang="en-GB"/>
+          </a:p>
+        </p:txBody>
+      </p:sp>
+      <p:cxnSp>
+        <p:nvCxnSpPr>
+          <p:cNvPr id="115" name="Straight Connector 114"/>
+          <p:cNvCxnSpPr/>
+          <p:nvPr/>
+        </p:nvCxnSpPr>
+        <p:spPr>
+          <a:xfrm rot="21300000" flipH="1">
+            <a:off x="10835311" y="546288"/>
+            <a:ext cx="109456" cy="686546"/>
+          </a:xfrm>
+          <a:prstGeom prst="line">
+            <a:avLst/>
+          </a:prstGeom>
+          <a:ln w="31750">
+            <a:solidFill>
+              <a:srgbClr val="7030A0"/>
+            </a:solidFill>
+            <a:prstDash val="dash"/>
+          </a:ln>
+        </p:spPr>
+        <p:style>
+          <a:lnRef idx="3">
+            <a:schemeClr val="accent6"/>
+          </a:lnRef>
+          <a:fillRef idx="0">
+            <a:schemeClr val="accent6"/>
+          </a:fillRef>
+          <a:effectRef idx="2">
+            <a:schemeClr val="accent6"/>
+          </a:effectRef>
+          <a:fontRef idx="minor">
+            <a:schemeClr val="tx1"/>
+          </a:fontRef>
+        </p:style>
+      </p:cxnSp>
+      <p:sp>
+        <p:nvSpPr>
+          <p:cNvPr id="157" name="Hexagon 156"/>
+          <p:cNvSpPr/>
+          <p:nvPr/>
+        </p:nvSpPr>
+        <p:spPr>
+          <a:xfrm>
+            <a:off x="4116647" y="1516663"/>
+            <a:ext cx="669969" cy="601640"/>
+          </a:xfrm>
+          <a:prstGeom prst="hexagon">
+            <a:avLst/>
+          </a:prstGeom>
+          <a:noFill/>
+          <a:ln w="50800">
+            <a:solidFill>
+              <a:schemeClr val="accent3">
+                <a:lumMod val="60000"/>
+                <a:lumOff val="40000"/>
+              </a:schemeClr>
+            </a:solidFill>
+          </a:ln>
+        </p:spPr>
+        <p:style>
+          <a:lnRef idx="2">
+            <a:schemeClr val="accent1">
+              <a:shade val="50000"/>
+            </a:schemeClr>
+          </a:lnRef>
+          <a:fillRef idx="1">
+            <a:schemeClr val="accent1"/>
+          </a:fillRef>
+          <a:effectRef idx="0">
+            <a:schemeClr val="accent1"/>
+          </a:effectRef>
+          <a:fontRef idx="minor">
+            <a:schemeClr val="lt1"/>
+          </a:fontRef>
+        </p:style>
+        <p:txBody>
+          <a:bodyPr rot="0" spcFirstLastPara="0" vertOverflow="overflow" horzOverflow="overflow" vert="horz" wrap="square" lIns="91440" tIns="45720" rIns="91440" bIns="45720" numCol="1" spcCol="0" rtlCol="0" fromWordArt="0" anchor="ctr" anchorCtr="0" forceAA="0" compatLnSpc="1">
+            <a:prstTxWarp prst="textNoShape">
+              <a:avLst/>
+            </a:prstTxWarp>
+            <a:noAutofit/>
+          </a:bodyPr>
+          <a:lstStyle/>
+          <a:p>
+            <a:pPr algn="ctr"/>
+            <a:endParaRPr lang="en-GB"/>
+          </a:p>
+        </p:txBody>
+      </p:sp>
+      <p:sp>
+        <p:nvSpPr>
+          <p:cNvPr id="158" name="Extract 157"/>
+          <p:cNvSpPr/>
+          <p:nvPr/>
+        </p:nvSpPr>
+        <p:spPr>
+          <a:xfrm rot="7553366">
+            <a:off x="7400850" y="2189657"/>
+            <a:ext cx="90085" cy="82743"/>
+          </a:xfrm>
+          <a:prstGeom prst="flowChartExtract">
+            <a:avLst/>
+          </a:prstGeom>
+          <a:solidFill>
+            <a:srgbClr val="FF0000"/>
+          </a:solidFill>
+          <a:ln>
+            <a:noFill/>
+          </a:ln>
+        </p:spPr>
+        <p:style>
+          <a:lnRef idx="2">
+            <a:schemeClr val="accent1">
+              <a:shade val="50000"/>
+            </a:schemeClr>
+          </a:lnRef>
+          <a:fillRef idx="1">
+            <a:schemeClr val="accent1"/>
+          </a:fillRef>
+          <a:effectRef idx="0">
+            <a:schemeClr val="accent1"/>
+          </a:effectRef>
+          <a:fontRef idx="minor">
+            <a:schemeClr val="lt1"/>
+          </a:fontRef>
+        </p:style>
+        <p:txBody>
+          <a:bodyPr rot="0" spcFirstLastPara="0" vertOverflow="overflow" horzOverflow="overflow" vert="horz" wrap="square" lIns="91440" tIns="45720" rIns="91440" bIns="45720" numCol="1" spcCol="0" rtlCol="0" fromWordArt="0" anchor="ctr" anchorCtr="0" forceAA="0" compatLnSpc="1">
+            <a:prstTxWarp prst="textNoShape">
+              <a:avLst/>
+            </a:prstTxWarp>
+            <a:noAutofit/>
+          </a:bodyPr>
+          <a:lstStyle/>
+          <a:p>
+            <a:pPr algn="ctr"/>
+            <a:endParaRPr lang="en-GB"/>
+          </a:p>
+        </p:txBody>
+      </p:sp>
+      <p:sp>
+        <p:nvSpPr>
+          <p:cNvPr id="100" name="Down Arrow 99"/>
+          <p:cNvSpPr/>
+          <p:nvPr/>
+        </p:nvSpPr>
+        <p:spPr>
+          <a:xfrm rot="1367624">
+            <a:off x="4631971" y="884699"/>
+            <a:ext cx="136436" cy="781481"/>
+          </a:xfrm>
+          <a:prstGeom prst="downArrow">
+            <a:avLst>
+              <a:gd name="adj1" fmla="val 50000"/>
+              <a:gd name="adj2" fmla="val 70370"/>
+            </a:avLst>
+          </a:prstGeom>
+          <a:solidFill>
+            <a:schemeClr val="tx1"/>
+          </a:solidFill>
+          <a:ln>
+            <a:solidFill>
+              <a:schemeClr val="tx1"/>
+            </a:solidFill>
+          </a:ln>
+        </p:spPr>
+        <p:style>
+          <a:lnRef idx="2">
+            <a:schemeClr val="accent1">
+              <a:shade val="50000"/>
+            </a:schemeClr>
+          </a:lnRef>
+          <a:fillRef idx="1">
+            <a:schemeClr val="accent1"/>
+          </a:fillRef>
+          <a:effectRef idx="0">
+            <a:schemeClr val="accent1"/>
+          </a:effectRef>
+          <a:fontRef idx="minor">
+            <a:schemeClr val="lt1"/>
+          </a:fontRef>
+        </p:style>
+        <p:txBody>
+          <a:bodyPr rot="0" spcFirstLastPara="0" vertOverflow="overflow" horzOverflow="overflow" vert="horz" wrap="square" lIns="91440" tIns="45720" rIns="91440" bIns="45720" numCol="1" spcCol="0" rtlCol="0" fromWordArt="0" anchor="ctr" anchorCtr="0" forceAA="0" compatLnSpc="1">
+            <a:prstTxWarp prst="textNoShape">
+              <a:avLst/>
+            </a:prstTxWarp>
+            <a:noAutofit/>
+          </a:bodyPr>
+          <a:lstStyle/>
+          <a:p>
+            <a:pPr algn="ctr"/>
+            <a:endParaRPr lang="en-GB"/>
+          </a:p>
+        </p:txBody>
+      </p:sp>
+      <p:sp>
+        <p:nvSpPr>
+          <p:cNvPr id="161" name="Hexagon 160"/>
+          <p:cNvSpPr/>
+          <p:nvPr/>
+        </p:nvSpPr>
+        <p:spPr>
+          <a:xfrm>
+            <a:off x="7300752" y="1498680"/>
+            <a:ext cx="669969" cy="601640"/>
+          </a:xfrm>
+          <a:prstGeom prst="hexagon">
+            <a:avLst/>
+          </a:prstGeom>
+          <a:noFill/>
+          <a:ln w="50800">
+            <a:solidFill>
+              <a:schemeClr val="accent3">
+                <a:lumMod val="60000"/>
+                <a:lumOff val="40000"/>
+                <a:alpha val="75000"/>
+              </a:schemeClr>
+            </a:solidFill>
+          </a:ln>
+        </p:spPr>
+        <p:style>
+          <a:lnRef idx="2">
+            <a:schemeClr val="accent1">
+              <a:shade val="50000"/>
+            </a:schemeClr>
+          </a:lnRef>
+          <a:fillRef idx="1">
+            <a:schemeClr val="accent1"/>
+          </a:fillRef>
+          <a:effectRef idx="0">
+            <a:schemeClr val="accent1"/>
+          </a:effectRef>
+          <a:fontRef idx="minor">
+            <a:schemeClr val="lt1"/>
+          </a:fontRef>
+        </p:style>
+        <p:txBody>
+          <a:bodyPr rot="0" spcFirstLastPara="0" vertOverflow="overflow" horzOverflow="overflow" vert="horz" wrap="square" lIns="91440" tIns="45720" rIns="91440" bIns="45720" numCol="1" spcCol="0" rtlCol="0" fromWordArt="0" anchor="ctr" anchorCtr="0" forceAA="0" compatLnSpc="1">
+            <a:prstTxWarp prst="textNoShape">
+              <a:avLst/>
+            </a:prstTxWarp>
+            <a:noAutofit/>
+          </a:bodyPr>
+          <a:lstStyle/>
+          <a:p>
+            <a:pPr algn="ctr"/>
+            <a:endParaRPr lang="en-GB"/>
+          </a:p>
+        </p:txBody>
+      </p:sp>
+      <p:sp>
+        <p:nvSpPr>
+          <p:cNvPr id="162" name="Down Arrow 161"/>
+          <p:cNvSpPr/>
+          <p:nvPr/>
+        </p:nvSpPr>
+        <p:spPr>
+          <a:xfrm rot="16200000">
+            <a:off x="2173310" y="562401"/>
+            <a:ext cx="214762" cy="2485192"/>
+          </a:xfrm>
+          <a:prstGeom prst="downArrow">
+            <a:avLst>
+              <a:gd name="adj1" fmla="val 50000"/>
+              <a:gd name="adj2" fmla="val 70370"/>
+            </a:avLst>
+          </a:prstGeom>
+          <a:solidFill>
+            <a:schemeClr val="tx1"/>
+          </a:solidFill>
+          <a:ln>
+            <a:solidFill>
+              <a:schemeClr val="tx1"/>
+            </a:solidFill>
+          </a:ln>
+        </p:spPr>
+        <p:style>
+          <a:lnRef idx="2">
+            <a:schemeClr val="accent1">
+              <a:shade val="50000"/>
+            </a:schemeClr>
+          </a:lnRef>
+          <a:fillRef idx="1">
+            <a:schemeClr val="accent1"/>
+          </a:fillRef>
+          <a:effectRef idx="0">
+            <a:schemeClr val="accent1"/>
+          </a:effectRef>
+          <a:fontRef idx="minor">
+            <a:schemeClr val="lt1"/>
+          </a:fontRef>
+        </p:style>
+        <p:txBody>
+          <a:bodyPr rot="0" spcFirstLastPara="0" vertOverflow="overflow" horzOverflow="overflow" vert="horz" wrap="square" lIns="91440" tIns="45720" rIns="91440" bIns="45720" numCol="1" spcCol="0" rtlCol="0" fromWordArt="0" anchor="ctr" anchorCtr="0" forceAA="0" compatLnSpc="1">
+            <a:prstTxWarp prst="textNoShape">
+              <a:avLst/>
+            </a:prstTxWarp>
+            <a:noAutofit/>
+          </a:bodyPr>
+          <a:lstStyle/>
+          <a:p>
+            <a:pPr algn="ctr"/>
+            <a:endParaRPr lang="en-GB"/>
+          </a:p>
+        </p:txBody>
+      </p:sp>
+      <p:sp>
+        <p:nvSpPr>
+          <p:cNvPr id="163" name="Oval 162"/>
+          <p:cNvSpPr/>
+          <p:nvPr/>
+        </p:nvSpPr>
+        <p:spPr>
+          <a:xfrm>
+            <a:off x="357546" y="1156916"/>
+            <a:ext cx="1848716" cy="1273687"/>
+          </a:xfrm>
+          <a:prstGeom prst="ellipse">
+            <a:avLst/>
+          </a:prstGeom>
+          <a:gradFill flip="none" rotWithShape="1">
+            <a:gsLst>
+              <a:gs pos="0">
+                <a:schemeClr val="accent1">
+                  <a:lumMod val="5000"/>
+                  <a:lumOff val="95000"/>
+                </a:schemeClr>
+              </a:gs>
+              <a:gs pos="74000">
+                <a:schemeClr val="accent1">
+                  <a:lumMod val="45000"/>
+                  <a:lumOff val="55000"/>
+                </a:schemeClr>
+              </a:gs>
+              <a:gs pos="83000">
+                <a:schemeClr val="accent1">
+                  <a:lumMod val="45000"/>
+                  <a:lumOff val="55000"/>
+                </a:schemeClr>
+              </a:gs>
+              <a:gs pos="100000">
+                <a:schemeClr val="accent1">
+                  <a:lumMod val="30000"/>
+                  <a:lumOff val="70000"/>
+                </a:schemeClr>
+              </a:gs>
+            </a:gsLst>
+            <a:path path="circle">
+              <a:fillToRect l="50000" t="50000" r="50000" b="50000"/>
+            </a:path>
+            <a:tileRect/>
+          </a:gradFill>
+          <a:ln>
+            <a:noFill/>
+          </a:ln>
+        </p:spPr>
+        <p:style>
+          <a:lnRef idx="2">
+            <a:schemeClr val="accent1">
+              <a:shade val="50000"/>
+            </a:schemeClr>
+          </a:lnRef>
+          <a:fillRef idx="1">
+            <a:schemeClr val="accent1"/>
+          </a:fillRef>
+          <a:effectRef idx="0">
+            <a:schemeClr val="accent1"/>
+          </a:effectRef>
+          <a:fontRef idx="minor">
+            <a:schemeClr val="lt1"/>
+          </a:fontRef>
+        </p:style>
+        <p:txBody>
+          <a:bodyPr rot="0" spcFirstLastPara="0" vertOverflow="overflow" horzOverflow="overflow" vert="horz" wrap="square" lIns="91440" tIns="45720" rIns="91440" bIns="45720" numCol="1" spcCol="0" rtlCol="0" fromWordArt="0" anchor="ctr" anchorCtr="0" forceAA="0" compatLnSpc="1">
+            <a:prstTxWarp prst="textNoShape">
+              <a:avLst/>
+            </a:prstTxWarp>
+            <a:noAutofit/>
+          </a:bodyPr>
+          <a:lstStyle/>
+          <a:p>
+            <a:pPr algn="ctr"/>
+            <a:endParaRPr lang="en-GB"/>
+          </a:p>
+        </p:txBody>
+      </p:sp>
+      <p:sp>
+        <p:nvSpPr>
+          <p:cNvPr id="164" name="Oval 163"/>
+          <p:cNvSpPr/>
+          <p:nvPr/>
+        </p:nvSpPr>
+        <p:spPr>
+          <a:xfrm>
+            <a:off x="1227525" y="1741076"/>
+            <a:ext cx="111267" cy="113947"/>
+          </a:xfrm>
+          <a:prstGeom prst="ellipse">
+            <a:avLst/>
+          </a:prstGeom>
+          <a:solidFill>
+            <a:schemeClr val="tx1"/>
+          </a:solidFill>
+          <a:ln>
+            <a:solidFill>
+              <a:schemeClr val="accent1">
+                <a:lumMod val="20000"/>
+                <a:lumOff val="80000"/>
+              </a:schemeClr>
+            </a:solidFill>
+          </a:ln>
+        </p:spPr>
+        <p:style>
+          <a:lnRef idx="2">
+            <a:schemeClr val="accent1">
+              <a:shade val="50000"/>
+            </a:schemeClr>
+          </a:lnRef>
+          <a:fillRef idx="1">
+            <a:schemeClr val="accent1"/>
+          </a:fillRef>
+          <a:effectRef idx="0">
+            <a:schemeClr val="accent1"/>
+          </a:effectRef>
+          <a:fontRef idx="minor">
+            <a:schemeClr val="lt1"/>
+          </a:fontRef>
+        </p:style>
+        <p:txBody>
+          <a:bodyPr rot="0" spcFirstLastPara="0" vertOverflow="overflow" horzOverflow="overflow" vert="horz" wrap="square" lIns="91440" tIns="45720" rIns="91440" bIns="45720" numCol="1" spcCol="0" rtlCol="0" fromWordArt="0" anchor="ctr" anchorCtr="0" forceAA="0" compatLnSpc="1">
+            <a:prstTxWarp prst="textNoShape">
+              <a:avLst/>
+            </a:prstTxWarp>
+            <a:noAutofit/>
+          </a:bodyPr>
+          <a:lstStyle/>
+          <a:p>
+            <a:pPr algn="ctr"/>
+            <a:endParaRPr lang="en-GB"/>
+          </a:p>
+        </p:txBody>
+      </p:sp>
+      <p:sp>
+        <p:nvSpPr>
+          <p:cNvPr id="165" name="Hexagon 164"/>
+          <p:cNvSpPr/>
+          <p:nvPr/>
+        </p:nvSpPr>
+        <p:spPr>
+          <a:xfrm>
+            <a:off x="946919" y="1501032"/>
+            <a:ext cx="669969" cy="601640"/>
+          </a:xfrm>
+          <a:prstGeom prst="hexagon">
+            <a:avLst/>
+          </a:prstGeom>
+          <a:noFill/>
+          <a:ln w="50800">
+            <a:solidFill>
+              <a:schemeClr val="accent3">
+                <a:lumMod val="60000"/>
+                <a:lumOff val="40000"/>
+              </a:schemeClr>
+            </a:solidFill>
+          </a:ln>
+        </p:spPr>
+        <p:style>
+          <a:lnRef idx="2">
+            <a:schemeClr val="accent1">
+              <a:shade val="50000"/>
+            </a:schemeClr>
+          </a:lnRef>
+          <a:fillRef idx="1">
+            <a:schemeClr val="accent1"/>
+          </a:fillRef>
+          <a:effectRef idx="0">
+            <a:schemeClr val="accent1"/>
+          </a:effectRef>
+          <a:fontRef idx="minor">
+            <a:schemeClr val="lt1"/>
+          </a:fontRef>
+        </p:style>
+        <p:txBody>
+          <a:bodyPr rot="0" spcFirstLastPara="0" vertOverflow="overflow" horzOverflow="overflow" vert="horz" wrap="square" lIns="91440" tIns="45720" rIns="91440" bIns="45720" numCol="1" spcCol="0" rtlCol="0" fromWordArt="0" anchor="ctr" anchorCtr="0" forceAA="0" compatLnSpc="1">
+            <a:prstTxWarp prst="textNoShape">
+              <a:avLst/>
+            </a:prstTxWarp>
+            <a:noAutofit/>
+          </a:bodyPr>
+          <a:lstStyle/>
+          <a:p>
+            <a:pPr algn="ctr"/>
+            <a:endParaRPr lang="en-GB"/>
+          </a:p>
+        </p:txBody>
+      </p:sp>
+      <p:pic>
+        <p:nvPicPr>
+          <p:cNvPr id="166" name="Picture 165"/>
+          <p:cNvPicPr>
+            <a:picLocks noChangeAspect="1"/>
+          </p:cNvPicPr>
+          <p:nvPr/>
+        </p:nvPicPr>
+        <p:blipFill>
+          <a:blip r:embed="rId2">
+            <a:extLst>
+              <a:ext uri="{BEBA8EAE-BF5A-486C-A8C5-ECC9F3942E4B}">
+                <a14:imgProps xmlns:a14="http://schemas.microsoft.com/office/drawing/2010/main">
+                  <a14:imgLayer r:embed="rId3">
+                    <a14:imgEffect>
+                      <a14:backgroundRemoval t="10000" b="90000" l="10000" r="90000"/>
+                    </a14:imgEffect>
+                  </a14:imgLayer>
+                </a14:imgProps>
+              </a:ext>
+              <a:ext uri="{28A0092B-C50C-407E-A947-70E740481C1C}">
+                <a14:useLocalDpi xmlns:a14="http://schemas.microsoft.com/office/drawing/2010/main" val="0"/>
+              </a:ext>
+            </a:extLst>
+          </a:blip>
+          <a:stretch>
+            <a:fillRect/>
+          </a:stretch>
+        </p:blipFill>
+        <p:spPr>
+          <a:xfrm>
+            <a:off x="3632054" y="2691053"/>
+            <a:ext cx="812744" cy="809815"/>
+          </a:xfrm>
+          <a:prstGeom prst="rect">
+            <a:avLst/>
+          </a:prstGeom>
+        </p:spPr>
+      </p:pic>
+      <p:pic>
+        <p:nvPicPr>
+          <p:cNvPr id="167" name="Picture 166"/>
+          <p:cNvPicPr>
+            <a:picLocks noChangeAspect="1"/>
+          </p:cNvPicPr>
+          <p:nvPr/>
+        </p:nvPicPr>
+        <p:blipFill>
+          <a:blip r:embed="rId6">
+            <a:alphaModFix/>
+            <a:extLst>
+              <a:ext uri="{BEBA8EAE-BF5A-486C-A8C5-ECC9F3942E4B}">
+                <a14:imgProps xmlns:a14="http://schemas.microsoft.com/office/drawing/2010/main">
+                  <a14:imgLayer r:embed="rId7">
+                    <a14:imgEffect>
+                      <a14:backgroundRemoval t="10000" b="90000" l="10000" r="90000"/>
+                    </a14:imgEffect>
+                  </a14:imgLayer>
+                </a14:imgProps>
+              </a:ext>
+              <a:ext uri="{28A0092B-C50C-407E-A947-70E740481C1C}">
+                <a14:useLocalDpi xmlns:a14="http://schemas.microsoft.com/office/drawing/2010/main" val="0"/>
+              </a:ext>
+            </a:extLst>
+          </a:blip>
+          <a:stretch>
+            <a:fillRect/>
+          </a:stretch>
+        </p:blipFill>
+        <p:spPr>
+          <a:xfrm>
+            <a:off x="4391993" y="2680214"/>
+            <a:ext cx="812744" cy="809815"/>
+          </a:xfrm>
+          <a:prstGeom prst="rect">
+            <a:avLst/>
+          </a:prstGeom>
+          <a:effectLst>
+            <a:outerShdw blurRad="50800" dist="50800" dir="5400000" algn="ctr" rotWithShape="0">
+              <a:srgbClr val="000000">
+                <a:alpha val="0"/>
+              </a:srgbClr>
+            </a:outerShdw>
+          </a:effectLst>
+        </p:spPr>
+      </p:pic>
+      <p:sp>
+        <p:nvSpPr>
+          <p:cNvPr id="168" name="Rectangle 167"/>
+          <p:cNvSpPr/>
+          <p:nvPr/>
+        </p:nvSpPr>
+        <p:spPr>
+          <a:xfrm>
+            <a:off x="3894760" y="2424852"/>
             <a:ext cx="1257362" cy="369332"/>
           </a:xfrm>
           <a:prstGeom prst="rect">
@@ -8269,18 +7972,7 @@
                 <a:ea typeface="Gill Sans" charset="0"/>
                 <a:cs typeface="Gill Sans" charset="0"/>
               </a:rPr>
-              <a:t> </a:t>
-            </a:r>
-            <a:r>
-              <a:rPr lang="en-GB" dirty="0">
-                <a:solidFill>
-                  <a:srgbClr val="222222"/>
-                </a:solidFill>
-                <a:latin typeface="Gill Sans" charset="0"/>
-                <a:ea typeface="Gill Sans" charset="0"/>
-                <a:cs typeface="Gill Sans" charset="0"/>
-              </a:rPr>
-              <a:t>90</a:t>
+              <a:t> 30</a:t>
             </a:r>
             <a:r>
               <a:rPr lang="en-GB" baseline="30000" dirty="0">
@@ -8303,170 +7995,13 @@
       </p:sp>
       <p:sp>
         <p:nvSpPr>
-          <p:cNvPr id="117" name="TextBox 116"/>
+          <p:cNvPr id="169" name="TextBox 168"/>
           <p:cNvSpPr txBox="1"/>
           <p:nvPr/>
         </p:nvSpPr>
         <p:spPr>
           <a:xfrm>
-            <a:off x="9672181" y="71936"/>
-            <a:ext cx="2477145" cy="523220"/>
-          </a:xfrm>
-          <a:prstGeom prst="rect">
-            <a:avLst/>
-          </a:prstGeom>
-          <a:noFill/>
-        </p:spPr>
-        <p:txBody>
-          <a:bodyPr wrap="square" rtlCol="0">
-            <a:spAutoFit/>
-          </a:bodyPr>
-          <a:lstStyle/>
-          <a:p>
-            <a:r>
-              <a:rPr lang="en-GB" sz="1350" dirty="0">
-                <a:latin typeface="Gill Sans" charset="0"/>
-                <a:ea typeface="Gill Sans" charset="0"/>
-                <a:cs typeface="Gill Sans" charset="0"/>
-              </a:rPr>
-              <a:t>RELAXES TO SUSTAINED</a:t>
-            </a:r>
-            <a:endParaRPr lang="en-GB" sz="1350" dirty="0">
-              <a:latin typeface="Gill Sans" charset="0"/>
-              <a:ea typeface="Gill Sans" charset="0"/>
-              <a:cs typeface="Gill Sans" charset="0"/>
-            </a:endParaRPr>
-          </a:p>
-          <a:p>
-            <a:r>
-              <a:rPr lang="en-GB" sz="1350" dirty="0">
-                <a:latin typeface="Gill Sans" charset="0"/>
-                <a:ea typeface="Gill Sans" charset="0"/>
-                <a:cs typeface="Gill Sans" charset="0"/>
-              </a:rPr>
-              <a:t>COUNTER-ROTATION</a:t>
-            </a:r>
-          </a:p>
-        </p:txBody>
-      </p:sp>
-      <p:sp>
-        <p:nvSpPr>
-          <p:cNvPr id="118" name="TextBox 117"/>
-          <p:cNvSpPr txBox="1"/>
-          <p:nvPr/>
-        </p:nvSpPr>
-        <p:spPr>
-          <a:xfrm>
-            <a:off x="9658542" y="1704025"/>
-            <a:ext cx="2192615" cy="1015663"/>
-          </a:xfrm>
-          <a:prstGeom prst="rect">
-            <a:avLst/>
-          </a:prstGeom>
-          <a:noFill/>
-        </p:spPr>
-        <p:txBody>
-          <a:bodyPr wrap="square" rtlCol="0">
-            <a:spAutoFit/>
-          </a:bodyPr>
-          <a:lstStyle/>
-          <a:p>
-            <a:r>
-              <a:rPr lang="en-GB" sz="1200" dirty="0">
-                <a:latin typeface="Gill Sans" charset="0"/>
-                <a:ea typeface="Gill Sans" charset="0"/>
-                <a:cs typeface="Gill Sans" charset="0"/>
-              </a:rPr>
-              <a:t>MISALIGNMENT RELAXES BUT MORE PRONE TO FUTURE MISALIGNMENT DUE TO RE-ACCRETION &amp; SMALLER GAS CONTENT</a:t>
-            </a:r>
-          </a:p>
-        </p:txBody>
-      </p:sp>
-      <p:sp>
-        <p:nvSpPr>
-          <p:cNvPr id="73" name="TextBox 72"/>
-          <p:cNvSpPr txBox="1"/>
-          <p:nvPr/>
-        </p:nvSpPr>
-        <p:spPr>
-          <a:xfrm>
-            <a:off x="534096" y="3407639"/>
-            <a:ext cx="1240037" cy="276999"/>
-          </a:xfrm>
-          <a:prstGeom prst="rect">
-            <a:avLst/>
-          </a:prstGeom>
-          <a:noFill/>
-        </p:spPr>
-        <p:txBody>
-          <a:bodyPr wrap="square" rtlCol="0">
-            <a:spAutoFit/>
-          </a:bodyPr>
-          <a:lstStyle/>
-          <a:p>
-            <a:r>
-              <a:rPr lang="en-GB" sz="1200">
-                <a:latin typeface="Gill Sans" charset="0"/>
-                <a:ea typeface="Gill Sans" charset="0"/>
-                <a:cs typeface="Gill Sans" charset="0"/>
-              </a:rPr>
-              <a:t>STARS</a:t>
-            </a:r>
-            <a:endParaRPr lang="en-GB" sz="1200" dirty="0">
-              <a:latin typeface="Gill Sans" charset="0"/>
-              <a:ea typeface="Gill Sans" charset="0"/>
-              <a:cs typeface="Gill Sans" charset="0"/>
-            </a:endParaRPr>
-          </a:p>
-        </p:txBody>
-      </p:sp>
-      <p:sp>
-        <p:nvSpPr>
-          <p:cNvPr id="76" name="TextBox 75"/>
-          <p:cNvSpPr txBox="1"/>
-          <p:nvPr/>
-        </p:nvSpPr>
-        <p:spPr>
-          <a:xfrm>
-            <a:off x="1353276" y="3405376"/>
-            <a:ext cx="638473" cy="276999"/>
-          </a:xfrm>
-          <a:prstGeom prst="rect">
-            <a:avLst/>
-          </a:prstGeom>
-          <a:noFill/>
-        </p:spPr>
-        <p:txBody>
-          <a:bodyPr wrap="square" rtlCol="0">
-            <a:spAutoFit/>
-          </a:bodyPr>
-          <a:lstStyle/>
-          <a:p>
-            <a:r>
-              <a:rPr lang="en-GB" sz="1200">
-                <a:latin typeface="Gill Sans" charset="0"/>
-                <a:ea typeface="Gill Sans" charset="0"/>
-                <a:cs typeface="Gill Sans" charset="0"/>
-              </a:rPr>
-              <a:t>GAS</a:t>
-            </a:r>
-            <a:endParaRPr lang="en-GB" sz="1200" dirty="0">
-              <a:latin typeface="Gill Sans" charset="0"/>
-              <a:ea typeface="Gill Sans" charset="0"/>
-              <a:cs typeface="Gill Sans" charset="0"/>
-            </a:endParaRPr>
-          </a:p>
-        </p:txBody>
-      </p:sp>
-      <p:sp>
-        <p:nvSpPr>
-          <p:cNvPr id="83" name="TextBox 82"/>
-          <p:cNvSpPr txBox="1"/>
-          <p:nvPr/>
-        </p:nvSpPr>
-        <p:spPr>
-          <a:xfrm>
-            <a:off x="3767179" y="3405376"/>
+            <a:off x="3761016" y="3376056"/>
             <a:ext cx="666780" cy="276999"/>
           </a:xfrm>
           <a:prstGeom prst="rect">
@@ -8493,13 +8028,13 @@
       </p:sp>
       <p:sp>
         <p:nvSpPr>
-          <p:cNvPr id="84" name="TextBox 83"/>
+          <p:cNvPr id="170" name="TextBox 169"/>
           <p:cNvSpPr txBox="1"/>
           <p:nvPr/>
         </p:nvSpPr>
         <p:spPr>
           <a:xfrm>
-            <a:off x="4588199" y="3405376"/>
+            <a:off x="4582038" y="3376056"/>
             <a:ext cx="638473" cy="276999"/>
           </a:xfrm>
           <a:prstGeom prst="rect">
@@ -8526,14 +8061,357 @@
       </p:sp>
       <p:sp>
         <p:nvSpPr>
-          <p:cNvPr id="87" name="TextBox 86"/>
+          <p:cNvPr id="171" name="Hexagon 170"/>
+          <p:cNvSpPr/>
+          <p:nvPr/>
+        </p:nvSpPr>
+        <p:spPr>
+          <a:xfrm>
+            <a:off x="3717093" y="2767429"/>
+            <a:ext cx="669969" cy="601640"/>
+          </a:xfrm>
+          <a:prstGeom prst="hexagon">
+            <a:avLst/>
+          </a:prstGeom>
+          <a:noFill/>
+          <a:ln w="50800">
+            <a:solidFill>
+              <a:schemeClr val="accent3">
+                <a:lumMod val="60000"/>
+                <a:lumOff val="40000"/>
+              </a:schemeClr>
+            </a:solidFill>
+          </a:ln>
+        </p:spPr>
+        <p:style>
+          <a:lnRef idx="2">
+            <a:schemeClr val="accent1">
+              <a:shade val="50000"/>
+            </a:schemeClr>
+          </a:lnRef>
+          <a:fillRef idx="1">
+            <a:schemeClr val="accent1"/>
+          </a:fillRef>
+          <a:effectRef idx="0">
+            <a:schemeClr val="accent1"/>
+          </a:effectRef>
+          <a:fontRef idx="minor">
+            <a:schemeClr val="lt1"/>
+          </a:fontRef>
+        </p:style>
+        <p:txBody>
+          <a:bodyPr rot="0" spcFirstLastPara="0" vertOverflow="overflow" horzOverflow="overflow" vert="horz" wrap="square" lIns="91440" tIns="45720" rIns="91440" bIns="45720" numCol="1" spcCol="0" rtlCol="0" fromWordArt="0" anchor="ctr" anchorCtr="0" forceAA="0" compatLnSpc="1">
+            <a:prstTxWarp prst="textNoShape">
+              <a:avLst/>
+            </a:prstTxWarp>
+            <a:noAutofit/>
+          </a:bodyPr>
+          <a:lstStyle/>
+          <a:p>
+            <a:pPr algn="ctr"/>
+            <a:endParaRPr lang="en-GB"/>
+          </a:p>
+        </p:txBody>
+      </p:sp>
+      <p:cxnSp>
+        <p:nvCxnSpPr>
+          <p:cNvPr id="172" name="Straight Connector 171"/>
+          <p:cNvCxnSpPr/>
+          <p:nvPr/>
+        </p:nvCxnSpPr>
+        <p:spPr>
+          <a:xfrm flipH="1">
+            <a:off x="3989521" y="2732048"/>
+            <a:ext cx="109456" cy="686546"/>
+          </a:xfrm>
+          <a:prstGeom prst="line">
+            <a:avLst/>
+          </a:prstGeom>
+          <a:ln w="31750">
+            <a:solidFill>
+              <a:srgbClr val="7030A0"/>
+            </a:solidFill>
+            <a:prstDash val="dash"/>
+          </a:ln>
+        </p:spPr>
+        <p:style>
+          <a:lnRef idx="3">
+            <a:schemeClr val="accent6"/>
+          </a:lnRef>
+          <a:fillRef idx="0">
+            <a:schemeClr val="accent6"/>
+          </a:fillRef>
+          <a:effectRef idx="2">
+            <a:schemeClr val="accent6"/>
+          </a:effectRef>
+          <a:fontRef idx="minor">
+            <a:schemeClr val="tx1"/>
+          </a:fontRef>
+        </p:style>
+      </p:cxnSp>
+      <p:sp>
+        <p:nvSpPr>
+          <p:cNvPr id="173" name="Hexagon 172"/>
+          <p:cNvSpPr/>
+          <p:nvPr/>
+        </p:nvSpPr>
+        <p:spPr>
+          <a:xfrm>
+            <a:off x="4463674" y="2767044"/>
+            <a:ext cx="669969" cy="601640"/>
+          </a:xfrm>
+          <a:prstGeom prst="hexagon">
+            <a:avLst/>
+          </a:prstGeom>
+          <a:noFill/>
+          <a:ln w="50800">
+            <a:solidFill>
+              <a:schemeClr val="accent3">
+                <a:lumMod val="60000"/>
+                <a:lumOff val="40000"/>
+              </a:schemeClr>
+            </a:solidFill>
+          </a:ln>
+        </p:spPr>
+        <p:style>
+          <a:lnRef idx="2">
+            <a:schemeClr val="accent1">
+              <a:shade val="50000"/>
+            </a:schemeClr>
+          </a:lnRef>
+          <a:fillRef idx="1">
+            <a:schemeClr val="accent1"/>
+          </a:fillRef>
+          <a:effectRef idx="0">
+            <a:schemeClr val="accent1"/>
+          </a:effectRef>
+          <a:fontRef idx="minor">
+            <a:schemeClr val="lt1"/>
+          </a:fontRef>
+        </p:style>
+        <p:txBody>
+          <a:bodyPr rot="0" spcFirstLastPara="0" vertOverflow="overflow" horzOverflow="overflow" vert="horz" wrap="square" lIns="91440" tIns="45720" rIns="91440" bIns="45720" numCol="1" spcCol="0" rtlCol="0" fromWordArt="0" anchor="ctr" anchorCtr="0" forceAA="0" compatLnSpc="1">
+            <a:prstTxWarp prst="textNoShape">
+              <a:avLst/>
+            </a:prstTxWarp>
+            <a:noAutofit/>
+          </a:bodyPr>
+          <a:lstStyle/>
+          <a:p>
+            <a:pPr algn="ctr"/>
+            <a:endParaRPr lang="en-GB"/>
+          </a:p>
+        </p:txBody>
+      </p:sp>
+      <p:cxnSp>
+        <p:nvCxnSpPr>
+          <p:cNvPr id="174" name="Straight Connector 173"/>
+          <p:cNvCxnSpPr/>
+          <p:nvPr/>
+        </p:nvCxnSpPr>
+        <p:spPr>
+          <a:xfrm rot="2340000" flipH="1">
+            <a:off x="4748414" y="2715456"/>
+            <a:ext cx="109456" cy="686546"/>
+          </a:xfrm>
+          <a:prstGeom prst="line">
+            <a:avLst/>
+          </a:prstGeom>
+          <a:ln w="31750">
+            <a:solidFill>
+              <a:srgbClr val="7030A0"/>
+            </a:solidFill>
+            <a:prstDash val="dash"/>
+          </a:ln>
+        </p:spPr>
+        <p:style>
+          <a:lnRef idx="3">
+            <a:schemeClr val="accent6"/>
+          </a:lnRef>
+          <a:fillRef idx="0">
+            <a:schemeClr val="accent6"/>
+          </a:fillRef>
+          <a:effectRef idx="2">
+            <a:schemeClr val="accent6"/>
+          </a:effectRef>
+          <a:fontRef idx="minor">
+            <a:schemeClr val="tx1"/>
+          </a:fontRef>
+        </p:style>
+      </p:cxnSp>
+      <p:sp>
+        <p:nvSpPr>
+          <p:cNvPr id="176" name="Oval 175"/>
+          <p:cNvSpPr/>
+          <p:nvPr/>
+        </p:nvSpPr>
+        <p:spPr>
+          <a:xfrm>
+            <a:off x="7588565" y="1736159"/>
+            <a:ext cx="111267" cy="113947"/>
+          </a:xfrm>
+          <a:prstGeom prst="ellipse">
+            <a:avLst/>
+          </a:prstGeom>
+          <a:solidFill>
+            <a:schemeClr val="tx1"/>
+          </a:solidFill>
+          <a:ln>
+            <a:solidFill>
+              <a:schemeClr val="accent1">
+                <a:lumMod val="20000"/>
+                <a:lumOff val="80000"/>
+              </a:schemeClr>
+            </a:solidFill>
+          </a:ln>
+        </p:spPr>
+        <p:style>
+          <a:lnRef idx="2">
+            <a:schemeClr val="accent1">
+              <a:shade val="50000"/>
+            </a:schemeClr>
+          </a:lnRef>
+          <a:fillRef idx="1">
+            <a:schemeClr val="accent1"/>
+          </a:fillRef>
+          <a:effectRef idx="0">
+            <a:schemeClr val="accent1"/>
+          </a:effectRef>
+          <a:fontRef idx="minor">
+            <a:schemeClr val="lt1"/>
+          </a:fontRef>
+        </p:style>
+        <p:txBody>
+          <a:bodyPr rot="0" spcFirstLastPara="0" vertOverflow="overflow" horzOverflow="overflow" vert="horz" wrap="square" lIns="91440" tIns="45720" rIns="91440" bIns="45720" numCol="1" spcCol="0" rtlCol="0" fromWordArt="0" anchor="ctr" anchorCtr="0" forceAA="0" compatLnSpc="1">
+            <a:prstTxWarp prst="textNoShape">
+              <a:avLst/>
+            </a:prstTxWarp>
+            <a:noAutofit/>
+          </a:bodyPr>
+          <a:lstStyle/>
+          <a:p>
+            <a:pPr algn="ctr"/>
+            <a:endParaRPr lang="en-GB"/>
+          </a:p>
+        </p:txBody>
+      </p:sp>
+      <p:sp>
+        <p:nvSpPr>
+          <p:cNvPr id="177" name="Extract 176"/>
+          <p:cNvSpPr/>
+          <p:nvPr/>
+        </p:nvSpPr>
+        <p:spPr>
+          <a:xfrm rot="4200333">
+            <a:off x="6913080" y="1678736"/>
+            <a:ext cx="90085" cy="82744"/>
+          </a:xfrm>
+          <a:prstGeom prst="flowChartExtract">
+            <a:avLst/>
+          </a:prstGeom>
+          <a:solidFill>
+            <a:srgbClr val="FF0000"/>
+          </a:solidFill>
+          <a:ln>
+            <a:noFill/>
+          </a:ln>
+        </p:spPr>
+        <p:style>
+          <a:lnRef idx="2">
+            <a:schemeClr val="accent1">
+              <a:shade val="50000"/>
+            </a:schemeClr>
+          </a:lnRef>
+          <a:fillRef idx="1">
+            <a:schemeClr val="accent1"/>
+          </a:fillRef>
+          <a:effectRef idx="0">
+            <a:schemeClr val="accent1"/>
+          </a:effectRef>
+          <a:fontRef idx="minor">
+            <a:schemeClr val="lt1"/>
+          </a:fontRef>
+        </p:style>
+        <p:txBody>
+          <a:bodyPr rot="0" spcFirstLastPara="0" vertOverflow="overflow" horzOverflow="overflow" vert="horz" wrap="square" lIns="91440" tIns="45720" rIns="91440" bIns="45720" numCol="1" spcCol="0" rtlCol="0" fromWordArt="0" anchor="ctr" anchorCtr="0" forceAA="0" compatLnSpc="1">
+            <a:prstTxWarp prst="textNoShape">
+              <a:avLst/>
+            </a:prstTxWarp>
+            <a:noAutofit/>
+          </a:bodyPr>
+          <a:lstStyle/>
+          <a:p>
+            <a:pPr algn="ctr"/>
+            <a:endParaRPr lang="en-GB"/>
+          </a:p>
+        </p:txBody>
+      </p:sp>
+      <p:sp>
+        <p:nvSpPr>
+          <p:cNvPr id="175" name="Down Arrow 174"/>
+          <p:cNvSpPr/>
+          <p:nvPr/>
+        </p:nvSpPr>
+        <p:spPr>
+          <a:xfrm rot="1367624">
+            <a:off x="7175884" y="878024"/>
+            <a:ext cx="136436" cy="781481"/>
+          </a:xfrm>
+          <a:prstGeom prst="downArrow">
+            <a:avLst>
+              <a:gd name="adj1" fmla="val 50000"/>
+              <a:gd name="adj2" fmla="val 70370"/>
+            </a:avLst>
+          </a:prstGeom>
+          <a:solidFill>
+            <a:schemeClr val="tx1"/>
+          </a:solidFill>
+          <a:ln>
+            <a:solidFill>
+              <a:schemeClr val="tx1"/>
+            </a:solidFill>
+          </a:ln>
+        </p:spPr>
+        <p:style>
+          <a:lnRef idx="2">
+            <a:schemeClr val="accent1">
+              <a:shade val="50000"/>
+            </a:schemeClr>
+          </a:lnRef>
+          <a:fillRef idx="1">
+            <a:schemeClr val="accent1"/>
+          </a:fillRef>
+          <a:effectRef idx="0">
+            <a:schemeClr val="accent1"/>
+          </a:effectRef>
+          <a:fontRef idx="minor">
+            <a:schemeClr val="lt1"/>
+          </a:fontRef>
+        </p:style>
+        <p:txBody>
+          <a:bodyPr rot="0" spcFirstLastPara="0" vertOverflow="overflow" horzOverflow="overflow" vert="horz" wrap="square" lIns="91440" tIns="45720" rIns="91440" bIns="45720" numCol="1" spcCol="0" rtlCol="0" fromWordArt="0" anchor="ctr" anchorCtr="0" forceAA="0" compatLnSpc="1">
+            <a:prstTxWarp prst="textNoShape">
+              <a:avLst/>
+            </a:prstTxWarp>
+            <a:noAutofit/>
+          </a:bodyPr>
+          <a:lstStyle/>
+          <a:p>
+            <a:pPr algn="ctr"/>
+            <a:endParaRPr lang="en-GB"/>
+          </a:p>
+        </p:txBody>
+      </p:sp>
+      <p:sp>
+        <p:nvSpPr>
+          <p:cNvPr id="178" name="TextBox 177"/>
           <p:cNvSpPr txBox="1"/>
           <p:nvPr/>
         </p:nvSpPr>
         <p:spPr>
           <a:xfrm>
-            <a:off x="6954032" y="3444953"/>
-            <a:ext cx="1240037" cy="276999"/>
+            <a:off x="6712001" y="609744"/>
+            <a:ext cx="2099841" cy="307777"/>
           </a:xfrm>
           <a:prstGeom prst="rect">
             <a:avLst/>
@@ -8547,194 +8425,14 @@
           <a:lstStyle/>
           <a:p>
             <a:r>
-              <a:rPr lang="en-GB" sz="1200">
+              <a:rPr lang="en-GB" sz="1400" smtClean="0">
                 <a:latin typeface="Gill Sans" charset="0"/>
                 <a:ea typeface="Gill Sans" charset="0"/>
                 <a:cs typeface="Gill Sans" charset="0"/>
               </a:rPr>
-              <a:t>STARS</a:t>
-            </a:r>
-            <a:endParaRPr lang="en-GB" sz="1200" dirty="0">
-              <a:latin typeface="Gill Sans" charset="0"/>
-              <a:ea typeface="Gill Sans" charset="0"/>
-              <a:cs typeface="Gill Sans" charset="0"/>
-            </a:endParaRPr>
-          </a:p>
-        </p:txBody>
-      </p:sp>
-      <p:sp>
-        <p:nvSpPr>
-          <p:cNvPr id="90" name="TextBox 89"/>
-          <p:cNvSpPr txBox="1"/>
-          <p:nvPr/>
-        </p:nvSpPr>
-        <p:spPr>
-          <a:xfrm>
-            <a:off x="7773212" y="3442690"/>
-            <a:ext cx="638473" cy="276999"/>
-          </a:xfrm>
-          <a:prstGeom prst="rect">
-            <a:avLst/>
-          </a:prstGeom>
-          <a:noFill/>
-        </p:spPr>
-        <p:txBody>
-          <a:bodyPr wrap="square" rtlCol="0">
-            <a:spAutoFit/>
-          </a:bodyPr>
-          <a:lstStyle/>
-          <a:p>
-            <a:r>
-              <a:rPr lang="en-GB" sz="1200">
-                <a:latin typeface="Gill Sans" charset="0"/>
-                <a:ea typeface="Gill Sans" charset="0"/>
-                <a:cs typeface="Gill Sans" charset="0"/>
-              </a:rPr>
-              <a:t>GAS</a:t>
-            </a:r>
-            <a:endParaRPr lang="en-GB" sz="1200" dirty="0">
-              <a:latin typeface="Gill Sans" charset="0"/>
-              <a:ea typeface="Gill Sans" charset="0"/>
-              <a:cs typeface="Gill Sans" charset="0"/>
-            </a:endParaRPr>
-          </a:p>
-        </p:txBody>
-      </p:sp>
-      <p:sp>
-        <p:nvSpPr>
-          <p:cNvPr id="98" name="TextBox 97"/>
-          <p:cNvSpPr txBox="1"/>
-          <p:nvPr/>
-        </p:nvSpPr>
-        <p:spPr>
-          <a:xfrm>
-            <a:off x="9673750" y="3442690"/>
-            <a:ext cx="666780" cy="276999"/>
-          </a:xfrm>
-          <a:prstGeom prst="rect">
-            <a:avLst/>
-          </a:prstGeom>
-          <a:noFill/>
-        </p:spPr>
-        <p:txBody>
-          <a:bodyPr wrap="square" rtlCol="0">
-            <a:spAutoFit/>
-          </a:bodyPr>
-          <a:lstStyle/>
-          <a:p>
-            <a:r>
-              <a:rPr lang="en-GB" sz="1200" dirty="0">
-                <a:latin typeface="Gill Sans" charset="0"/>
-                <a:ea typeface="Gill Sans" charset="0"/>
-                <a:cs typeface="Gill Sans" charset="0"/>
-              </a:rPr>
-              <a:t>STARS</a:t>
-            </a:r>
-          </a:p>
-        </p:txBody>
-      </p:sp>
-      <p:sp>
-        <p:nvSpPr>
-          <p:cNvPr id="102" name="TextBox 101"/>
-          <p:cNvSpPr txBox="1"/>
-          <p:nvPr/>
-        </p:nvSpPr>
-        <p:spPr>
-          <a:xfrm>
-            <a:off x="10494770" y="3442690"/>
-            <a:ext cx="638473" cy="276999"/>
-          </a:xfrm>
-          <a:prstGeom prst="rect">
-            <a:avLst/>
-          </a:prstGeom>
-          <a:noFill/>
-        </p:spPr>
-        <p:txBody>
-          <a:bodyPr wrap="square" rtlCol="0">
-            <a:spAutoFit/>
-          </a:bodyPr>
-          <a:lstStyle/>
-          <a:p>
-            <a:r>
-              <a:rPr lang="en-GB" sz="1200" dirty="0">
-                <a:latin typeface="Gill Sans" charset="0"/>
-                <a:ea typeface="Gill Sans" charset="0"/>
-                <a:cs typeface="Gill Sans" charset="0"/>
-              </a:rPr>
-              <a:t>GAS</a:t>
-            </a:r>
-          </a:p>
-        </p:txBody>
-      </p:sp>
-      <p:sp>
-        <p:nvSpPr>
-          <p:cNvPr id="104" name="TextBox 103"/>
-          <p:cNvSpPr txBox="1"/>
-          <p:nvPr/>
-        </p:nvSpPr>
-        <p:spPr>
-          <a:xfrm>
-            <a:off x="9708203" y="1215376"/>
-            <a:ext cx="1240037" cy="276999"/>
-          </a:xfrm>
-          <a:prstGeom prst="rect">
-            <a:avLst/>
-          </a:prstGeom>
-          <a:noFill/>
-        </p:spPr>
-        <p:txBody>
-          <a:bodyPr wrap="square" rtlCol="0">
-            <a:spAutoFit/>
-          </a:bodyPr>
-          <a:lstStyle/>
-          <a:p>
-            <a:r>
-              <a:rPr lang="en-GB" sz="1200">
-                <a:latin typeface="Gill Sans" charset="0"/>
-                <a:ea typeface="Gill Sans" charset="0"/>
-                <a:cs typeface="Gill Sans" charset="0"/>
-              </a:rPr>
-              <a:t>STARS</a:t>
-            </a:r>
-            <a:endParaRPr lang="en-GB" sz="1200" dirty="0">
-              <a:latin typeface="Gill Sans" charset="0"/>
-              <a:ea typeface="Gill Sans" charset="0"/>
-              <a:cs typeface="Gill Sans" charset="0"/>
-            </a:endParaRPr>
-          </a:p>
-        </p:txBody>
-      </p:sp>
-      <p:sp>
-        <p:nvSpPr>
-          <p:cNvPr id="112" name="TextBox 111"/>
-          <p:cNvSpPr txBox="1"/>
-          <p:nvPr/>
-        </p:nvSpPr>
-        <p:spPr>
-          <a:xfrm>
-            <a:off x="10527383" y="1213113"/>
-            <a:ext cx="638473" cy="276999"/>
-          </a:xfrm>
-          <a:prstGeom prst="rect">
-            <a:avLst/>
-          </a:prstGeom>
-          <a:noFill/>
-        </p:spPr>
-        <p:txBody>
-          <a:bodyPr wrap="square" rtlCol="0">
-            <a:spAutoFit/>
-          </a:bodyPr>
-          <a:lstStyle/>
-          <a:p>
-            <a:r>
-              <a:rPr lang="en-GB" sz="1200">
-                <a:latin typeface="Gill Sans" charset="0"/>
-                <a:ea typeface="Gill Sans" charset="0"/>
-                <a:cs typeface="Gill Sans" charset="0"/>
-              </a:rPr>
-              <a:t>GAS</a:t>
-            </a:r>
-            <a:endParaRPr lang="en-GB" sz="1200" dirty="0">
+              <a:t>RADIATIVE OUTFLOW</a:t>
+            </a:r>
+            <a:endParaRPr lang="en-GB" sz="1400" dirty="0">
               <a:latin typeface="Gill Sans" charset="0"/>
               <a:ea typeface="Gill Sans" charset="0"/>
               <a:cs typeface="Gill Sans" charset="0"/>
@@ -8752,6 +8450,13 @@
   <p:clrMapOvr>
     <a:masterClrMapping/>
   </p:clrMapOvr>
+  <p:timing>
+    <p:tnLst>
+      <p:par>
+        <p:cTn id="1" dur="indefinite" restart="never" nodeType="tmRoot"/>
+      </p:par>
+    </p:tnLst>
+  </p:timing>
 </p:sld>
 </file>
 
